--- a/IDPA/How Many Hands Does it Take.pptx
+++ b/IDPA/How Many Hands Does it Take.pptx
@@ -5,10 +5,11 @@
     <p:sldMasterId id="2147483648" r:id="rId1"/>
   </p:sldMasterIdLst>
   <p:notesMasterIdLst>
-    <p:notesMasterId r:id="rId3"/>
+    <p:notesMasterId r:id="rId4"/>
   </p:notesMasterIdLst>
   <p:sldIdLst>
     <p:sldId id="274" r:id="rId2"/>
+    <p:sldId id="282" r:id="rId3"/>
   </p:sldIdLst>
   <p:sldSz cx="7315200" cy="9601200"/>
   <p:notesSz cx="7315200" cy="9601200"/>
@@ -335,7 +336,7 @@
               <a:pPr>
                 <a:defRPr/>
               </a:pPr>
-              <a:t>17.04.2018</a:t>
+              <a:t>23.12.2018</a:t>
             </a:fld>
             <a:endParaRPr lang="en-US"/>
           </a:p>
@@ -515,11 +516,6 @@
         </p:txBody>
       </p:sp>
     </p:spTree>
-    <p:extLst>
-      <p:ext uri="{BB962C8B-B14F-4D97-AF65-F5344CB8AC3E}">
-        <p14:creationId xmlns:p14="http://schemas.microsoft.com/office/powerpoint/2010/main" val="2326829919"/>
-      </p:ext>
-    </p:extLst>
   </p:cSld>
   <p:clrMap bg1="lt1" tx1="dk1" bg2="lt2" tx2="dk2" accent1="accent1" accent2="accent2" accent3="accent3" accent4="accent4" accent5="accent5" accent6="accent6" hlink="hlink" folHlink="folHlink"/>
   <p:notesStyle>
@@ -897,9 +893,89 @@
         </p:txBody>
       </p:sp>
     </p:spTree>
+  </p:cSld>
+  <p:clrMapOvr>
+    <a:masterClrMapping/>
+  </p:clrMapOvr>
+</p:notes>
+</file>
+
+<file path=ppt/notesSlides/notesSlide2.xml><?xml version="1.0" encoding="utf-8"?>
+<p:notes xmlns:a="http://schemas.openxmlformats.org/drawingml/2006/main" xmlns:r="http://schemas.openxmlformats.org/officeDocument/2006/relationships" xmlns:p="http://schemas.openxmlformats.org/presentationml/2006/main">
+  <p:cSld>
+    <p:spTree>
+      <p:nvGrpSpPr>
+        <p:cNvPr id="1" name=""/>
+        <p:cNvGrpSpPr/>
+        <p:nvPr/>
+      </p:nvGrpSpPr>
+      <p:grpSpPr>
+        <a:xfrm>
+          <a:off x="0" y="0"/>
+          <a:ext cx="0" cy="0"/>
+          <a:chOff x="0" y="0"/>
+          <a:chExt cx="0" cy="0"/>
+        </a:xfrm>
+      </p:grpSpPr>
+      <p:sp>
+        <p:nvSpPr>
+          <p:cNvPr id="2" name="Slide Image Placeholder 1"/>
+          <p:cNvSpPr>
+            <a:spLocks noGrp="1" noRot="1" noChangeAspect="1"/>
+          </p:cNvSpPr>
+          <p:nvPr>
+            <p:ph type="sldImg"/>
+          </p:nvPr>
+        </p:nvSpPr>
+        <p:spPr/>
+      </p:sp>
+      <p:sp>
+        <p:nvSpPr>
+          <p:cNvPr id="3" name="Notes Placeholder 2"/>
+          <p:cNvSpPr>
+            <a:spLocks noGrp="1"/>
+          </p:cNvSpPr>
+          <p:nvPr>
+            <p:ph type="body" idx="1"/>
+          </p:nvPr>
+        </p:nvSpPr>
+        <p:spPr/>
+        <p:txBody>
+          <a:bodyPr/>
+          <a:lstStyle/>
+          <a:p>
+            <a:endParaRPr lang="en-US" dirty="0"/>
+          </a:p>
+        </p:txBody>
+      </p:sp>
+      <p:sp>
+        <p:nvSpPr>
+          <p:cNvPr id="4" name="Slide Number Placeholder 3"/>
+          <p:cNvSpPr>
+            <a:spLocks noGrp="1"/>
+          </p:cNvSpPr>
+          <p:nvPr>
+            <p:ph type="sldNum" sz="quarter" idx="5"/>
+          </p:nvPr>
+        </p:nvSpPr>
+        <p:spPr/>
+        <p:txBody>
+          <a:bodyPr/>
+          <a:lstStyle/>
+          <a:p>
+            <a:fld id="{EE002927-E34C-453D-917E-D17EE9DC7889}" type="slidenum">
+              <a:rPr lang="en-US" altLang="en-US" smtClean="0"/>
+              <a:pPr/>
+              <a:t>2</a:t>
+            </a:fld>
+            <a:endParaRPr lang="en-US" altLang="en-US"/>
+          </a:p>
+        </p:txBody>
+      </p:sp>
+    </p:spTree>
     <p:extLst>
       <p:ext uri="{BB962C8B-B14F-4D97-AF65-F5344CB8AC3E}">
-        <p14:creationId xmlns:p14="http://schemas.microsoft.com/office/powerpoint/2010/main" val="1146521436"/>
+        <p14:creationId xmlns:p14="http://schemas.microsoft.com/office/powerpoint/2010/main" val="1800788378"/>
       </p:ext>
     </p:extLst>
   </p:cSld>
@@ -4236,14 +4312,14 @@
           <p:nvPr>
             <p:extLst>
               <p:ext uri="{D42A27DB-BD31-4B8C-83A1-F6EECF244321}">
-                <p14:modId xmlns:p14="http://schemas.microsoft.com/office/powerpoint/2010/main" val="1714405403"/>
+                <p14:modId xmlns:p14="http://schemas.microsoft.com/office/powerpoint/2010/main" val="1882081868"/>
               </p:ext>
             </p:extLst>
           </p:nvPr>
         </p:nvGraphicFramePr>
         <p:xfrm>
           <a:off x="152400" y="152400"/>
-          <a:ext cx="7010400" cy="5777468"/>
+          <a:ext cx="7010400" cy="4237556"/>
         </p:xfrm>
         <a:graphic>
           <a:graphicData uri="http://schemas.openxmlformats.org/drawingml/2006/table">
@@ -4383,7 +4459,7 @@
                           <a:latin typeface="Arial" charset="0"/>
                           <a:cs typeface="Times New Roman" charset="0"/>
                         </a:rPr>
-                        <a:t>Renton Fish and Game</a:t>
+                        <a:t>Interlake Sporting Association</a:t>
                       </a:r>
                     </a:p>
                     <a:p>
@@ -4415,26 +4491,21 @@
                           <a:latin typeface="Arial" charset="0"/>
                           <a:cs typeface="Times New Roman" charset="0"/>
                         </a:rPr>
-                        <a:t>Bay 5</a:t>
+                        <a:t>North Pistol, A</a:t>
                       </a:r>
-                    </a:p>
-                    <a:p>
-                      <a:pPr marL="0" marR="0" lvl="0" indent="0" algn="ctr" defTabSz="966788" rtl="0" eaLnBrk="1" fontAlgn="base" latinLnBrk="0" hangingPunct="1">
-                        <a:lnSpc>
-                          <a:spcPct val="100000"/>
-                        </a:lnSpc>
-                        <a:spcBef>
-                          <a:spcPct val="20000"/>
-                        </a:spcBef>
-                        <a:spcAft>
-                          <a:spcPct val="0"/>
-                        </a:spcAft>
-                        <a:buClrTx/>
-                        <a:buSzTx/>
-                        <a:buFontTx/>
-                        <a:buNone/>
-                        <a:tabLst/>
-                      </a:pPr>
+                      <a:br>
+                        <a:rPr kumimoji="0" lang="en-US" sz="1200" b="1" i="0" u="none" strike="noStrike" cap="none" normalizeH="0" baseline="0" dirty="0">
+                          <a:ln>
+                            <a:noFill/>
+                          </a:ln>
+                          <a:solidFill>
+                            <a:schemeClr val="tx1"/>
+                          </a:solidFill>
+                          <a:effectLst/>
+                          <a:latin typeface="Arial" charset="0"/>
+                          <a:cs typeface="Times New Roman" charset="0"/>
+                        </a:rPr>
+                      </a:br>
                       <a:r>
                         <a:rPr kumimoji="0" lang="en-US" sz="1200" b="1" i="0" u="none" strike="noStrike" kern="1200" cap="none" normalizeH="0" baseline="0" dirty="0">
                           <a:ln>
@@ -4450,24 +4521,20 @@
                         </a:rPr>
                         <a:t>Stage: How Many Hands Does it Take?</a:t>
                       </a:r>
-                    </a:p>
-                    <a:p>
-                      <a:pPr marL="0" marR="0" lvl="0" indent="0" algn="ctr" defTabSz="966788" rtl="0" eaLnBrk="1" fontAlgn="base" latinLnBrk="0" hangingPunct="1">
-                        <a:lnSpc>
-                          <a:spcPct val="100000"/>
-                        </a:lnSpc>
-                        <a:spcBef>
-                          <a:spcPct val="35000"/>
-                        </a:spcBef>
-                        <a:spcAft>
-                          <a:spcPct val="0"/>
-                        </a:spcAft>
-                        <a:buClrTx/>
-                        <a:buSzTx/>
-                        <a:buFontTx/>
-                        <a:buNone/>
-                        <a:tabLst/>
-                      </a:pPr>
+                      <a:br>
+                        <a:rPr kumimoji="0" lang="en-US" sz="1200" b="1" i="0" u="none" strike="noStrike" kern="1200" cap="none" normalizeH="0" baseline="0" dirty="0">
+                          <a:ln>
+                            <a:noFill/>
+                          </a:ln>
+                          <a:solidFill>
+                            <a:schemeClr val="tx1"/>
+                          </a:solidFill>
+                          <a:effectLst/>
+                          <a:latin typeface="Arial" charset="0"/>
+                          <a:ea typeface="+mn-ea"/>
+                          <a:cs typeface="+mn-cs"/>
+                        </a:rPr>
+                      </a:br>
                       <a:r>
                         <a:rPr kumimoji="0" lang="en-US" sz="1200" b="1" i="0" u="none" strike="noStrike" kern="1200" cap="none" normalizeH="0" baseline="0" dirty="0">
                           <a:ln>
@@ -4632,7 +4699,7 @@
                   </a:ext>
                 </a:extLst>
               </a:tr>
-              <a:tr h="441392">
+              <a:tr h="693338">
                 <a:tc gridSpan="4">
                   <a:txBody>
                     <a:bodyPr/>
@@ -4667,8 +4734,35 @@
                           <a:ea typeface="ＭＳ Ｐゴシック" pitchFamily="-112" charset="-128"/>
                           <a:cs typeface="Times New Roman" pitchFamily="-112" charset="0"/>
                         </a:rPr>
-                        <a:t>SCENARIO: You’ve been cleaning your gun. After stepping away for a few minutes, you come back to find Hooligans approaching.</a:t>
+                        <a:t>SCENARIO: Standards are hard. Do </a:t>
                       </a:r>
+                      <a:r>
+                        <a:rPr kumimoji="0" lang="en-US" sz="1100" b="1" i="0" u="none" strike="noStrike" cap="none" normalizeH="0" baseline="0">
+                          <a:ln>
+                            <a:noFill/>
+                          </a:ln>
+                          <a:solidFill>
+                            <a:schemeClr val="tx1"/>
+                          </a:solidFill>
+                          <a:effectLst/>
+                          <a:latin typeface="Arial" charset="0"/>
+                          <a:ea typeface="ＭＳ Ｐゴシック" pitchFamily="-112" charset="-128"/>
+                          <a:cs typeface="Times New Roman" pitchFamily="-112" charset="0"/>
+                        </a:rPr>
+                        <a:t>your worst(or best).</a:t>
+                      </a:r>
+                      <a:endParaRPr kumimoji="0" lang="en-US" sz="1100" b="1" i="0" u="none" strike="noStrike" cap="none" normalizeH="0" baseline="0" dirty="0">
+                        <a:ln>
+                          <a:noFill/>
+                        </a:ln>
+                        <a:solidFill>
+                          <a:schemeClr val="tx1"/>
+                        </a:solidFill>
+                        <a:effectLst/>
+                        <a:latin typeface="Arial" charset="0"/>
+                        <a:ea typeface="ＭＳ Ｐゴシック" pitchFamily="-112" charset="-128"/>
+                        <a:cs typeface="Times New Roman" pitchFamily="-112" charset="0"/>
+                      </a:endParaRPr>
                     </a:p>
                   </a:txBody>
                   <a:tcPr marL="18288" marR="18288" marT="36572" marB="36572" horzOverflow="overflow">
@@ -4790,73 +4884,7 @@
                           <a:ea typeface="ＭＳ Ｐゴシック" pitchFamily="-112" charset="-128"/>
                           <a:cs typeface="Times New Roman" pitchFamily="-112" charset="0"/>
                         </a:rPr>
-                        <a:t>START POSITION: Start at P1. Firearm unloaded, facing downrange, with trigger over tape on the barrel.</a:t>
-                      </a:r>
-                    </a:p>
-                    <a:p>
-                      <a:pPr marL="0" marR="0" lvl="0" indent="0" algn="l" defTabSz="966788" rtl="0" eaLnBrk="1" fontAlgn="base" latinLnBrk="0" hangingPunct="1">
-                        <a:lnSpc>
-                          <a:spcPct val="100000"/>
-                        </a:lnSpc>
-                        <a:spcBef>
-                          <a:spcPct val="5000"/>
-                        </a:spcBef>
-                        <a:spcAft>
-                          <a:spcPct val="0"/>
-                        </a:spcAft>
-                        <a:buClrTx/>
-                        <a:buSzTx/>
-                        <a:buFontTx/>
-                        <a:buNone/>
-                        <a:tabLst/>
-                      </a:pPr>
-                      <a:r>
-                        <a:rPr kumimoji="0" lang="en-US" sz="1100" b="1" i="0" u="none" strike="noStrike" cap="none" normalizeH="0" baseline="0" dirty="0">
-                          <a:ln>
-                            <a:noFill/>
-                          </a:ln>
-                          <a:solidFill>
-                            <a:schemeClr val="tx1"/>
-                          </a:solidFill>
-                          <a:effectLst/>
-                          <a:latin typeface="Arial" charset="0"/>
-                          <a:ea typeface="ＭＳ Ｐゴシック" pitchFamily="-112" charset="-128"/>
-                          <a:cs typeface="Times New Roman" pitchFamily="-112" charset="0"/>
-                        </a:rPr>
-                        <a:t>1 magazine loaded to 6 rounds on the left of the firearm.</a:t>
-                      </a:r>
-                    </a:p>
-                    <a:p>
-                      <a:pPr marL="0" marR="0" lvl="0" indent="0" algn="l" defTabSz="966788" rtl="0" eaLnBrk="1" fontAlgn="base" latinLnBrk="0" hangingPunct="1">
-                        <a:lnSpc>
-                          <a:spcPct val="100000"/>
-                        </a:lnSpc>
-                        <a:spcBef>
-                          <a:spcPct val="5000"/>
-                        </a:spcBef>
-                        <a:spcAft>
-                          <a:spcPct val="0"/>
-                        </a:spcAft>
-                        <a:buClrTx/>
-                        <a:buSzTx/>
-                        <a:buFontTx/>
-                        <a:buNone/>
-                        <a:tabLst/>
-                      </a:pPr>
-                      <a:r>
-                        <a:rPr kumimoji="0" lang="en-US" sz="1100" b="1" i="0" u="none" strike="noStrike" cap="none" normalizeH="0" baseline="0" dirty="0">
-                          <a:ln>
-                            <a:noFill/>
-                          </a:ln>
-                          <a:solidFill>
-                            <a:schemeClr val="tx1"/>
-                          </a:solidFill>
-                          <a:effectLst/>
-                          <a:latin typeface="Arial" charset="0"/>
-                          <a:ea typeface="ＭＳ Ｐゴシック" pitchFamily="-112" charset="-128"/>
-                          <a:cs typeface="Times New Roman" pitchFamily="-112" charset="0"/>
-                        </a:rPr>
-                        <a:t>1 magazine loaded to 6 rounds on the right of the firearm.</a:t>
+                        <a:t>START POSITION: Gun unloaded on barrel pointed downrange, trigger on mark. Magazines downloaded to 6 rounds. All magazines used on stage set on barrel. Shooter standing.</a:t>
                       </a:r>
                     </a:p>
                   </a:txBody>
@@ -5019,37 +5047,7 @@
                           <a:ea typeface="ＭＳ Ｐゴシック" pitchFamily="-112" charset="-128"/>
                           <a:cs typeface="Times New Roman" pitchFamily="-112" charset="0"/>
                         </a:rPr>
-                        <a:t>SCORED HITS</a:t>
-                      </a:r>
-                      <a:r>
-                        <a:rPr kumimoji="0" lang="en-US" sz="1100" b="1" i="0" u="none" strike="noStrike" cap="none" normalizeH="0" baseline="0">
-                          <a:ln>
-                            <a:noFill/>
-                          </a:ln>
-                          <a:solidFill>
-                            <a:schemeClr val="tx1"/>
-                          </a:solidFill>
-                          <a:effectLst/>
-                          <a:latin typeface="Arial" charset="0"/>
-                          <a:ea typeface="ＭＳ Ｐゴシック" pitchFamily="-112" charset="-128"/>
-                          <a:cs typeface="Times New Roman" pitchFamily="-112" charset="0"/>
-                        </a:rPr>
-                        <a:t>:        Best </a:t>
-                      </a:r>
-                      <a:r>
-                        <a:rPr kumimoji="0" lang="en-US" sz="1100" b="1" i="0" u="none" strike="noStrike" cap="none" normalizeH="0" baseline="0" dirty="0">
-                          <a:ln>
-                            <a:noFill/>
-                          </a:ln>
-                          <a:solidFill>
-                            <a:schemeClr val="tx1"/>
-                          </a:solidFill>
-                          <a:effectLst/>
-                          <a:latin typeface="Arial" charset="0"/>
-                          <a:ea typeface="ＭＳ Ｐゴシック" pitchFamily="-112" charset="-128"/>
-                          <a:cs typeface="Times New Roman" pitchFamily="-112" charset="0"/>
-                        </a:rPr>
-                        <a:t>2</a:t>
+                        <a:t>SCORED HITS:        Only 2</a:t>
                       </a:r>
                     </a:p>
                     <a:p>
@@ -5181,7 +5179,7 @@
                           <a:ea typeface="ＭＳ Ｐゴシック" pitchFamily="-112" charset="-128"/>
                           <a:cs typeface="Times New Roman" pitchFamily="-112" charset="0"/>
                         </a:rPr>
-                        <a:t>CONCEALMENT:     Not Required</a:t>
+                        <a:t>CONCEALMENT:     Required</a:t>
                       </a:r>
                     </a:p>
                     <a:p>
@@ -5214,7 +5212,7 @@
                           <a:ea typeface="ＭＳ Ｐゴシック" pitchFamily="-112" charset="-128"/>
                           <a:cs typeface="Times New Roman" pitchFamily="-112" charset="0"/>
                         </a:rPr>
-                        <a:t>Muzzle Safe Points: Muzzle safe markers / 180 degree rule</a:t>
+                        <a:t>Muzzle Safe Points: 180 degree rule</a:t>
                       </a:r>
                     </a:p>
                     <a:p>
@@ -5380,70 +5378,7 @@
                           <a:ea typeface="ＭＳ Ｐゴシック" pitchFamily="-112" charset="-128"/>
                           <a:cs typeface="Times New Roman" pitchFamily="-112" charset="0"/>
                         </a:rPr>
-                        <a:t>STAGE PROCEDURE: On the start signal, retrieve your firearm and 1 magazine only. Load your firearm.</a:t>
-                      </a:r>
-                    </a:p>
-                    <a:p>
-                      <a:pPr marL="0" marR="0" lvl="0" indent="0" algn="l" defTabSz="966788" rtl="0" eaLnBrk="1" fontAlgn="base" latinLnBrk="0" hangingPunct="1">
-                        <a:lnSpc>
-                          <a:spcPct val="100000"/>
-                        </a:lnSpc>
-                        <a:spcBef>
-                          <a:spcPct val="20000"/>
-                        </a:spcBef>
-                        <a:spcAft>
-                          <a:spcPct val="0"/>
-                        </a:spcAft>
-                        <a:buClrTx/>
-                        <a:buSzTx/>
-                        <a:buFontTx/>
-                        <a:buNone/>
-                        <a:tabLst/>
-                      </a:pPr>
-                      <a:endParaRPr kumimoji="0" lang="en-US" sz="1100" b="1" i="0" u="none" strike="noStrike" cap="none" normalizeH="0" baseline="0" dirty="0">
-                        <a:ln>
-                          <a:noFill/>
-                        </a:ln>
-                        <a:solidFill>
-                          <a:schemeClr val="tx1"/>
-                        </a:solidFill>
-                        <a:effectLst/>
-                        <a:latin typeface="Arial" charset="0"/>
-                        <a:ea typeface="ＭＳ Ｐゴシック" pitchFamily="-112" charset="-128"/>
-                        <a:cs typeface="Times New Roman" pitchFamily="-112" charset="0"/>
-                      </a:endParaRPr>
-                    </a:p>
-                    <a:p>
-                      <a:pPr marL="0" marR="0" lvl="0" indent="0" algn="l" defTabSz="966788" rtl="0" eaLnBrk="1" fontAlgn="base" latinLnBrk="0" hangingPunct="1">
-                        <a:lnSpc>
-                          <a:spcPct val="100000"/>
-                        </a:lnSpc>
-                        <a:spcBef>
-                          <a:spcPct val="20000"/>
-                        </a:spcBef>
-                        <a:spcAft>
-                          <a:spcPct val="0"/>
-                        </a:spcAft>
-                        <a:buClrTx/>
-                        <a:buSzTx/>
-                        <a:buFontTx/>
-                        <a:buNone/>
-                        <a:tabLst/>
-                      </a:pPr>
-                      <a:r>
-                        <a:rPr kumimoji="0" lang="en-US" sz="1100" b="1" i="0" u="none" strike="noStrike" cap="none" normalizeH="0" baseline="0" dirty="0">
-                          <a:ln>
-                            <a:noFill/>
-                          </a:ln>
-                          <a:solidFill>
-                            <a:schemeClr val="tx1"/>
-                          </a:solidFill>
-                          <a:effectLst/>
-                          <a:latin typeface="Arial" charset="0"/>
-                          <a:ea typeface="ＭＳ Ｐゴシック" pitchFamily="-112" charset="-128"/>
-                          <a:cs typeface="Times New Roman" pitchFamily="-112" charset="0"/>
-                        </a:rPr>
-                        <a:t>Move to either P2 or P3, no priority.</a:t>
+                        <a:t>STAGE PROCEDURE: On start signal, retrieve gun and engage targets.</a:t>
                       </a:r>
                     </a:p>
                     <a:p>
@@ -5476,7 +5411,7 @@
                           <a:ea typeface="ＭＳ Ｐゴシック" pitchFamily="-112" charset="-128"/>
                           <a:cs typeface="Times New Roman" pitchFamily="-112" charset="0"/>
                         </a:rPr>
-                        <a:t>From the position, engage all 3 targets with 2 rounds each. If you are at P2, use your left hand only. If you are at P3, use your right hand only.</a:t>
+                        <a:t>From P1, Right Hand only, engage T1, T2, T3</a:t>
                       </a:r>
                     </a:p>
                     <a:p>
@@ -5509,106 +5444,7 @@
                           <a:ea typeface="ＭＳ Ｐゴシック" pitchFamily="-112" charset="-128"/>
                           <a:cs typeface="Times New Roman" pitchFamily="-112" charset="0"/>
                         </a:rPr>
-                        <a:t>Once your gun slide-locks, move to the barrel and retrieve your second magazine. Reload your firearm.</a:t>
-                      </a:r>
-                    </a:p>
-                    <a:p>
-                      <a:pPr marL="0" marR="0" lvl="0" indent="0" algn="l" defTabSz="966788" rtl="0" eaLnBrk="1" fontAlgn="base" latinLnBrk="0" hangingPunct="1">
-                        <a:lnSpc>
-                          <a:spcPct val="100000"/>
-                        </a:lnSpc>
-                        <a:spcBef>
-                          <a:spcPct val="20000"/>
-                        </a:spcBef>
-                        <a:spcAft>
-                          <a:spcPct val="0"/>
-                        </a:spcAft>
-                        <a:buClrTx/>
-                        <a:buSzTx/>
-                        <a:buFontTx/>
-                        <a:buNone/>
-                        <a:tabLst/>
-                      </a:pPr>
-                      <a:r>
-                        <a:rPr kumimoji="0" lang="en-US" sz="1100" b="1" i="0" u="none" strike="noStrike" cap="none" normalizeH="0" baseline="0" dirty="0">
-                          <a:ln>
-                            <a:noFill/>
-                          </a:ln>
-                          <a:solidFill>
-                            <a:schemeClr val="tx1"/>
-                          </a:solidFill>
-                          <a:effectLst/>
-                          <a:latin typeface="Arial" charset="0"/>
-                          <a:ea typeface="ＭＳ Ｐゴシック" pitchFamily="-112" charset="-128"/>
-                          <a:cs typeface="Times New Roman" pitchFamily="-112" charset="0"/>
-                        </a:rPr>
-                        <a:t>Move to the other position. Engage all 3 targets with 2 rounds each. If you are at P2, use your left hand only. If you are at P3, use your right hand only.</a:t>
-                      </a:r>
-                    </a:p>
-                    <a:p>
-                      <a:pPr marL="0" marR="0" lvl="0" indent="0" algn="l" defTabSz="966788" rtl="0" eaLnBrk="1" fontAlgn="base" latinLnBrk="0" hangingPunct="1">
-                        <a:lnSpc>
-                          <a:spcPct val="100000"/>
-                        </a:lnSpc>
-                        <a:spcBef>
-                          <a:spcPct val="20000"/>
-                        </a:spcBef>
-                        <a:spcAft>
-                          <a:spcPct val="0"/>
-                        </a:spcAft>
-                        <a:buClrTx/>
-                        <a:buSzTx/>
-                        <a:buFontTx/>
-                        <a:buNone/>
-                        <a:tabLst/>
-                      </a:pPr>
-                      <a:r>
-                        <a:rPr kumimoji="0" lang="en-US" sz="1100" b="1" i="0" u="none" strike="noStrike" cap="none" normalizeH="0" baseline="0" dirty="0">
-                          <a:ln>
-                            <a:noFill/>
-                          </a:ln>
-                          <a:solidFill>
-                            <a:schemeClr val="tx1"/>
-                          </a:solidFill>
-                          <a:effectLst/>
-                          <a:latin typeface="Arial" charset="0"/>
-                          <a:ea typeface="ＭＳ Ｐゴシック" pitchFamily="-112" charset="-128"/>
-                          <a:cs typeface="Times New Roman" pitchFamily="-112" charset="0"/>
-                        </a:rPr>
-                        <a:t>	</a:t>
-                      </a:r>
-                    </a:p>
-                    <a:p>
-                      <a:pPr marL="0" marR="0" lvl="0" indent="0" algn="l" defTabSz="966788" rtl="0" eaLnBrk="1" fontAlgn="base" latinLnBrk="0" hangingPunct="1">
-                        <a:lnSpc>
-                          <a:spcPct val="100000"/>
-                        </a:lnSpc>
-                        <a:spcBef>
-                          <a:spcPct val="20000"/>
-                        </a:spcBef>
-                        <a:spcAft>
-                          <a:spcPct val="0"/>
-                        </a:spcAft>
-                        <a:buClrTx/>
-                        <a:buSzTx/>
-                        <a:buFontTx/>
-                        <a:buNone/>
-                        <a:tabLst/>
-                      </a:pPr>
-                      <a:r>
-                        <a:rPr kumimoji="0" lang="en-US" sz="1100" b="1" i="0" u="none" strike="noStrike" cap="none" normalizeH="0" baseline="0" dirty="0">
-                          <a:ln>
-                            <a:noFill/>
-                          </a:ln>
-                          <a:solidFill>
-                            <a:schemeClr val="tx1"/>
-                          </a:solidFill>
-                          <a:effectLst/>
-                          <a:latin typeface="Arial" charset="0"/>
-                          <a:ea typeface="ＭＳ Ｐゴシック" pitchFamily="-112" charset="-128"/>
-                          <a:cs typeface="Times New Roman" pitchFamily="-112" charset="0"/>
-                        </a:rPr>
-                        <a:t>NOTES: One position will be weak-hand only, the other will be strong-hand only</a:t>
+                        <a:t>From P2, Left Hand only, engage T4, T5, T6</a:t>
                       </a:r>
                     </a:p>
                   </a:txBody>
@@ -5700,50 +5536,6 @@
           </a:graphicData>
         </a:graphic>
       </p:graphicFrame>
-      <p:cxnSp>
-        <p:nvCxnSpPr>
-          <p:cNvPr id="4" name="Straight Connector 3">
-            <a:extLst>
-              <a:ext uri="{FF2B5EF4-FFF2-40B4-BE49-F238E27FC236}">
-                <a16:creationId xmlns:a16="http://schemas.microsoft.com/office/drawing/2014/main" id="{783C37ED-C883-4E05-A4CD-CA5848ED724F}"/>
-              </a:ext>
-            </a:extLst>
-          </p:cNvPr>
-          <p:cNvCxnSpPr>
-            <a:cxnSpLocks/>
-          </p:cNvCxnSpPr>
-          <p:nvPr/>
-        </p:nvCxnSpPr>
-        <p:spPr>
-          <a:xfrm>
-            <a:off x="2802241" y="7790318"/>
-            <a:ext cx="152398" cy="609600"/>
-          </a:xfrm>
-          <a:prstGeom prst="line">
-            <a:avLst/>
-          </a:prstGeom>
-          <a:ln>
-            <a:solidFill>
-              <a:srgbClr val="FF0000"/>
-            </a:solidFill>
-          </a:ln>
-          <a:effectLst/>
-        </p:spPr>
-        <p:style>
-          <a:lnRef idx="2">
-            <a:schemeClr val="accent1"/>
-          </a:lnRef>
-          <a:fillRef idx="0">
-            <a:schemeClr val="accent1"/>
-          </a:fillRef>
-          <a:effectRef idx="1">
-            <a:schemeClr val="accent1"/>
-          </a:effectRef>
-          <a:fontRef idx="minor">
-            <a:schemeClr val="tx1"/>
-          </a:fontRef>
-        </p:style>
-      </p:cxnSp>
       <p:sp>
         <p:nvSpPr>
           <p:cNvPr id="5" name="TextBox 4">
@@ -5758,8 +5550,8 @@
         </p:nvSpPr>
         <p:spPr>
           <a:xfrm>
-            <a:off x="3434095" y="8859161"/>
-            <a:ext cx="533400" cy="369332"/>
+            <a:off x="3370378" y="8476118"/>
+            <a:ext cx="744422" cy="369332"/>
           </a:xfrm>
           <a:prstGeom prst="rect">
             <a:avLst/>
@@ -5775,7 +5567,7 @@
           <a:p>
             <a:r>
               <a:rPr lang="en-US" b="1" dirty="0"/>
-              <a:t>P1</a:t>
+              <a:t>Start</a:t>
             </a:r>
           </a:p>
         </p:txBody>
@@ -5829,57 +5621,156 @@
       </p:pic>
       <p:pic>
         <p:nvPicPr>
-          <p:cNvPr id="16" name="Picture 4" descr="http://www.rfgc.org/files/patch.png">
+          <p:cNvPr id="2" name="Picture 1">
             <a:extLst>
               <a:ext uri="{FF2B5EF4-FFF2-40B4-BE49-F238E27FC236}">
-                <a16:creationId xmlns:a16="http://schemas.microsoft.com/office/drawing/2014/main" id="{156EFA39-1A0B-4256-86BF-A6696AF2AE23}"/>
+                <a16:creationId xmlns:a16="http://schemas.microsoft.com/office/drawing/2014/main" id="{5241F0D7-7198-437D-B338-F532854EF138}"/>
               </a:ext>
             </a:extLst>
           </p:cNvPr>
           <p:cNvPicPr>
-            <a:picLocks noChangeAspect="1" noChangeArrowheads="1"/>
+            <a:picLocks noChangeAspect="1"/>
           </p:cNvPicPr>
           <p:nvPr/>
         </p:nvPicPr>
         <p:blipFill>
-          <a:blip r:embed="rId4">
-            <a:extLst>
-              <a:ext uri="{28A0092B-C50C-407E-A947-70E740481C1C}">
-                <a14:useLocalDpi xmlns:a14="http://schemas.microsoft.com/office/drawing/2010/main" val="0"/>
-              </a:ext>
-            </a:extLst>
-          </a:blip>
-          <a:srcRect/>
+          <a:blip r:embed="rId4"/>
           <a:stretch>
             <a:fillRect/>
           </a:stretch>
         </p:blipFill>
-        <p:spPr bwMode="auto">
+        <p:spPr>
           <a:xfrm>
-            <a:off x="53780" y="76035"/>
-            <a:ext cx="1134712" cy="1134712"/>
+            <a:off x="76200" y="85725"/>
+            <a:ext cx="1085850" cy="1133475"/>
+          </a:xfrm>
+          <a:prstGeom prst="rect">
+            <a:avLst/>
+          </a:prstGeom>
+        </p:spPr>
+      </p:pic>
+      <p:sp>
+        <p:nvSpPr>
+          <p:cNvPr id="19" name="TextBox 18">
+            <a:extLst>
+              <a:ext uri="{FF2B5EF4-FFF2-40B4-BE49-F238E27FC236}">
+                <a16:creationId xmlns:a16="http://schemas.microsoft.com/office/drawing/2014/main" id="{927EBCBE-43FB-4F91-8696-2573A6752F13}"/>
+              </a:ext>
+            </a:extLst>
+          </p:cNvPr>
+          <p:cNvSpPr txBox="1"/>
+          <p:nvPr/>
+        </p:nvSpPr>
+        <p:spPr>
+          <a:xfrm>
+            <a:off x="2855238" y="7824688"/>
+            <a:ext cx="533400" cy="369332"/>
           </a:xfrm>
           <a:prstGeom prst="rect">
             <a:avLst/>
           </a:prstGeom>
           <a:noFill/>
-          <a:extLst>
-            <a:ext uri="{909E8E84-426E-40DD-AFC4-6F175D3DCCD1}">
-              <a14:hiddenFill xmlns:a14="http://schemas.microsoft.com/office/drawing/2010/main">
-                <a:solidFill>
-                  <a:srgbClr val="FFFFFF"/>
-                </a:solidFill>
-              </a14:hiddenFill>
-            </a:ext>
-          </a:extLst>
+          <a:effectLst/>
         </p:spPr>
-      </p:pic>
+        <p:txBody>
+          <a:bodyPr wrap="square" rtlCol="0">
+            <a:spAutoFit/>
+          </a:bodyPr>
+          <a:lstStyle/>
+          <a:p>
+            <a:r>
+              <a:rPr lang="en-US" b="1" dirty="0"/>
+              <a:t>P2</a:t>
+            </a:r>
+          </a:p>
+        </p:txBody>
+      </p:sp>
       <p:cxnSp>
         <p:nvCxnSpPr>
-          <p:cNvPr id="17" name="Straight Connector 16">
+          <p:cNvPr id="36" name="Straight Connector 35">
             <a:extLst>
               <a:ext uri="{FF2B5EF4-FFF2-40B4-BE49-F238E27FC236}">
-                <a16:creationId xmlns:a16="http://schemas.microsoft.com/office/drawing/2014/main" id="{D8A75802-1D2D-4308-9E70-E6F7FAE9DA89}"/>
+                <a16:creationId xmlns:a16="http://schemas.microsoft.com/office/drawing/2014/main" id="{F04EC310-9E65-43D9-B8A2-850A4C07A039}"/>
+              </a:ext>
+            </a:extLst>
+          </p:cNvPr>
+          <p:cNvCxnSpPr>
+            <a:cxnSpLocks/>
+          </p:cNvCxnSpPr>
+          <p:nvPr/>
+        </p:nvCxnSpPr>
+        <p:spPr>
+          <a:xfrm>
+            <a:off x="2802241" y="7790318"/>
+            <a:ext cx="152398" cy="609600"/>
+          </a:xfrm>
+          <a:prstGeom prst="line">
+            <a:avLst/>
+          </a:prstGeom>
+          <a:ln>
+            <a:solidFill>
+              <a:srgbClr val="FF0000"/>
+            </a:solidFill>
+          </a:ln>
+          <a:effectLst/>
+        </p:spPr>
+        <p:style>
+          <a:lnRef idx="2">
+            <a:schemeClr val="accent1"/>
+          </a:lnRef>
+          <a:fillRef idx="0">
+            <a:schemeClr val="accent1"/>
+          </a:fillRef>
+          <a:effectRef idx="1">
+            <a:schemeClr val="accent1"/>
+          </a:effectRef>
+          <a:fontRef idx="minor">
+            <a:schemeClr val="tx1"/>
+          </a:fontRef>
+        </p:style>
+      </p:cxnSp>
+      <p:sp>
+        <p:nvSpPr>
+          <p:cNvPr id="37" name="TextBox 36">
+            <a:extLst>
+              <a:ext uri="{FF2B5EF4-FFF2-40B4-BE49-F238E27FC236}">
+                <a16:creationId xmlns:a16="http://schemas.microsoft.com/office/drawing/2014/main" id="{CB01588D-96BE-4A0F-A975-B5FE5272AAAD}"/>
+              </a:ext>
+            </a:extLst>
+          </p:cNvPr>
+          <p:cNvSpPr txBox="1"/>
+          <p:nvPr/>
+        </p:nvSpPr>
+        <p:spPr>
+          <a:xfrm>
+            <a:off x="3928077" y="7910452"/>
+            <a:ext cx="533400" cy="369332"/>
+          </a:xfrm>
+          <a:prstGeom prst="rect">
+            <a:avLst/>
+          </a:prstGeom>
+          <a:noFill/>
+          <a:effectLst/>
+        </p:spPr>
+        <p:txBody>
+          <a:bodyPr wrap="square" rtlCol="0">
+            <a:spAutoFit/>
+          </a:bodyPr>
+          <a:lstStyle/>
+          <a:p>
+            <a:r>
+              <a:rPr lang="en-US" b="1" dirty="0"/>
+              <a:t>P1</a:t>
+            </a:r>
+          </a:p>
+        </p:txBody>
+      </p:sp>
+      <p:cxnSp>
+        <p:nvCxnSpPr>
+          <p:cNvPr id="38" name="Straight Connector 37">
+            <a:extLst>
+              <a:ext uri="{FF2B5EF4-FFF2-40B4-BE49-F238E27FC236}">
+                <a16:creationId xmlns:a16="http://schemas.microsoft.com/office/drawing/2014/main" id="{B5471910-716E-4ECB-8721-940E1FFD51C9}"/>
               </a:ext>
             </a:extLst>
           </p:cNvPr>
@@ -5920,10 +5811,10 @@
       </p:cxnSp>
       <p:sp>
         <p:nvSpPr>
-          <p:cNvPr id="22" name="Freeform 303">
+          <p:cNvPr id="39" name="Freeform 303">
             <a:extLst>
               <a:ext uri="{FF2B5EF4-FFF2-40B4-BE49-F238E27FC236}">
-                <a16:creationId xmlns:a16="http://schemas.microsoft.com/office/drawing/2014/main" id="{81D59607-5BF7-4FEF-958A-DB179F95CC30}"/>
+                <a16:creationId xmlns:a16="http://schemas.microsoft.com/office/drawing/2014/main" id="{C6294E38-CF1F-44FC-AF6E-7B02368912D7}"/>
               </a:ext>
             </a:extLst>
           </p:cNvPr>
@@ -6024,10 +5915,10 @@
       </p:sp>
       <p:sp>
         <p:nvSpPr>
-          <p:cNvPr id="23" name="AutoShape 673">
+          <p:cNvPr id="40" name="AutoShape 673">
             <a:extLst>
               <a:ext uri="{FF2B5EF4-FFF2-40B4-BE49-F238E27FC236}">
-                <a16:creationId xmlns:a16="http://schemas.microsoft.com/office/drawing/2014/main" id="{7BDE3221-ECDE-4C9F-B984-063997C2444A}"/>
+                <a16:creationId xmlns:a16="http://schemas.microsoft.com/office/drawing/2014/main" id="{BD7B4052-4E84-4CD3-889A-83E731AF2EBF}"/>
               </a:ext>
             </a:extLst>
           </p:cNvPr>
@@ -6173,12 +6064,83 @@
           </a:p>
         </p:txBody>
       </p:sp>
+      <p:sp>
+        <p:nvSpPr>
+          <p:cNvPr id="72" name="TextBox 71">
+            <a:extLst>
+              <a:ext uri="{FF2B5EF4-FFF2-40B4-BE49-F238E27FC236}">
+                <a16:creationId xmlns:a16="http://schemas.microsoft.com/office/drawing/2014/main" id="{D0A3CE2E-3713-4AD4-AC06-EBB91DF9499C}"/>
+              </a:ext>
+            </a:extLst>
+          </p:cNvPr>
+          <p:cNvSpPr txBox="1"/>
+          <p:nvPr/>
+        </p:nvSpPr>
+        <p:spPr>
+          <a:xfrm>
+            <a:off x="4367556" y="6063118"/>
+            <a:ext cx="1478610" cy="369332"/>
+          </a:xfrm>
+          <a:prstGeom prst="rect">
+            <a:avLst/>
+          </a:prstGeom>
+          <a:noFill/>
+        </p:spPr>
+        <p:txBody>
+          <a:bodyPr wrap="square" rtlCol="0">
+            <a:spAutoFit/>
+          </a:bodyPr>
+          <a:lstStyle/>
+          <a:p>
+            <a:r>
+              <a:rPr lang="en-US" b="1" dirty="0"/>
+              <a:t>T1, T2, T3</a:t>
+            </a:r>
+          </a:p>
+        </p:txBody>
+      </p:sp>
+      <p:sp>
+        <p:nvSpPr>
+          <p:cNvPr id="73" name="TextBox 72">
+            <a:extLst>
+              <a:ext uri="{FF2B5EF4-FFF2-40B4-BE49-F238E27FC236}">
+                <a16:creationId xmlns:a16="http://schemas.microsoft.com/office/drawing/2014/main" id="{A5710B45-752D-4037-9246-D22E7CB834CA}"/>
+              </a:ext>
+            </a:extLst>
+          </p:cNvPr>
+          <p:cNvSpPr txBox="1"/>
+          <p:nvPr/>
+        </p:nvSpPr>
+        <p:spPr>
+          <a:xfrm>
+            <a:off x="1698939" y="6001939"/>
+            <a:ext cx="1478610" cy="369332"/>
+          </a:xfrm>
+          <a:prstGeom prst="rect">
+            <a:avLst/>
+          </a:prstGeom>
+          <a:noFill/>
+        </p:spPr>
+        <p:txBody>
+          <a:bodyPr wrap="square" rtlCol="0">
+            <a:spAutoFit/>
+          </a:bodyPr>
+          <a:lstStyle/>
+          <a:p>
+            <a:r>
+              <a:rPr lang="en-US" b="1"/>
+              <a:t>T4, T5, T6</a:t>
+            </a:r>
+            <a:endParaRPr lang="en-US" b="1" dirty="0"/>
+          </a:p>
+        </p:txBody>
+      </p:sp>
       <p:grpSp>
         <p:nvGrpSpPr>
-          <p:cNvPr id="24" name="Group 23">
+          <p:cNvPr id="8" name="Group 7">
             <a:extLst>
               <a:ext uri="{FF2B5EF4-FFF2-40B4-BE49-F238E27FC236}">
-                <a16:creationId xmlns:a16="http://schemas.microsoft.com/office/drawing/2014/main" id="{D077DDDA-FE12-480E-BBE7-30C8828B559B}"/>
+                <a16:creationId xmlns:a16="http://schemas.microsoft.com/office/drawing/2014/main" id="{759BB8E1-E96B-4875-A44E-E7EFCADE6669}"/>
               </a:ext>
             </a:extLst>
           </p:cNvPr>
@@ -6187,18 +6149,18 @@
         </p:nvGrpSpPr>
         <p:grpSpPr>
           <a:xfrm>
-            <a:off x="1852826" y="6446990"/>
-            <a:ext cx="906608" cy="914653"/>
-            <a:chOff x="1558943" y="5664983"/>
-            <a:chExt cx="906608" cy="914653"/>
+            <a:off x="4521443" y="6494452"/>
+            <a:ext cx="906608" cy="946150"/>
+            <a:chOff x="4521443" y="6494452"/>
+            <a:chExt cx="906608" cy="946150"/>
           </a:xfrm>
         </p:grpSpPr>
         <p:grpSp>
           <p:nvGrpSpPr>
-            <p:cNvPr id="41" name="Group 29">
+            <p:cNvPr id="57" name="Group 29">
               <a:extLst>
                 <a:ext uri="{FF2B5EF4-FFF2-40B4-BE49-F238E27FC236}">
-                  <a16:creationId xmlns:a16="http://schemas.microsoft.com/office/drawing/2014/main" id="{7785801D-2B40-484B-8C2E-1CAC6D463637}"/>
+                  <a16:creationId xmlns:a16="http://schemas.microsoft.com/office/drawing/2014/main" id="{CD2565CA-D08F-4C11-8A07-0E915B332A67}"/>
                 </a:ext>
               </a:extLst>
             </p:cNvPr>
@@ -6209,7 +6171,7 @@
           </p:nvGrpSpPr>
           <p:grpSpPr bwMode="auto">
             <a:xfrm>
-              <a:off x="1857023" y="5664983"/>
+              <a:off x="4819523" y="6494452"/>
               <a:ext cx="287338" cy="790575"/>
               <a:chOff x="528" y="240"/>
               <a:chExt cx="181" cy="498"/>
@@ -6217,10 +6179,10 @@
           </p:grpSpPr>
           <p:sp>
             <p:nvSpPr>
-              <p:cNvPr id="42" name="Line 30">
+              <p:cNvPr id="67" name="Line 30">
                 <a:extLst>
                   <a:ext uri="{FF2B5EF4-FFF2-40B4-BE49-F238E27FC236}">
-                    <a16:creationId xmlns:a16="http://schemas.microsoft.com/office/drawing/2014/main" id="{1BED473A-5548-4452-ADA3-2E598C988322}"/>
+                    <a16:creationId xmlns:a16="http://schemas.microsoft.com/office/drawing/2014/main" id="{277167CB-70DC-4133-AA36-AC696A558BF4}"/>
                   </a:ext>
                 </a:extLst>
               </p:cNvPr>
@@ -6264,10 +6226,10 @@
           </p:sp>
           <p:sp>
             <p:nvSpPr>
-              <p:cNvPr id="43" name="Line 31">
+              <p:cNvPr id="68" name="Line 31">
                 <a:extLst>
                   <a:ext uri="{FF2B5EF4-FFF2-40B4-BE49-F238E27FC236}">
-                    <a16:creationId xmlns:a16="http://schemas.microsoft.com/office/drawing/2014/main" id="{664D0740-E974-43DA-A8B6-6C80DB2DACAA}"/>
+                    <a16:creationId xmlns:a16="http://schemas.microsoft.com/office/drawing/2014/main" id="{4BA86486-3C5D-435E-B3DD-1759E0836299}"/>
                   </a:ext>
                 </a:extLst>
               </p:cNvPr>
@@ -6311,10 +6273,10 @@
           </p:sp>
           <p:sp>
             <p:nvSpPr>
-              <p:cNvPr id="44" name="Freeform 32">
+              <p:cNvPr id="69" name="Freeform 32">
                 <a:extLst>
                   <a:ext uri="{FF2B5EF4-FFF2-40B4-BE49-F238E27FC236}">
-                    <a16:creationId xmlns:a16="http://schemas.microsoft.com/office/drawing/2014/main" id="{C17D00FC-FA79-470E-8449-83F6B64FDBAB}"/>
+                    <a16:creationId xmlns:a16="http://schemas.microsoft.com/office/drawing/2014/main" id="{7E189473-B983-415F-B3FE-50A552D9A25B}"/>
                   </a:ext>
                 </a:extLst>
               </p:cNvPr>
@@ -6485,10 +6447,10 @@
         </p:grpSp>
         <p:sp>
           <p:nvSpPr>
-            <p:cNvPr id="45" name="Line 30">
+            <p:cNvPr id="58" name="Line 30">
               <a:extLst>
                 <a:ext uri="{FF2B5EF4-FFF2-40B4-BE49-F238E27FC236}">
-                  <a16:creationId xmlns:a16="http://schemas.microsoft.com/office/drawing/2014/main" id="{DDFD9DFD-A40E-4667-9016-A22C9B9493C4}"/>
+                  <a16:creationId xmlns:a16="http://schemas.microsoft.com/office/drawing/2014/main" id="{40B78072-56D5-45C1-A832-FC7E6CD5AD9E}"/>
                 </a:ext>
               </a:extLst>
             </p:cNvPr>
@@ -6499,7 +6461,7 @@
           </p:nvSpPr>
           <p:spPr bwMode="auto">
             <a:xfrm>
-              <a:off x="1570050" y="6177998"/>
+              <a:off x="4532550" y="7007467"/>
               <a:ext cx="0" cy="401638"/>
             </a:xfrm>
             <a:prstGeom prst="line">
@@ -6532,10 +6494,10 @@
         </p:sp>
         <p:sp>
           <p:nvSpPr>
-            <p:cNvPr id="46" name="Line 31">
+            <p:cNvPr id="59" name="Line 31">
               <a:extLst>
                 <a:ext uri="{FF2B5EF4-FFF2-40B4-BE49-F238E27FC236}">
-                  <a16:creationId xmlns:a16="http://schemas.microsoft.com/office/drawing/2014/main" id="{877577BC-602C-4016-B872-CE0C121B9485}"/>
+                  <a16:creationId xmlns:a16="http://schemas.microsoft.com/office/drawing/2014/main" id="{9287EFB9-9E09-4760-AB23-E120E758E835}"/>
                 </a:ext>
               </a:extLst>
             </p:cNvPr>
@@ -6546,7 +6508,7 @@
           </p:nvSpPr>
           <p:spPr bwMode="auto">
             <a:xfrm>
-              <a:off x="1833575" y="6177998"/>
+              <a:off x="4796075" y="7007467"/>
               <a:ext cx="0" cy="401638"/>
             </a:xfrm>
             <a:prstGeom prst="line">
@@ -6579,10 +6541,10 @@
         </p:sp>
         <p:sp>
           <p:nvSpPr>
-            <p:cNvPr id="47" name="Freeform 32">
+            <p:cNvPr id="60" name="Freeform 32">
               <a:extLst>
                 <a:ext uri="{FF2B5EF4-FFF2-40B4-BE49-F238E27FC236}">
-                  <a16:creationId xmlns:a16="http://schemas.microsoft.com/office/drawing/2014/main" id="{604D6F9A-0E50-4226-9DF6-D64BF98264E8}"/>
+                  <a16:creationId xmlns:a16="http://schemas.microsoft.com/office/drawing/2014/main" id="{9BC0CC7E-9098-49FE-9243-8DEB0A759DB6}"/>
                 </a:ext>
               </a:extLst>
             </p:cNvPr>
@@ -6593,7 +6555,7 @@
           </p:nvSpPr>
           <p:spPr bwMode="auto">
             <a:xfrm>
-              <a:off x="1558943" y="5950769"/>
+              <a:off x="4521443" y="6780238"/>
               <a:ext cx="287338" cy="527050"/>
             </a:xfrm>
             <a:custGeom>
@@ -6752,10 +6714,10 @@
         </p:sp>
         <p:sp>
           <p:nvSpPr>
-            <p:cNvPr id="48" name="Line 34">
+            <p:cNvPr id="61" name="Line 34">
               <a:extLst>
                 <a:ext uri="{FF2B5EF4-FFF2-40B4-BE49-F238E27FC236}">
-                  <a16:creationId xmlns:a16="http://schemas.microsoft.com/office/drawing/2014/main" id="{C5B72737-D75B-4355-9000-628495AA9B9B}"/>
+                  <a16:creationId xmlns:a16="http://schemas.microsoft.com/office/drawing/2014/main" id="{FF5A8706-6184-4744-9BCF-8DDCF6FAE495}"/>
                 </a:ext>
               </a:extLst>
             </p:cNvPr>
@@ -6766,7 +6728,7 @@
           </p:nvSpPr>
           <p:spPr bwMode="auto">
             <a:xfrm>
-              <a:off x="1874996" y="6169772"/>
+              <a:off x="4837496" y="6999241"/>
               <a:ext cx="0" cy="400801"/>
             </a:xfrm>
             <a:prstGeom prst="line">
@@ -6799,10 +6761,10 @@
         </p:sp>
         <p:sp>
           <p:nvSpPr>
-            <p:cNvPr id="49" name="Line 35">
+            <p:cNvPr id="62" name="Line 35">
               <a:extLst>
                 <a:ext uri="{FF2B5EF4-FFF2-40B4-BE49-F238E27FC236}">
-                  <a16:creationId xmlns:a16="http://schemas.microsoft.com/office/drawing/2014/main" id="{B9FC4A34-2BEC-4BB6-AA74-91485C51B636}"/>
+                  <a16:creationId xmlns:a16="http://schemas.microsoft.com/office/drawing/2014/main" id="{A5477B5E-FDB7-4C42-843E-04CE1F4C41F6}"/>
                 </a:ext>
               </a:extLst>
             </p:cNvPr>
@@ -6813,7 +6775,7 @@
           </p:nvSpPr>
           <p:spPr bwMode="auto">
             <a:xfrm>
-              <a:off x="2146249" y="6169772"/>
+              <a:off x="5108749" y="6999241"/>
               <a:ext cx="0" cy="400801"/>
             </a:xfrm>
             <a:prstGeom prst="line">
@@ -6846,183 +6808,10 @@
         </p:sp>
         <p:sp>
           <p:nvSpPr>
-            <p:cNvPr id="50" name="Freeform 36">
+            <p:cNvPr id="64" name="Line 30">
               <a:extLst>
                 <a:ext uri="{FF2B5EF4-FFF2-40B4-BE49-F238E27FC236}">
-                  <a16:creationId xmlns:a16="http://schemas.microsoft.com/office/drawing/2014/main" id="{382E1B84-907B-4B1B-9320-CED4A52EAC76}"/>
-                </a:ext>
-              </a:extLst>
-            </p:cNvPr>
-            <p:cNvSpPr>
-              <a:spLocks/>
-            </p:cNvSpPr>
-            <p:nvPr/>
-          </p:nvSpPr>
-          <p:spPr bwMode="auto">
-            <a:xfrm>
-              <a:off x="1858985" y="5950769"/>
-              <a:ext cx="290513" cy="525459"/>
-            </a:xfrm>
-            <a:custGeom>
-              <a:avLst/>
-              <a:gdLst>
-                <a:gd name="T0" fmla="*/ 1 w 277"/>
-                <a:gd name="T1" fmla="*/ 0 h 517"/>
-                <a:gd name="T2" fmla="*/ 1 w 277"/>
-                <a:gd name="T3" fmla="*/ 0 h 517"/>
-                <a:gd name="T4" fmla="*/ 1 w 277"/>
-                <a:gd name="T5" fmla="*/ 1 h 517"/>
-                <a:gd name="T6" fmla="*/ 1 w 277"/>
-                <a:gd name="T7" fmla="*/ 1 h 517"/>
-                <a:gd name="T8" fmla="*/ 1 w 277"/>
-                <a:gd name="T9" fmla="*/ 1 h 517"/>
-                <a:gd name="T10" fmla="*/ 1 w 277"/>
-                <a:gd name="T11" fmla="*/ 1 h 517"/>
-                <a:gd name="T12" fmla="*/ 1 w 277"/>
-                <a:gd name="T13" fmla="*/ 1 h 517"/>
-                <a:gd name="T14" fmla="*/ 1 w 277"/>
-                <a:gd name="T15" fmla="*/ 1 h 517"/>
-                <a:gd name="T16" fmla="*/ 0 w 277"/>
-                <a:gd name="T17" fmla="*/ 1 h 517"/>
-                <a:gd name="T18" fmla="*/ 0 w 277"/>
-                <a:gd name="T19" fmla="*/ 1 h 517"/>
-                <a:gd name="T20" fmla="*/ 1 w 277"/>
-                <a:gd name="T21" fmla="*/ 1 h 517"/>
-                <a:gd name="T22" fmla="*/ 1 w 277"/>
-                <a:gd name="T23" fmla="*/ 1 h 517"/>
-                <a:gd name="T24" fmla="*/ 1 w 277"/>
-                <a:gd name="T25" fmla="*/ 0 h 517"/>
-                <a:gd name="T26" fmla="*/ 0 60000 65536"/>
-                <a:gd name="T27" fmla="*/ 0 60000 65536"/>
-                <a:gd name="T28" fmla="*/ 0 60000 65536"/>
-                <a:gd name="T29" fmla="*/ 0 60000 65536"/>
-                <a:gd name="T30" fmla="*/ 0 60000 65536"/>
-                <a:gd name="T31" fmla="*/ 0 60000 65536"/>
-                <a:gd name="T32" fmla="*/ 0 60000 65536"/>
-                <a:gd name="T33" fmla="*/ 0 60000 65536"/>
-                <a:gd name="T34" fmla="*/ 0 60000 65536"/>
-                <a:gd name="T35" fmla="*/ 0 60000 65536"/>
-                <a:gd name="T36" fmla="*/ 0 60000 65536"/>
-                <a:gd name="T37" fmla="*/ 0 60000 65536"/>
-                <a:gd name="T38" fmla="*/ 0 60000 65536"/>
-                <a:gd name="T39" fmla="*/ 0 w 277"/>
-                <a:gd name="T40" fmla="*/ 0 h 517"/>
-                <a:gd name="T41" fmla="*/ 277 w 277"/>
-                <a:gd name="T42" fmla="*/ 517 h 517"/>
-              </a:gdLst>
-              <a:ahLst/>
-              <a:cxnLst>
-                <a:cxn ang="T26">
-                  <a:pos x="T0" y="T1"/>
-                </a:cxn>
-                <a:cxn ang="T27">
-                  <a:pos x="T2" y="T3"/>
-                </a:cxn>
-                <a:cxn ang="T28">
-                  <a:pos x="T4" y="T5"/>
-                </a:cxn>
-                <a:cxn ang="T29">
-                  <a:pos x="T6" y="T7"/>
-                </a:cxn>
-                <a:cxn ang="T30">
-                  <a:pos x="T8" y="T9"/>
-                </a:cxn>
-                <a:cxn ang="T31">
-                  <a:pos x="T10" y="T11"/>
-                </a:cxn>
-                <a:cxn ang="T32">
-                  <a:pos x="T12" y="T13"/>
-                </a:cxn>
-                <a:cxn ang="T33">
-                  <a:pos x="T14" y="T15"/>
-                </a:cxn>
-                <a:cxn ang="T34">
-                  <a:pos x="T16" y="T17"/>
-                </a:cxn>
-                <a:cxn ang="T35">
-                  <a:pos x="T18" y="T19"/>
-                </a:cxn>
-                <a:cxn ang="T36">
-                  <a:pos x="T20" y="T21"/>
-                </a:cxn>
-                <a:cxn ang="T37">
-                  <a:pos x="T22" y="T23"/>
-                </a:cxn>
-                <a:cxn ang="T38">
-                  <a:pos x="T24" y="T25"/>
-                </a:cxn>
-              </a:cxnLst>
-              <a:rect l="T39" t="T40" r="T41" b="T42"/>
-              <a:pathLst>
-                <a:path w="277" h="517">
-                  <a:moveTo>
-                    <a:pt x="89" y="0"/>
-                  </a:moveTo>
-                  <a:lnTo>
-                    <a:pt x="191" y="0"/>
-                  </a:lnTo>
-                  <a:lnTo>
-                    <a:pt x="191" y="105"/>
-                  </a:lnTo>
-                  <a:lnTo>
-                    <a:pt x="225" y="105"/>
-                  </a:lnTo>
-                  <a:lnTo>
-                    <a:pt x="276" y="139"/>
-                  </a:lnTo>
-                  <a:lnTo>
-                    <a:pt x="276" y="415"/>
-                  </a:lnTo>
-                  <a:lnTo>
-                    <a:pt x="225" y="516"/>
-                  </a:lnTo>
-                  <a:lnTo>
-                    <a:pt x="51" y="516"/>
-                  </a:lnTo>
-                  <a:lnTo>
-                    <a:pt x="0" y="415"/>
-                  </a:lnTo>
-                  <a:lnTo>
-                    <a:pt x="0" y="139"/>
-                  </a:lnTo>
-                  <a:lnTo>
-                    <a:pt x="51" y="105"/>
-                  </a:lnTo>
-                  <a:lnTo>
-                    <a:pt x="89" y="105"/>
-                  </a:lnTo>
-                  <a:lnTo>
-                    <a:pt x="89" y="0"/>
-                  </a:lnTo>
-                </a:path>
-              </a:pathLst>
-            </a:custGeom>
-            <a:solidFill>
-              <a:schemeClr val="bg1"/>
-            </a:solidFill>
-            <a:ln w="12700" cap="rnd">
-              <a:solidFill>
-                <a:schemeClr val="tx1"/>
-              </a:solidFill>
-              <a:round/>
-              <a:headEnd/>
-              <a:tailEnd/>
-            </a:ln>
-          </p:spPr>
-          <p:txBody>
-            <a:bodyPr/>
-            <a:lstStyle/>
-            <a:p>
-              <a:endParaRPr lang="en-US"/>
-            </a:p>
-          </p:txBody>
-        </p:sp>
-        <p:sp>
-          <p:nvSpPr>
-            <p:cNvPr id="51" name="Line 30">
-              <a:extLst>
-                <a:ext uri="{FF2B5EF4-FFF2-40B4-BE49-F238E27FC236}">
-                  <a16:creationId xmlns:a16="http://schemas.microsoft.com/office/drawing/2014/main" id="{04251101-FC98-4F2E-A4A7-7E835FF5EC90}"/>
+                  <a16:creationId xmlns:a16="http://schemas.microsoft.com/office/drawing/2014/main" id="{D972B06F-996E-4310-A542-2B65DE0014BF}"/>
                 </a:ext>
               </a:extLst>
             </p:cNvPr>
@@ -7033,7 +6822,7 @@
           </p:nvSpPr>
           <p:spPr bwMode="auto">
             <a:xfrm>
-              <a:off x="2182772" y="6176282"/>
+              <a:off x="5145272" y="7005751"/>
               <a:ext cx="0" cy="401638"/>
             </a:xfrm>
             <a:prstGeom prst="line">
@@ -7066,10 +6855,10 @@
         </p:sp>
         <p:sp>
           <p:nvSpPr>
-            <p:cNvPr id="52" name="Line 31">
+            <p:cNvPr id="65" name="Line 31">
               <a:extLst>
                 <a:ext uri="{FF2B5EF4-FFF2-40B4-BE49-F238E27FC236}">
-                  <a16:creationId xmlns:a16="http://schemas.microsoft.com/office/drawing/2014/main" id="{4F4AA5E0-7CA6-47B8-A10E-55A2ACB21A7C}"/>
+                  <a16:creationId xmlns:a16="http://schemas.microsoft.com/office/drawing/2014/main" id="{F11F420C-5757-4C3E-93D3-62DCABF5415C}"/>
                 </a:ext>
               </a:extLst>
             </p:cNvPr>
@@ -7080,7 +6869,7 @@
           </p:nvSpPr>
           <p:spPr bwMode="auto">
             <a:xfrm>
-              <a:off x="2446297" y="6176282"/>
+              <a:off x="5408797" y="7005751"/>
               <a:ext cx="0" cy="401638"/>
             </a:xfrm>
             <a:prstGeom prst="line">
@@ -7113,10 +6902,10 @@
         </p:sp>
         <p:sp>
           <p:nvSpPr>
-            <p:cNvPr id="53" name="Freeform 32">
+            <p:cNvPr id="66" name="Freeform 32">
               <a:extLst>
                 <a:ext uri="{FF2B5EF4-FFF2-40B4-BE49-F238E27FC236}">
-                  <a16:creationId xmlns:a16="http://schemas.microsoft.com/office/drawing/2014/main" id="{E804B984-3B5E-41B2-BFE7-96CCD3176DBA}"/>
+                  <a16:creationId xmlns:a16="http://schemas.microsoft.com/office/drawing/2014/main" id="{26751880-FD7E-4E41-A58D-93A96BF0C550}"/>
                 </a:ext>
               </a:extLst>
             </p:cNvPr>
@@ -7127,7 +6916,7 @@
           </p:nvSpPr>
           <p:spPr bwMode="auto">
             <a:xfrm>
-              <a:off x="2178213" y="5953864"/>
+              <a:off x="5140713" y="6783333"/>
               <a:ext cx="287338" cy="527050"/>
             </a:xfrm>
             <a:custGeom>
@@ -7284,13 +7073,2221 @@
             </a:p>
           </p:txBody>
         </p:sp>
+        <p:grpSp>
+          <p:nvGrpSpPr>
+            <p:cNvPr id="3" name="Group 2">
+              <a:extLst>
+                <a:ext uri="{FF2B5EF4-FFF2-40B4-BE49-F238E27FC236}">
+                  <a16:creationId xmlns:a16="http://schemas.microsoft.com/office/drawing/2014/main" id="{671C5D3F-0E28-4390-9143-33AF9236AEC3}"/>
+                </a:ext>
+              </a:extLst>
+            </p:cNvPr>
+            <p:cNvGrpSpPr/>
+            <p:nvPr/>
+          </p:nvGrpSpPr>
+          <p:grpSpPr>
+            <a:xfrm>
+              <a:off x="4790493" y="6602402"/>
+              <a:ext cx="360363" cy="838200"/>
+              <a:chOff x="8382000" y="5580539"/>
+              <a:chExt cx="360363" cy="838200"/>
+            </a:xfrm>
+          </p:grpSpPr>
+          <p:sp>
+            <p:nvSpPr>
+              <p:cNvPr id="75" name="AutoShape 3">
+                <a:extLst>
+                  <a:ext uri="{FF2B5EF4-FFF2-40B4-BE49-F238E27FC236}">
+                    <a16:creationId xmlns:a16="http://schemas.microsoft.com/office/drawing/2014/main" id="{7607DD01-317C-4FB9-9584-BE12A9642D3E}"/>
+                  </a:ext>
+                </a:extLst>
+              </p:cNvPr>
+              <p:cNvSpPr>
+                <a:spLocks noChangeAspect="1" noChangeArrowheads="1" noTextEdit="1"/>
+              </p:cNvSpPr>
+              <p:nvPr/>
+            </p:nvSpPr>
+            <p:spPr bwMode="auto">
+              <a:xfrm>
+                <a:off x="8382000" y="5580539"/>
+                <a:ext cx="360363" cy="838200"/>
+              </a:xfrm>
+              <a:prstGeom prst="rect">
+                <a:avLst/>
+              </a:prstGeom>
+              <a:noFill/>
+              <a:ln>
+                <a:noFill/>
+              </a:ln>
+              <a:extLst>
+                <a:ext uri="{909E8E84-426E-40DD-AFC4-6F175D3DCCD1}">
+                  <a14:hiddenFill xmlns:a14="http://schemas.microsoft.com/office/drawing/2010/main">
+                    <a:solidFill>
+                      <a:srgbClr val="FFFFFF"/>
+                    </a:solidFill>
+                  </a14:hiddenFill>
+                </a:ext>
+                <a:ext uri="{91240B29-F687-4F45-9708-019B960494DF}">
+                  <a14:hiddenLine xmlns:a14="http://schemas.microsoft.com/office/drawing/2010/main" w="9525">
+                    <a:solidFill>
+                      <a:srgbClr val="000000"/>
+                    </a:solidFill>
+                    <a:miter lim="800000"/>
+                    <a:headEnd/>
+                    <a:tailEnd/>
+                  </a14:hiddenLine>
+                </a:ext>
+              </a:extLst>
+            </p:spPr>
+            <p:txBody>
+              <a:bodyPr vert="horz" wrap="square" lIns="91440" tIns="45720" rIns="91440" bIns="45720" numCol="1" anchor="t" anchorCtr="0" compatLnSpc="1">
+                <a:prstTxWarp prst="textNoShape">
+                  <a:avLst/>
+                </a:prstTxWarp>
+              </a:bodyPr>
+              <a:lstStyle/>
+              <a:p>
+                <a:endParaRPr lang="en-US"/>
+              </a:p>
+            </p:txBody>
+          </p:sp>
+          <p:sp>
+            <p:nvSpPr>
+              <p:cNvPr id="76" name="Rectangle 5">
+                <a:extLst>
+                  <a:ext uri="{FF2B5EF4-FFF2-40B4-BE49-F238E27FC236}">
+                    <a16:creationId xmlns:a16="http://schemas.microsoft.com/office/drawing/2014/main" id="{76684345-A2A5-4523-BBD6-05BE4C9156AD}"/>
+                  </a:ext>
+                </a:extLst>
+              </p:cNvPr>
+              <p:cNvSpPr>
+                <a:spLocks noChangeArrowheads="1"/>
+              </p:cNvSpPr>
+              <p:nvPr/>
+            </p:nvSpPr>
+            <p:spPr bwMode="auto">
+              <a:xfrm>
+                <a:off x="8693150" y="6028214"/>
+                <a:ext cx="20638" cy="388938"/>
+              </a:xfrm>
+              <a:prstGeom prst="rect">
+                <a:avLst/>
+              </a:prstGeom>
+              <a:solidFill>
+                <a:schemeClr val="tx1"/>
+              </a:solidFill>
+              <a:ln>
+                <a:noFill/>
+              </a:ln>
+              <a:extLst>
+                <a:ext uri="{91240B29-F687-4F45-9708-019B960494DF}">
+                  <a14:hiddenLine xmlns:a14="http://schemas.microsoft.com/office/drawing/2010/main" w="9525">
+                    <a:solidFill>
+                      <a:srgbClr val="000000"/>
+                    </a:solidFill>
+                    <a:miter lim="800000"/>
+                    <a:headEnd/>
+                    <a:tailEnd/>
+                  </a14:hiddenLine>
+                </a:ext>
+              </a:extLst>
+            </p:spPr>
+            <p:txBody>
+              <a:bodyPr vert="horz" wrap="square" lIns="91440" tIns="45720" rIns="91440" bIns="45720" numCol="1" anchor="t" anchorCtr="0" compatLnSpc="1">
+                <a:prstTxWarp prst="textNoShape">
+                  <a:avLst/>
+                </a:prstTxWarp>
+              </a:bodyPr>
+              <a:lstStyle/>
+              <a:p>
+                <a:endParaRPr lang="en-US"/>
+              </a:p>
+            </p:txBody>
+          </p:sp>
+          <p:sp>
+            <p:nvSpPr>
+              <p:cNvPr id="77" name="Rectangle 6">
+                <a:extLst>
+                  <a:ext uri="{FF2B5EF4-FFF2-40B4-BE49-F238E27FC236}">
+                    <a16:creationId xmlns:a16="http://schemas.microsoft.com/office/drawing/2014/main" id="{4C92AE41-F6D0-4AE5-B8B8-72CD513FAFE8}"/>
+                  </a:ext>
+                </a:extLst>
+              </p:cNvPr>
+              <p:cNvSpPr>
+                <a:spLocks noChangeArrowheads="1"/>
+              </p:cNvSpPr>
+              <p:nvPr/>
+            </p:nvSpPr>
+            <p:spPr bwMode="auto">
+              <a:xfrm>
+                <a:off x="8404225" y="6028214"/>
+                <a:ext cx="20638" cy="388938"/>
+              </a:xfrm>
+              <a:prstGeom prst="rect">
+                <a:avLst/>
+              </a:prstGeom>
+              <a:solidFill>
+                <a:schemeClr val="tx1"/>
+              </a:solidFill>
+              <a:ln>
+                <a:noFill/>
+              </a:ln>
+              <a:extLst>
+                <a:ext uri="{91240B29-F687-4F45-9708-019B960494DF}">
+                  <a14:hiddenLine xmlns:a14="http://schemas.microsoft.com/office/drawing/2010/main" w="9525">
+                    <a:solidFill>
+                      <a:srgbClr val="000000"/>
+                    </a:solidFill>
+                    <a:miter lim="800000"/>
+                    <a:headEnd/>
+                    <a:tailEnd/>
+                  </a14:hiddenLine>
+                </a:ext>
+              </a:extLst>
+            </p:spPr>
+            <p:txBody>
+              <a:bodyPr vert="horz" wrap="square" lIns="91440" tIns="45720" rIns="91440" bIns="45720" numCol="1" anchor="t" anchorCtr="0" compatLnSpc="1">
+                <a:prstTxWarp prst="textNoShape">
+                  <a:avLst/>
+                </a:prstTxWarp>
+              </a:bodyPr>
+              <a:lstStyle/>
+              <a:p>
+                <a:endParaRPr lang="en-US"/>
+              </a:p>
+            </p:txBody>
+          </p:sp>
+          <p:sp>
+            <p:nvSpPr>
+              <p:cNvPr id="78" name="Freeform 7">
+                <a:extLst>
+                  <a:ext uri="{FF2B5EF4-FFF2-40B4-BE49-F238E27FC236}">
+                    <a16:creationId xmlns:a16="http://schemas.microsoft.com/office/drawing/2014/main" id="{2FB0C925-6645-4012-A9B6-45386A2F1988}"/>
+                  </a:ext>
+                </a:extLst>
+              </p:cNvPr>
+              <p:cNvSpPr>
+                <a:spLocks/>
+              </p:cNvSpPr>
+              <p:nvPr/>
+            </p:nvSpPr>
+            <p:spPr bwMode="auto">
+              <a:xfrm>
+                <a:off x="8388350" y="5727700"/>
+                <a:ext cx="346075" cy="596900"/>
+              </a:xfrm>
+              <a:custGeom>
+                <a:avLst/>
+                <a:gdLst>
+                  <a:gd name="T0" fmla="*/ 70 w 218"/>
+                  <a:gd name="T1" fmla="*/ 0 h 376"/>
+                  <a:gd name="T2" fmla="*/ 70 w 218"/>
+                  <a:gd name="T3" fmla="*/ 0 h 376"/>
+                  <a:gd name="T4" fmla="*/ 70 w 218"/>
+                  <a:gd name="T5" fmla="*/ 74 h 376"/>
+                  <a:gd name="T6" fmla="*/ 70 w 218"/>
+                  <a:gd name="T7" fmla="*/ 74 h 376"/>
+                  <a:gd name="T8" fmla="*/ 24 w 218"/>
+                  <a:gd name="T9" fmla="*/ 74 h 376"/>
+                  <a:gd name="T10" fmla="*/ 0 w 218"/>
+                  <a:gd name="T11" fmla="*/ 101 h 376"/>
+                  <a:gd name="T12" fmla="*/ 0 w 218"/>
+                  <a:gd name="T13" fmla="*/ 300 h 376"/>
+                  <a:gd name="T14" fmla="*/ 37 w 218"/>
+                  <a:gd name="T15" fmla="*/ 376 h 376"/>
+                  <a:gd name="T16" fmla="*/ 38 w 218"/>
+                  <a:gd name="T17" fmla="*/ 376 h 376"/>
+                  <a:gd name="T18" fmla="*/ 38 w 218"/>
+                  <a:gd name="T19" fmla="*/ 376 h 376"/>
+                  <a:gd name="T20" fmla="*/ 180 w 218"/>
+                  <a:gd name="T21" fmla="*/ 376 h 376"/>
+                  <a:gd name="T22" fmla="*/ 180 w 218"/>
+                  <a:gd name="T23" fmla="*/ 376 h 376"/>
+                  <a:gd name="T24" fmla="*/ 181 w 218"/>
+                  <a:gd name="T25" fmla="*/ 374 h 376"/>
+                  <a:gd name="T26" fmla="*/ 181 w 218"/>
+                  <a:gd name="T27" fmla="*/ 373 h 376"/>
+                  <a:gd name="T28" fmla="*/ 218 w 218"/>
+                  <a:gd name="T29" fmla="*/ 300 h 376"/>
+                  <a:gd name="T30" fmla="*/ 218 w 218"/>
+                  <a:gd name="T31" fmla="*/ 101 h 376"/>
+                  <a:gd name="T32" fmla="*/ 192 w 218"/>
+                  <a:gd name="T33" fmla="*/ 74 h 376"/>
+                  <a:gd name="T34" fmla="*/ 192 w 218"/>
+                  <a:gd name="T35" fmla="*/ 74 h 376"/>
+                  <a:gd name="T36" fmla="*/ 146 w 218"/>
+                  <a:gd name="T37" fmla="*/ 74 h 376"/>
+                  <a:gd name="T38" fmla="*/ 146 w 218"/>
+                  <a:gd name="T39" fmla="*/ 74 h 376"/>
+                  <a:gd name="T40" fmla="*/ 146 w 218"/>
+                  <a:gd name="T41" fmla="*/ 0 h 376"/>
+                  <a:gd name="T42" fmla="*/ 70 w 218"/>
+                  <a:gd name="T43" fmla="*/ 0 h 376"/>
+                </a:gdLst>
+                <a:ahLst/>
+                <a:cxnLst>
+                  <a:cxn ang="0">
+                    <a:pos x="T0" y="T1"/>
+                  </a:cxn>
+                  <a:cxn ang="0">
+                    <a:pos x="T2" y="T3"/>
+                  </a:cxn>
+                  <a:cxn ang="0">
+                    <a:pos x="T4" y="T5"/>
+                  </a:cxn>
+                  <a:cxn ang="0">
+                    <a:pos x="T6" y="T7"/>
+                  </a:cxn>
+                  <a:cxn ang="0">
+                    <a:pos x="T8" y="T9"/>
+                  </a:cxn>
+                  <a:cxn ang="0">
+                    <a:pos x="T10" y="T11"/>
+                  </a:cxn>
+                  <a:cxn ang="0">
+                    <a:pos x="T12" y="T13"/>
+                  </a:cxn>
+                  <a:cxn ang="0">
+                    <a:pos x="T14" y="T15"/>
+                  </a:cxn>
+                  <a:cxn ang="0">
+                    <a:pos x="T16" y="T17"/>
+                  </a:cxn>
+                  <a:cxn ang="0">
+                    <a:pos x="T18" y="T19"/>
+                  </a:cxn>
+                  <a:cxn ang="0">
+                    <a:pos x="T20" y="T21"/>
+                  </a:cxn>
+                  <a:cxn ang="0">
+                    <a:pos x="T22" y="T23"/>
+                  </a:cxn>
+                  <a:cxn ang="0">
+                    <a:pos x="T24" y="T25"/>
+                  </a:cxn>
+                  <a:cxn ang="0">
+                    <a:pos x="T26" y="T27"/>
+                  </a:cxn>
+                  <a:cxn ang="0">
+                    <a:pos x="T28" y="T29"/>
+                  </a:cxn>
+                  <a:cxn ang="0">
+                    <a:pos x="T30" y="T31"/>
+                  </a:cxn>
+                  <a:cxn ang="0">
+                    <a:pos x="T32" y="T33"/>
+                  </a:cxn>
+                  <a:cxn ang="0">
+                    <a:pos x="T34" y="T35"/>
+                  </a:cxn>
+                  <a:cxn ang="0">
+                    <a:pos x="T36" y="T37"/>
+                  </a:cxn>
+                  <a:cxn ang="0">
+                    <a:pos x="T38" y="T39"/>
+                  </a:cxn>
+                  <a:cxn ang="0">
+                    <a:pos x="T40" y="T41"/>
+                  </a:cxn>
+                  <a:cxn ang="0">
+                    <a:pos x="T42" y="T43"/>
+                  </a:cxn>
+                </a:cxnLst>
+                <a:rect l="0" t="0" r="r" b="b"/>
+                <a:pathLst>
+                  <a:path w="218" h="376">
+                    <a:moveTo>
+                      <a:pt x="70" y="0"/>
+                    </a:moveTo>
+                    <a:lnTo>
+                      <a:pt x="70" y="0"/>
+                    </a:lnTo>
+                    <a:lnTo>
+                      <a:pt x="70" y="74"/>
+                    </a:lnTo>
+                    <a:lnTo>
+                      <a:pt x="70" y="74"/>
+                    </a:lnTo>
+                    <a:lnTo>
+                      <a:pt x="24" y="74"/>
+                    </a:lnTo>
+                    <a:lnTo>
+                      <a:pt x="0" y="101"/>
+                    </a:lnTo>
+                    <a:lnTo>
+                      <a:pt x="0" y="300"/>
+                    </a:lnTo>
+                    <a:lnTo>
+                      <a:pt x="37" y="376"/>
+                    </a:lnTo>
+                    <a:lnTo>
+                      <a:pt x="38" y="376"/>
+                    </a:lnTo>
+                    <a:lnTo>
+                      <a:pt x="38" y="376"/>
+                    </a:lnTo>
+                    <a:lnTo>
+                      <a:pt x="180" y="376"/>
+                    </a:lnTo>
+                    <a:lnTo>
+                      <a:pt x="180" y="376"/>
+                    </a:lnTo>
+                    <a:lnTo>
+                      <a:pt x="181" y="374"/>
+                    </a:lnTo>
+                    <a:lnTo>
+                      <a:pt x="181" y="373"/>
+                    </a:lnTo>
+                    <a:lnTo>
+                      <a:pt x="218" y="300"/>
+                    </a:lnTo>
+                    <a:lnTo>
+                      <a:pt x="218" y="101"/>
+                    </a:lnTo>
+                    <a:lnTo>
+                      <a:pt x="192" y="74"/>
+                    </a:lnTo>
+                    <a:lnTo>
+                      <a:pt x="192" y="74"/>
+                    </a:lnTo>
+                    <a:lnTo>
+                      <a:pt x="146" y="74"/>
+                    </a:lnTo>
+                    <a:lnTo>
+                      <a:pt x="146" y="74"/>
+                    </a:lnTo>
+                    <a:lnTo>
+                      <a:pt x="146" y="0"/>
+                    </a:lnTo>
+                    <a:lnTo>
+                      <a:pt x="70" y="0"/>
+                    </a:lnTo>
+                    <a:close/>
+                  </a:path>
+                </a:pathLst>
+              </a:custGeom>
+              <a:solidFill>
+                <a:srgbClr val="FDCC99"/>
+              </a:solidFill>
+              <a:ln>
+                <a:noFill/>
+              </a:ln>
+              <a:extLst>
+                <a:ext uri="{91240B29-F687-4F45-9708-019B960494DF}">
+                  <a14:hiddenLine xmlns:a14="http://schemas.microsoft.com/office/drawing/2010/main" w="9525">
+                    <a:solidFill>
+                      <a:srgbClr val="000000"/>
+                    </a:solidFill>
+                    <a:round/>
+                    <a:headEnd/>
+                    <a:tailEnd/>
+                  </a14:hiddenLine>
+                </a:ext>
+              </a:extLst>
+            </p:spPr>
+            <p:txBody>
+              <a:bodyPr vert="horz" wrap="square" lIns="91440" tIns="45720" rIns="91440" bIns="45720" numCol="1" anchor="t" anchorCtr="0" compatLnSpc="1">
+                <a:prstTxWarp prst="textNoShape">
+                  <a:avLst/>
+                </a:prstTxWarp>
+              </a:bodyPr>
+              <a:lstStyle/>
+              <a:p>
+                <a:endParaRPr lang="en-US"/>
+              </a:p>
+            </p:txBody>
+          </p:sp>
+          <p:sp>
+            <p:nvSpPr>
+              <p:cNvPr id="79" name="Line 8">
+                <a:extLst>
+                  <a:ext uri="{FF2B5EF4-FFF2-40B4-BE49-F238E27FC236}">
+                    <a16:creationId xmlns:a16="http://schemas.microsoft.com/office/drawing/2014/main" id="{7187009D-AA39-44AE-95C5-DA72253AB585}"/>
+                  </a:ext>
+                </a:extLst>
+              </p:cNvPr>
+              <p:cNvSpPr>
+                <a:spLocks noChangeShapeType="1"/>
+              </p:cNvSpPr>
+              <p:nvPr/>
+            </p:nvSpPr>
+            <p:spPr bwMode="auto">
+              <a:xfrm>
+                <a:off x="8499475" y="5727700"/>
+                <a:ext cx="0" cy="0"/>
+              </a:xfrm>
+              <a:prstGeom prst="line">
+                <a:avLst/>
+              </a:prstGeom>
+              <a:noFill/>
+              <a:ln w="12700">
+                <a:solidFill>
+                  <a:srgbClr val="000000"/>
+                </a:solidFill>
+                <a:prstDash val="solid"/>
+                <a:round/>
+                <a:headEnd/>
+                <a:tailEnd/>
+              </a:ln>
+              <a:extLst>
+                <a:ext uri="{909E8E84-426E-40DD-AFC4-6F175D3DCCD1}">
+                  <a14:hiddenFill xmlns:a14="http://schemas.microsoft.com/office/drawing/2010/main">
+                    <a:noFill/>
+                  </a14:hiddenFill>
+                </a:ext>
+              </a:extLst>
+            </p:spPr>
+            <p:txBody>
+              <a:bodyPr vert="horz" wrap="square" lIns="91440" tIns="45720" rIns="91440" bIns="45720" numCol="1" anchor="t" anchorCtr="0" compatLnSpc="1">
+                <a:prstTxWarp prst="textNoShape">
+                  <a:avLst/>
+                </a:prstTxWarp>
+              </a:bodyPr>
+              <a:lstStyle/>
+              <a:p>
+                <a:endParaRPr lang="en-US"/>
+              </a:p>
+            </p:txBody>
+          </p:sp>
+          <p:sp>
+            <p:nvSpPr>
+              <p:cNvPr id="80" name="Line 9">
+                <a:extLst>
+                  <a:ext uri="{FF2B5EF4-FFF2-40B4-BE49-F238E27FC236}">
+                    <a16:creationId xmlns:a16="http://schemas.microsoft.com/office/drawing/2014/main" id="{AE46CF73-3AE9-4819-BF20-CB7AAE416D9B}"/>
+                  </a:ext>
+                </a:extLst>
+              </p:cNvPr>
+              <p:cNvSpPr>
+                <a:spLocks noChangeShapeType="1"/>
+              </p:cNvSpPr>
+              <p:nvPr/>
+            </p:nvSpPr>
+            <p:spPr bwMode="auto">
+              <a:xfrm>
+                <a:off x="8499475" y="5727700"/>
+                <a:ext cx="0" cy="117475"/>
+              </a:xfrm>
+              <a:prstGeom prst="line">
+                <a:avLst/>
+              </a:prstGeom>
+              <a:noFill/>
+              <a:ln w="12700">
+                <a:solidFill>
+                  <a:srgbClr val="000000"/>
+                </a:solidFill>
+                <a:prstDash val="solid"/>
+                <a:round/>
+                <a:headEnd/>
+                <a:tailEnd/>
+              </a:ln>
+              <a:extLst>
+                <a:ext uri="{909E8E84-426E-40DD-AFC4-6F175D3DCCD1}">
+                  <a14:hiddenFill xmlns:a14="http://schemas.microsoft.com/office/drawing/2010/main">
+                    <a:noFill/>
+                  </a14:hiddenFill>
+                </a:ext>
+              </a:extLst>
+            </p:spPr>
+            <p:txBody>
+              <a:bodyPr vert="horz" wrap="square" lIns="91440" tIns="45720" rIns="91440" bIns="45720" numCol="1" anchor="t" anchorCtr="0" compatLnSpc="1">
+                <a:prstTxWarp prst="textNoShape">
+                  <a:avLst/>
+                </a:prstTxWarp>
+              </a:bodyPr>
+              <a:lstStyle/>
+              <a:p>
+                <a:endParaRPr lang="en-US"/>
+              </a:p>
+            </p:txBody>
+          </p:sp>
+          <p:sp>
+            <p:nvSpPr>
+              <p:cNvPr id="81" name="Line 10">
+                <a:extLst>
+                  <a:ext uri="{FF2B5EF4-FFF2-40B4-BE49-F238E27FC236}">
+                    <a16:creationId xmlns:a16="http://schemas.microsoft.com/office/drawing/2014/main" id="{45E3E2E6-EC1C-498F-8293-517E24C62DC1}"/>
+                  </a:ext>
+                </a:extLst>
+              </p:cNvPr>
+              <p:cNvSpPr>
+                <a:spLocks noChangeShapeType="1"/>
+              </p:cNvSpPr>
+              <p:nvPr/>
+            </p:nvSpPr>
+            <p:spPr bwMode="auto">
+              <a:xfrm>
+                <a:off x="8499475" y="5845175"/>
+                <a:ext cx="0" cy="0"/>
+              </a:xfrm>
+              <a:prstGeom prst="line">
+                <a:avLst/>
+              </a:prstGeom>
+              <a:noFill/>
+              <a:ln w="12700">
+                <a:solidFill>
+                  <a:srgbClr val="000000"/>
+                </a:solidFill>
+                <a:prstDash val="solid"/>
+                <a:round/>
+                <a:headEnd/>
+                <a:tailEnd/>
+              </a:ln>
+              <a:extLst>
+                <a:ext uri="{909E8E84-426E-40DD-AFC4-6F175D3DCCD1}">
+                  <a14:hiddenFill xmlns:a14="http://schemas.microsoft.com/office/drawing/2010/main">
+                    <a:noFill/>
+                  </a14:hiddenFill>
+                </a:ext>
+              </a:extLst>
+            </p:spPr>
+            <p:txBody>
+              <a:bodyPr vert="horz" wrap="square" lIns="91440" tIns="45720" rIns="91440" bIns="45720" numCol="1" anchor="t" anchorCtr="0" compatLnSpc="1">
+                <a:prstTxWarp prst="textNoShape">
+                  <a:avLst/>
+                </a:prstTxWarp>
+              </a:bodyPr>
+              <a:lstStyle/>
+              <a:p>
+                <a:endParaRPr lang="en-US"/>
+              </a:p>
+            </p:txBody>
+          </p:sp>
+          <p:sp>
+            <p:nvSpPr>
+              <p:cNvPr id="82" name="Line 11">
+                <a:extLst>
+                  <a:ext uri="{FF2B5EF4-FFF2-40B4-BE49-F238E27FC236}">
+                    <a16:creationId xmlns:a16="http://schemas.microsoft.com/office/drawing/2014/main" id="{BB301AC0-BFEC-4672-B39B-F3DC2008FB62}"/>
+                  </a:ext>
+                </a:extLst>
+              </p:cNvPr>
+              <p:cNvSpPr>
+                <a:spLocks noChangeShapeType="1"/>
+              </p:cNvSpPr>
+              <p:nvPr/>
+            </p:nvSpPr>
+            <p:spPr bwMode="auto">
+              <a:xfrm flipH="1">
+                <a:off x="8426450" y="5845175"/>
+                <a:ext cx="73025" cy="0"/>
+              </a:xfrm>
+              <a:prstGeom prst="line">
+                <a:avLst/>
+              </a:prstGeom>
+              <a:noFill/>
+              <a:ln w="12700">
+                <a:solidFill>
+                  <a:srgbClr val="000000"/>
+                </a:solidFill>
+                <a:prstDash val="solid"/>
+                <a:round/>
+                <a:headEnd/>
+                <a:tailEnd/>
+              </a:ln>
+              <a:extLst>
+                <a:ext uri="{909E8E84-426E-40DD-AFC4-6F175D3DCCD1}">
+                  <a14:hiddenFill xmlns:a14="http://schemas.microsoft.com/office/drawing/2010/main">
+                    <a:noFill/>
+                  </a14:hiddenFill>
+                </a:ext>
+              </a:extLst>
+            </p:spPr>
+            <p:txBody>
+              <a:bodyPr vert="horz" wrap="square" lIns="91440" tIns="45720" rIns="91440" bIns="45720" numCol="1" anchor="t" anchorCtr="0" compatLnSpc="1">
+                <a:prstTxWarp prst="textNoShape">
+                  <a:avLst/>
+                </a:prstTxWarp>
+              </a:bodyPr>
+              <a:lstStyle/>
+              <a:p>
+                <a:endParaRPr lang="en-US"/>
+              </a:p>
+            </p:txBody>
+          </p:sp>
+          <p:sp>
+            <p:nvSpPr>
+              <p:cNvPr id="83" name="Line 12">
+                <a:extLst>
+                  <a:ext uri="{FF2B5EF4-FFF2-40B4-BE49-F238E27FC236}">
+                    <a16:creationId xmlns:a16="http://schemas.microsoft.com/office/drawing/2014/main" id="{2E36D6BC-BFBE-4E50-A2EF-9749E721F20A}"/>
+                  </a:ext>
+                </a:extLst>
+              </p:cNvPr>
+              <p:cNvSpPr>
+                <a:spLocks noChangeShapeType="1"/>
+              </p:cNvSpPr>
+              <p:nvPr/>
+            </p:nvSpPr>
+            <p:spPr bwMode="auto">
+              <a:xfrm flipH="1">
+                <a:off x="8388350" y="5845175"/>
+                <a:ext cx="38100" cy="42863"/>
+              </a:xfrm>
+              <a:prstGeom prst="line">
+                <a:avLst/>
+              </a:prstGeom>
+              <a:noFill/>
+              <a:ln w="17463">
+                <a:solidFill>
+                  <a:srgbClr val="000000"/>
+                </a:solidFill>
+                <a:prstDash val="solid"/>
+                <a:round/>
+                <a:headEnd/>
+                <a:tailEnd/>
+              </a:ln>
+              <a:extLst>
+                <a:ext uri="{909E8E84-426E-40DD-AFC4-6F175D3DCCD1}">
+                  <a14:hiddenFill xmlns:a14="http://schemas.microsoft.com/office/drawing/2010/main">
+                    <a:noFill/>
+                  </a14:hiddenFill>
+                </a:ext>
+              </a:extLst>
+            </p:spPr>
+            <p:txBody>
+              <a:bodyPr vert="horz" wrap="square" lIns="91440" tIns="45720" rIns="91440" bIns="45720" numCol="1" anchor="t" anchorCtr="0" compatLnSpc="1">
+                <a:prstTxWarp prst="textNoShape">
+                  <a:avLst/>
+                </a:prstTxWarp>
+              </a:bodyPr>
+              <a:lstStyle/>
+              <a:p>
+                <a:endParaRPr lang="en-US"/>
+              </a:p>
+            </p:txBody>
+          </p:sp>
+          <p:sp>
+            <p:nvSpPr>
+              <p:cNvPr id="84" name="Line 13">
+                <a:extLst>
+                  <a:ext uri="{FF2B5EF4-FFF2-40B4-BE49-F238E27FC236}">
+                    <a16:creationId xmlns:a16="http://schemas.microsoft.com/office/drawing/2014/main" id="{C545FD7F-502F-4634-A25A-85BE53DA03ED}"/>
+                  </a:ext>
+                </a:extLst>
+              </p:cNvPr>
+              <p:cNvSpPr>
+                <a:spLocks noChangeShapeType="1"/>
+              </p:cNvSpPr>
+              <p:nvPr/>
+            </p:nvSpPr>
+            <p:spPr bwMode="auto">
+              <a:xfrm>
+                <a:off x="8388350" y="5888037"/>
+                <a:ext cx="0" cy="315913"/>
+              </a:xfrm>
+              <a:prstGeom prst="line">
+                <a:avLst/>
+              </a:prstGeom>
+              <a:noFill/>
+              <a:ln w="12700">
+                <a:solidFill>
+                  <a:srgbClr val="000000"/>
+                </a:solidFill>
+                <a:prstDash val="solid"/>
+                <a:round/>
+                <a:headEnd/>
+                <a:tailEnd/>
+              </a:ln>
+              <a:extLst>
+                <a:ext uri="{909E8E84-426E-40DD-AFC4-6F175D3DCCD1}">
+                  <a14:hiddenFill xmlns:a14="http://schemas.microsoft.com/office/drawing/2010/main">
+                    <a:noFill/>
+                  </a14:hiddenFill>
+                </a:ext>
+              </a:extLst>
+            </p:spPr>
+            <p:txBody>
+              <a:bodyPr vert="horz" wrap="square" lIns="91440" tIns="45720" rIns="91440" bIns="45720" numCol="1" anchor="t" anchorCtr="0" compatLnSpc="1">
+                <a:prstTxWarp prst="textNoShape">
+                  <a:avLst/>
+                </a:prstTxWarp>
+              </a:bodyPr>
+              <a:lstStyle/>
+              <a:p>
+                <a:endParaRPr lang="en-US"/>
+              </a:p>
+            </p:txBody>
+          </p:sp>
+          <p:sp>
+            <p:nvSpPr>
+              <p:cNvPr id="85" name="Line 14">
+                <a:extLst>
+                  <a:ext uri="{FF2B5EF4-FFF2-40B4-BE49-F238E27FC236}">
+                    <a16:creationId xmlns:a16="http://schemas.microsoft.com/office/drawing/2014/main" id="{F735A350-83D4-4B44-8BE9-E80C8712D536}"/>
+                  </a:ext>
+                </a:extLst>
+              </p:cNvPr>
+              <p:cNvSpPr>
+                <a:spLocks noChangeShapeType="1"/>
+              </p:cNvSpPr>
+              <p:nvPr/>
+            </p:nvSpPr>
+            <p:spPr bwMode="auto">
+              <a:xfrm>
+                <a:off x="8388350" y="6203950"/>
+                <a:ext cx="58738" cy="120650"/>
+              </a:xfrm>
+              <a:prstGeom prst="line">
+                <a:avLst/>
+              </a:prstGeom>
+              <a:noFill/>
+              <a:ln w="17463">
+                <a:solidFill>
+                  <a:srgbClr val="000000"/>
+                </a:solidFill>
+                <a:prstDash val="solid"/>
+                <a:round/>
+                <a:headEnd/>
+                <a:tailEnd/>
+              </a:ln>
+              <a:extLst>
+                <a:ext uri="{909E8E84-426E-40DD-AFC4-6F175D3DCCD1}">
+                  <a14:hiddenFill xmlns:a14="http://schemas.microsoft.com/office/drawing/2010/main">
+                    <a:noFill/>
+                  </a14:hiddenFill>
+                </a:ext>
+              </a:extLst>
+            </p:spPr>
+            <p:txBody>
+              <a:bodyPr vert="horz" wrap="square" lIns="91440" tIns="45720" rIns="91440" bIns="45720" numCol="1" anchor="t" anchorCtr="0" compatLnSpc="1">
+                <a:prstTxWarp prst="textNoShape">
+                  <a:avLst/>
+                </a:prstTxWarp>
+              </a:bodyPr>
+              <a:lstStyle/>
+              <a:p>
+                <a:endParaRPr lang="en-US"/>
+              </a:p>
+            </p:txBody>
+          </p:sp>
+          <p:sp>
+            <p:nvSpPr>
+              <p:cNvPr id="86" name="Line 15">
+                <a:extLst>
+                  <a:ext uri="{FF2B5EF4-FFF2-40B4-BE49-F238E27FC236}">
+                    <a16:creationId xmlns:a16="http://schemas.microsoft.com/office/drawing/2014/main" id="{49A2B67D-0824-4535-9865-73FBA51676BD}"/>
+                  </a:ext>
+                </a:extLst>
+              </p:cNvPr>
+              <p:cNvSpPr>
+                <a:spLocks noChangeShapeType="1"/>
+              </p:cNvSpPr>
+              <p:nvPr/>
+            </p:nvSpPr>
+            <p:spPr bwMode="auto">
+              <a:xfrm>
+                <a:off x="8447088" y="6324600"/>
+                <a:ext cx="1588" cy="0"/>
+              </a:xfrm>
+              <a:prstGeom prst="line">
+                <a:avLst/>
+              </a:prstGeom>
+              <a:noFill/>
+              <a:ln w="12700">
+                <a:solidFill>
+                  <a:srgbClr val="000000"/>
+                </a:solidFill>
+                <a:prstDash val="solid"/>
+                <a:round/>
+                <a:headEnd/>
+                <a:tailEnd/>
+              </a:ln>
+              <a:extLst>
+                <a:ext uri="{909E8E84-426E-40DD-AFC4-6F175D3DCCD1}">
+                  <a14:hiddenFill xmlns:a14="http://schemas.microsoft.com/office/drawing/2010/main">
+                    <a:noFill/>
+                  </a14:hiddenFill>
+                </a:ext>
+              </a:extLst>
+            </p:spPr>
+            <p:txBody>
+              <a:bodyPr vert="horz" wrap="square" lIns="91440" tIns="45720" rIns="91440" bIns="45720" numCol="1" anchor="t" anchorCtr="0" compatLnSpc="1">
+                <a:prstTxWarp prst="textNoShape">
+                  <a:avLst/>
+                </a:prstTxWarp>
+              </a:bodyPr>
+              <a:lstStyle/>
+              <a:p>
+                <a:endParaRPr lang="en-US"/>
+              </a:p>
+            </p:txBody>
+          </p:sp>
+          <p:sp>
+            <p:nvSpPr>
+              <p:cNvPr id="87" name="Line 16">
+                <a:extLst>
+                  <a:ext uri="{FF2B5EF4-FFF2-40B4-BE49-F238E27FC236}">
+                    <a16:creationId xmlns:a16="http://schemas.microsoft.com/office/drawing/2014/main" id="{E36DB930-6539-4725-94DB-589A08D6B5DE}"/>
+                  </a:ext>
+                </a:extLst>
+              </p:cNvPr>
+              <p:cNvSpPr>
+                <a:spLocks noChangeShapeType="1"/>
+              </p:cNvSpPr>
+              <p:nvPr/>
+            </p:nvSpPr>
+            <p:spPr bwMode="auto">
+              <a:xfrm>
+                <a:off x="8448675" y="6324600"/>
+                <a:ext cx="0" cy="0"/>
+              </a:xfrm>
+              <a:prstGeom prst="line">
+                <a:avLst/>
+              </a:prstGeom>
+              <a:noFill/>
+              <a:ln w="12700">
+                <a:solidFill>
+                  <a:srgbClr val="000000"/>
+                </a:solidFill>
+                <a:prstDash val="solid"/>
+                <a:round/>
+                <a:headEnd/>
+                <a:tailEnd/>
+              </a:ln>
+              <a:extLst>
+                <a:ext uri="{909E8E84-426E-40DD-AFC4-6F175D3DCCD1}">
+                  <a14:hiddenFill xmlns:a14="http://schemas.microsoft.com/office/drawing/2010/main">
+                    <a:noFill/>
+                  </a14:hiddenFill>
+                </a:ext>
+              </a:extLst>
+            </p:spPr>
+            <p:txBody>
+              <a:bodyPr vert="horz" wrap="square" lIns="91440" tIns="45720" rIns="91440" bIns="45720" numCol="1" anchor="t" anchorCtr="0" compatLnSpc="1">
+                <a:prstTxWarp prst="textNoShape">
+                  <a:avLst/>
+                </a:prstTxWarp>
+              </a:bodyPr>
+              <a:lstStyle/>
+              <a:p>
+                <a:endParaRPr lang="en-US"/>
+              </a:p>
+            </p:txBody>
+          </p:sp>
+          <p:sp>
+            <p:nvSpPr>
+              <p:cNvPr id="88" name="Line 17">
+                <a:extLst>
+                  <a:ext uri="{FF2B5EF4-FFF2-40B4-BE49-F238E27FC236}">
+                    <a16:creationId xmlns:a16="http://schemas.microsoft.com/office/drawing/2014/main" id="{5B19A214-EA34-487C-9DCA-ECF574958747}"/>
+                  </a:ext>
+                </a:extLst>
+              </p:cNvPr>
+              <p:cNvSpPr>
+                <a:spLocks noChangeShapeType="1"/>
+              </p:cNvSpPr>
+              <p:nvPr/>
+            </p:nvSpPr>
+            <p:spPr bwMode="auto">
+              <a:xfrm>
+                <a:off x="8448675" y="6324600"/>
+                <a:ext cx="225425" cy="0"/>
+              </a:xfrm>
+              <a:prstGeom prst="line">
+                <a:avLst/>
+              </a:prstGeom>
+              <a:noFill/>
+              <a:ln w="12700">
+                <a:solidFill>
+                  <a:srgbClr val="000000"/>
+                </a:solidFill>
+                <a:prstDash val="solid"/>
+                <a:round/>
+                <a:headEnd/>
+                <a:tailEnd/>
+              </a:ln>
+              <a:extLst>
+                <a:ext uri="{909E8E84-426E-40DD-AFC4-6F175D3DCCD1}">
+                  <a14:hiddenFill xmlns:a14="http://schemas.microsoft.com/office/drawing/2010/main">
+                    <a:noFill/>
+                  </a14:hiddenFill>
+                </a:ext>
+              </a:extLst>
+            </p:spPr>
+            <p:txBody>
+              <a:bodyPr vert="horz" wrap="square" lIns="91440" tIns="45720" rIns="91440" bIns="45720" numCol="1" anchor="t" anchorCtr="0" compatLnSpc="1">
+                <a:prstTxWarp prst="textNoShape">
+                  <a:avLst/>
+                </a:prstTxWarp>
+              </a:bodyPr>
+              <a:lstStyle/>
+              <a:p>
+                <a:endParaRPr lang="en-US"/>
+              </a:p>
+            </p:txBody>
+          </p:sp>
+          <p:sp>
+            <p:nvSpPr>
+              <p:cNvPr id="89" name="Line 18">
+                <a:extLst>
+                  <a:ext uri="{FF2B5EF4-FFF2-40B4-BE49-F238E27FC236}">
+                    <a16:creationId xmlns:a16="http://schemas.microsoft.com/office/drawing/2014/main" id="{4EC5643F-E625-4141-B51A-E4A49AEDA6AB}"/>
+                  </a:ext>
+                </a:extLst>
+              </p:cNvPr>
+              <p:cNvSpPr>
+                <a:spLocks noChangeShapeType="1"/>
+              </p:cNvSpPr>
+              <p:nvPr/>
+            </p:nvSpPr>
+            <p:spPr bwMode="auto">
+              <a:xfrm>
+                <a:off x="8674100" y="6324600"/>
+                <a:ext cx="0" cy="0"/>
+              </a:xfrm>
+              <a:prstGeom prst="line">
+                <a:avLst/>
+              </a:prstGeom>
+              <a:noFill/>
+              <a:ln w="12700">
+                <a:solidFill>
+                  <a:srgbClr val="000000"/>
+                </a:solidFill>
+                <a:prstDash val="solid"/>
+                <a:round/>
+                <a:headEnd/>
+                <a:tailEnd/>
+              </a:ln>
+              <a:extLst>
+                <a:ext uri="{909E8E84-426E-40DD-AFC4-6F175D3DCCD1}">
+                  <a14:hiddenFill xmlns:a14="http://schemas.microsoft.com/office/drawing/2010/main">
+                    <a:noFill/>
+                  </a14:hiddenFill>
+                </a:ext>
+              </a:extLst>
+            </p:spPr>
+            <p:txBody>
+              <a:bodyPr vert="horz" wrap="square" lIns="91440" tIns="45720" rIns="91440" bIns="45720" numCol="1" anchor="t" anchorCtr="0" compatLnSpc="1">
+                <a:prstTxWarp prst="textNoShape">
+                  <a:avLst/>
+                </a:prstTxWarp>
+              </a:bodyPr>
+              <a:lstStyle/>
+              <a:p>
+                <a:endParaRPr lang="en-US"/>
+              </a:p>
+            </p:txBody>
+          </p:sp>
+          <p:sp>
+            <p:nvSpPr>
+              <p:cNvPr id="90" name="Line 19">
+                <a:extLst>
+                  <a:ext uri="{FF2B5EF4-FFF2-40B4-BE49-F238E27FC236}">
+                    <a16:creationId xmlns:a16="http://schemas.microsoft.com/office/drawing/2014/main" id="{271C3CF7-1F49-445C-ACA1-B500FD590DC0}"/>
+                  </a:ext>
+                </a:extLst>
+              </p:cNvPr>
+              <p:cNvSpPr>
+                <a:spLocks noChangeShapeType="1"/>
+              </p:cNvSpPr>
+              <p:nvPr/>
+            </p:nvSpPr>
+            <p:spPr bwMode="auto">
+              <a:xfrm flipV="1">
+                <a:off x="8674100" y="6321425"/>
+                <a:ext cx="1588" cy="3175"/>
+              </a:xfrm>
+              <a:prstGeom prst="line">
+                <a:avLst/>
+              </a:prstGeom>
+              <a:noFill/>
+              <a:ln w="17463">
+                <a:solidFill>
+                  <a:srgbClr val="000000"/>
+                </a:solidFill>
+                <a:prstDash val="solid"/>
+                <a:round/>
+                <a:headEnd/>
+                <a:tailEnd/>
+              </a:ln>
+              <a:extLst>
+                <a:ext uri="{909E8E84-426E-40DD-AFC4-6F175D3DCCD1}">
+                  <a14:hiddenFill xmlns:a14="http://schemas.microsoft.com/office/drawing/2010/main">
+                    <a:noFill/>
+                  </a14:hiddenFill>
+                </a:ext>
+              </a:extLst>
+            </p:spPr>
+            <p:txBody>
+              <a:bodyPr vert="horz" wrap="square" lIns="91440" tIns="45720" rIns="91440" bIns="45720" numCol="1" anchor="t" anchorCtr="0" compatLnSpc="1">
+                <a:prstTxWarp prst="textNoShape">
+                  <a:avLst/>
+                </a:prstTxWarp>
+              </a:bodyPr>
+              <a:lstStyle/>
+              <a:p>
+                <a:endParaRPr lang="en-US"/>
+              </a:p>
+            </p:txBody>
+          </p:sp>
+          <p:sp>
+            <p:nvSpPr>
+              <p:cNvPr id="91" name="Line 20">
+                <a:extLst>
+                  <a:ext uri="{FF2B5EF4-FFF2-40B4-BE49-F238E27FC236}">
+                    <a16:creationId xmlns:a16="http://schemas.microsoft.com/office/drawing/2014/main" id="{93FA759D-1270-4483-BD75-CDF58AF5BE9A}"/>
+                  </a:ext>
+                </a:extLst>
+              </p:cNvPr>
+              <p:cNvSpPr>
+                <a:spLocks noChangeShapeType="1"/>
+              </p:cNvSpPr>
+              <p:nvPr/>
+            </p:nvSpPr>
+            <p:spPr bwMode="auto">
+              <a:xfrm flipV="1">
+                <a:off x="8675688" y="6319837"/>
+                <a:ext cx="0" cy="1588"/>
+              </a:xfrm>
+              <a:prstGeom prst="line">
+                <a:avLst/>
+              </a:prstGeom>
+              <a:noFill/>
+              <a:ln w="12700">
+                <a:solidFill>
+                  <a:srgbClr val="000000"/>
+                </a:solidFill>
+                <a:prstDash val="solid"/>
+                <a:round/>
+                <a:headEnd/>
+                <a:tailEnd/>
+              </a:ln>
+              <a:extLst>
+                <a:ext uri="{909E8E84-426E-40DD-AFC4-6F175D3DCCD1}">
+                  <a14:hiddenFill xmlns:a14="http://schemas.microsoft.com/office/drawing/2010/main">
+                    <a:noFill/>
+                  </a14:hiddenFill>
+                </a:ext>
+              </a:extLst>
+            </p:spPr>
+            <p:txBody>
+              <a:bodyPr vert="horz" wrap="square" lIns="91440" tIns="45720" rIns="91440" bIns="45720" numCol="1" anchor="t" anchorCtr="0" compatLnSpc="1">
+                <a:prstTxWarp prst="textNoShape">
+                  <a:avLst/>
+                </a:prstTxWarp>
+              </a:bodyPr>
+              <a:lstStyle/>
+              <a:p>
+                <a:endParaRPr lang="en-US"/>
+              </a:p>
+            </p:txBody>
+          </p:sp>
+          <p:sp>
+            <p:nvSpPr>
+              <p:cNvPr id="92" name="Line 21">
+                <a:extLst>
+                  <a:ext uri="{FF2B5EF4-FFF2-40B4-BE49-F238E27FC236}">
+                    <a16:creationId xmlns:a16="http://schemas.microsoft.com/office/drawing/2014/main" id="{F4B0DAD1-B4D3-4630-9EC6-879F90C4DDC8}"/>
+                  </a:ext>
+                </a:extLst>
+              </p:cNvPr>
+              <p:cNvSpPr>
+                <a:spLocks noChangeShapeType="1"/>
+              </p:cNvSpPr>
+              <p:nvPr/>
+            </p:nvSpPr>
+            <p:spPr bwMode="auto">
+              <a:xfrm flipV="1">
+                <a:off x="8675688" y="6203950"/>
+                <a:ext cx="58738" cy="115888"/>
+              </a:xfrm>
+              <a:prstGeom prst="line">
+                <a:avLst/>
+              </a:prstGeom>
+              <a:noFill/>
+              <a:ln w="17463">
+                <a:solidFill>
+                  <a:srgbClr val="000000"/>
+                </a:solidFill>
+                <a:prstDash val="solid"/>
+                <a:round/>
+                <a:headEnd/>
+                <a:tailEnd/>
+              </a:ln>
+              <a:extLst>
+                <a:ext uri="{909E8E84-426E-40DD-AFC4-6F175D3DCCD1}">
+                  <a14:hiddenFill xmlns:a14="http://schemas.microsoft.com/office/drawing/2010/main">
+                    <a:noFill/>
+                  </a14:hiddenFill>
+                </a:ext>
+              </a:extLst>
+            </p:spPr>
+            <p:txBody>
+              <a:bodyPr vert="horz" wrap="square" lIns="91440" tIns="45720" rIns="91440" bIns="45720" numCol="1" anchor="t" anchorCtr="0" compatLnSpc="1">
+                <a:prstTxWarp prst="textNoShape">
+                  <a:avLst/>
+                </a:prstTxWarp>
+              </a:bodyPr>
+              <a:lstStyle/>
+              <a:p>
+                <a:endParaRPr lang="en-US"/>
+              </a:p>
+            </p:txBody>
+          </p:sp>
+          <p:sp>
+            <p:nvSpPr>
+              <p:cNvPr id="93" name="Line 22">
+                <a:extLst>
+                  <a:ext uri="{FF2B5EF4-FFF2-40B4-BE49-F238E27FC236}">
+                    <a16:creationId xmlns:a16="http://schemas.microsoft.com/office/drawing/2014/main" id="{B4E447C1-3060-4E5A-9B9A-C36C98586880}"/>
+                  </a:ext>
+                </a:extLst>
+              </p:cNvPr>
+              <p:cNvSpPr>
+                <a:spLocks noChangeShapeType="1"/>
+              </p:cNvSpPr>
+              <p:nvPr/>
+            </p:nvSpPr>
+            <p:spPr bwMode="auto">
+              <a:xfrm flipV="1">
+                <a:off x="8734425" y="5888037"/>
+                <a:ext cx="0" cy="315913"/>
+              </a:xfrm>
+              <a:prstGeom prst="line">
+                <a:avLst/>
+              </a:prstGeom>
+              <a:noFill/>
+              <a:ln w="12700">
+                <a:solidFill>
+                  <a:srgbClr val="000000"/>
+                </a:solidFill>
+                <a:prstDash val="solid"/>
+                <a:round/>
+                <a:headEnd/>
+                <a:tailEnd/>
+              </a:ln>
+              <a:extLst>
+                <a:ext uri="{909E8E84-426E-40DD-AFC4-6F175D3DCCD1}">
+                  <a14:hiddenFill xmlns:a14="http://schemas.microsoft.com/office/drawing/2010/main">
+                    <a:noFill/>
+                  </a14:hiddenFill>
+                </a:ext>
+              </a:extLst>
+            </p:spPr>
+            <p:txBody>
+              <a:bodyPr vert="horz" wrap="square" lIns="91440" tIns="45720" rIns="91440" bIns="45720" numCol="1" anchor="t" anchorCtr="0" compatLnSpc="1">
+                <a:prstTxWarp prst="textNoShape">
+                  <a:avLst/>
+                </a:prstTxWarp>
+              </a:bodyPr>
+              <a:lstStyle/>
+              <a:p>
+                <a:endParaRPr lang="en-US"/>
+              </a:p>
+            </p:txBody>
+          </p:sp>
+          <p:sp>
+            <p:nvSpPr>
+              <p:cNvPr id="94" name="Line 23">
+                <a:extLst>
+                  <a:ext uri="{FF2B5EF4-FFF2-40B4-BE49-F238E27FC236}">
+                    <a16:creationId xmlns:a16="http://schemas.microsoft.com/office/drawing/2014/main" id="{4730ACF3-9F2F-49C4-A324-44BF92DF83E8}"/>
+                  </a:ext>
+                </a:extLst>
+              </p:cNvPr>
+              <p:cNvSpPr>
+                <a:spLocks noChangeShapeType="1"/>
+              </p:cNvSpPr>
+              <p:nvPr/>
+            </p:nvSpPr>
+            <p:spPr bwMode="auto">
+              <a:xfrm flipH="1" flipV="1">
+                <a:off x="8693150" y="5845175"/>
+                <a:ext cx="41275" cy="42863"/>
+              </a:xfrm>
+              <a:prstGeom prst="line">
+                <a:avLst/>
+              </a:prstGeom>
+              <a:noFill/>
+              <a:ln w="17463">
+                <a:solidFill>
+                  <a:srgbClr val="000000"/>
+                </a:solidFill>
+                <a:prstDash val="solid"/>
+                <a:round/>
+                <a:headEnd/>
+                <a:tailEnd/>
+              </a:ln>
+              <a:extLst>
+                <a:ext uri="{909E8E84-426E-40DD-AFC4-6F175D3DCCD1}">
+                  <a14:hiddenFill xmlns:a14="http://schemas.microsoft.com/office/drawing/2010/main">
+                    <a:noFill/>
+                  </a14:hiddenFill>
+                </a:ext>
+              </a:extLst>
+            </p:spPr>
+            <p:txBody>
+              <a:bodyPr vert="horz" wrap="square" lIns="91440" tIns="45720" rIns="91440" bIns="45720" numCol="1" anchor="t" anchorCtr="0" compatLnSpc="1">
+                <a:prstTxWarp prst="textNoShape">
+                  <a:avLst/>
+                </a:prstTxWarp>
+              </a:bodyPr>
+              <a:lstStyle/>
+              <a:p>
+                <a:endParaRPr lang="en-US"/>
+              </a:p>
+            </p:txBody>
+          </p:sp>
+          <p:sp>
+            <p:nvSpPr>
+              <p:cNvPr id="95" name="Line 24">
+                <a:extLst>
+                  <a:ext uri="{FF2B5EF4-FFF2-40B4-BE49-F238E27FC236}">
+                    <a16:creationId xmlns:a16="http://schemas.microsoft.com/office/drawing/2014/main" id="{DA1D9C8E-7429-43A7-AFCF-F7C3151A030C}"/>
+                  </a:ext>
+                </a:extLst>
+              </p:cNvPr>
+              <p:cNvSpPr>
+                <a:spLocks noChangeShapeType="1"/>
+              </p:cNvSpPr>
+              <p:nvPr/>
+            </p:nvSpPr>
+            <p:spPr bwMode="auto">
+              <a:xfrm>
+                <a:off x="8693150" y="5845175"/>
+                <a:ext cx="0" cy="0"/>
+              </a:xfrm>
+              <a:prstGeom prst="line">
+                <a:avLst/>
+              </a:prstGeom>
+              <a:noFill/>
+              <a:ln w="12700">
+                <a:solidFill>
+                  <a:srgbClr val="000000"/>
+                </a:solidFill>
+                <a:prstDash val="solid"/>
+                <a:round/>
+                <a:headEnd/>
+                <a:tailEnd/>
+              </a:ln>
+              <a:extLst>
+                <a:ext uri="{909E8E84-426E-40DD-AFC4-6F175D3DCCD1}">
+                  <a14:hiddenFill xmlns:a14="http://schemas.microsoft.com/office/drawing/2010/main">
+                    <a:noFill/>
+                  </a14:hiddenFill>
+                </a:ext>
+              </a:extLst>
+            </p:spPr>
+            <p:txBody>
+              <a:bodyPr vert="horz" wrap="square" lIns="91440" tIns="45720" rIns="91440" bIns="45720" numCol="1" anchor="t" anchorCtr="0" compatLnSpc="1">
+                <a:prstTxWarp prst="textNoShape">
+                  <a:avLst/>
+                </a:prstTxWarp>
+              </a:bodyPr>
+              <a:lstStyle/>
+              <a:p>
+                <a:endParaRPr lang="en-US"/>
+              </a:p>
+            </p:txBody>
+          </p:sp>
+          <p:sp>
+            <p:nvSpPr>
+              <p:cNvPr id="96" name="Line 25">
+                <a:extLst>
+                  <a:ext uri="{FF2B5EF4-FFF2-40B4-BE49-F238E27FC236}">
+                    <a16:creationId xmlns:a16="http://schemas.microsoft.com/office/drawing/2014/main" id="{0A27F1C4-82AF-4935-A958-A526A6C5F720}"/>
+                  </a:ext>
+                </a:extLst>
+              </p:cNvPr>
+              <p:cNvSpPr>
+                <a:spLocks noChangeShapeType="1"/>
+              </p:cNvSpPr>
+              <p:nvPr/>
+            </p:nvSpPr>
+            <p:spPr bwMode="auto">
+              <a:xfrm flipH="1">
+                <a:off x="8620125" y="5845175"/>
+                <a:ext cx="73025" cy="0"/>
+              </a:xfrm>
+              <a:prstGeom prst="line">
+                <a:avLst/>
+              </a:prstGeom>
+              <a:noFill/>
+              <a:ln w="12700">
+                <a:solidFill>
+                  <a:srgbClr val="000000"/>
+                </a:solidFill>
+                <a:prstDash val="solid"/>
+                <a:round/>
+                <a:headEnd/>
+                <a:tailEnd/>
+              </a:ln>
+              <a:extLst>
+                <a:ext uri="{909E8E84-426E-40DD-AFC4-6F175D3DCCD1}">
+                  <a14:hiddenFill xmlns:a14="http://schemas.microsoft.com/office/drawing/2010/main">
+                    <a:noFill/>
+                  </a14:hiddenFill>
+                </a:ext>
+              </a:extLst>
+            </p:spPr>
+            <p:txBody>
+              <a:bodyPr vert="horz" wrap="square" lIns="91440" tIns="45720" rIns="91440" bIns="45720" numCol="1" anchor="t" anchorCtr="0" compatLnSpc="1">
+                <a:prstTxWarp prst="textNoShape">
+                  <a:avLst/>
+                </a:prstTxWarp>
+              </a:bodyPr>
+              <a:lstStyle/>
+              <a:p>
+                <a:endParaRPr lang="en-US"/>
+              </a:p>
+            </p:txBody>
+          </p:sp>
+          <p:sp>
+            <p:nvSpPr>
+              <p:cNvPr id="97" name="Line 26">
+                <a:extLst>
+                  <a:ext uri="{FF2B5EF4-FFF2-40B4-BE49-F238E27FC236}">
+                    <a16:creationId xmlns:a16="http://schemas.microsoft.com/office/drawing/2014/main" id="{B2B35B31-15F5-4B2F-AC74-03758AD782E6}"/>
+                  </a:ext>
+                </a:extLst>
+              </p:cNvPr>
+              <p:cNvSpPr>
+                <a:spLocks noChangeShapeType="1"/>
+              </p:cNvSpPr>
+              <p:nvPr/>
+            </p:nvSpPr>
+            <p:spPr bwMode="auto">
+              <a:xfrm>
+                <a:off x="8620125" y="5845175"/>
+                <a:ext cx="0" cy="0"/>
+              </a:xfrm>
+              <a:prstGeom prst="line">
+                <a:avLst/>
+              </a:prstGeom>
+              <a:noFill/>
+              <a:ln w="12700">
+                <a:solidFill>
+                  <a:srgbClr val="000000"/>
+                </a:solidFill>
+                <a:prstDash val="solid"/>
+                <a:round/>
+                <a:headEnd/>
+                <a:tailEnd/>
+              </a:ln>
+              <a:extLst>
+                <a:ext uri="{909E8E84-426E-40DD-AFC4-6F175D3DCCD1}">
+                  <a14:hiddenFill xmlns:a14="http://schemas.microsoft.com/office/drawing/2010/main">
+                    <a:noFill/>
+                  </a14:hiddenFill>
+                </a:ext>
+              </a:extLst>
+            </p:spPr>
+            <p:txBody>
+              <a:bodyPr vert="horz" wrap="square" lIns="91440" tIns="45720" rIns="91440" bIns="45720" numCol="1" anchor="t" anchorCtr="0" compatLnSpc="1">
+                <a:prstTxWarp prst="textNoShape">
+                  <a:avLst/>
+                </a:prstTxWarp>
+              </a:bodyPr>
+              <a:lstStyle/>
+              <a:p>
+                <a:endParaRPr lang="en-US"/>
+              </a:p>
+            </p:txBody>
+          </p:sp>
+          <p:sp>
+            <p:nvSpPr>
+              <p:cNvPr id="98" name="Line 27">
+                <a:extLst>
+                  <a:ext uri="{FF2B5EF4-FFF2-40B4-BE49-F238E27FC236}">
+                    <a16:creationId xmlns:a16="http://schemas.microsoft.com/office/drawing/2014/main" id="{B279CE6A-7C22-453C-A4A2-26631BC3DAD0}"/>
+                  </a:ext>
+                </a:extLst>
+              </p:cNvPr>
+              <p:cNvSpPr>
+                <a:spLocks noChangeShapeType="1"/>
+              </p:cNvSpPr>
+              <p:nvPr/>
+            </p:nvSpPr>
+            <p:spPr bwMode="auto">
+              <a:xfrm flipV="1">
+                <a:off x="8620125" y="5727700"/>
+                <a:ext cx="0" cy="117475"/>
+              </a:xfrm>
+              <a:prstGeom prst="line">
+                <a:avLst/>
+              </a:prstGeom>
+              <a:noFill/>
+              <a:ln w="12700">
+                <a:solidFill>
+                  <a:srgbClr val="000000"/>
+                </a:solidFill>
+                <a:prstDash val="solid"/>
+                <a:round/>
+                <a:headEnd/>
+                <a:tailEnd/>
+              </a:ln>
+              <a:extLst>
+                <a:ext uri="{909E8E84-426E-40DD-AFC4-6F175D3DCCD1}">
+                  <a14:hiddenFill xmlns:a14="http://schemas.microsoft.com/office/drawing/2010/main">
+                    <a:noFill/>
+                  </a14:hiddenFill>
+                </a:ext>
+              </a:extLst>
+            </p:spPr>
+            <p:txBody>
+              <a:bodyPr vert="horz" wrap="square" lIns="91440" tIns="45720" rIns="91440" bIns="45720" numCol="1" anchor="t" anchorCtr="0" compatLnSpc="1">
+                <a:prstTxWarp prst="textNoShape">
+                  <a:avLst/>
+                </a:prstTxWarp>
+              </a:bodyPr>
+              <a:lstStyle/>
+              <a:p>
+                <a:endParaRPr lang="en-US"/>
+              </a:p>
+            </p:txBody>
+          </p:sp>
+          <p:sp>
+            <p:nvSpPr>
+              <p:cNvPr id="99" name="Line 28">
+                <a:extLst>
+                  <a:ext uri="{FF2B5EF4-FFF2-40B4-BE49-F238E27FC236}">
+                    <a16:creationId xmlns:a16="http://schemas.microsoft.com/office/drawing/2014/main" id="{955D5DCC-FB96-4FA3-8D6C-196132D41319}"/>
+                  </a:ext>
+                </a:extLst>
+              </p:cNvPr>
+              <p:cNvSpPr>
+                <a:spLocks noChangeShapeType="1"/>
+              </p:cNvSpPr>
+              <p:nvPr/>
+            </p:nvSpPr>
+            <p:spPr bwMode="auto">
+              <a:xfrm flipH="1">
+                <a:off x="8499475" y="5727700"/>
+                <a:ext cx="120650" cy="0"/>
+              </a:xfrm>
+              <a:prstGeom prst="line">
+                <a:avLst/>
+              </a:prstGeom>
+              <a:noFill/>
+              <a:ln w="12700">
+                <a:solidFill>
+                  <a:srgbClr val="000000"/>
+                </a:solidFill>
+                <a:prstDash val="solid"/>
+                <a:round/>
+                <a:headEnd/>
+                <a:tailEnd/>
+              </a:ln>
+              <a:extLst>
+                <a:ext uri="{909E8E84-426E-40DD-AFC4-6F175D3DCCD1}">
+                  <a14:hiddenFill xmlns:a14="http://schemas.microsoft.com/office/drawing/2010/main">
+                    <a:noFill/>
+                  </a14:hiddenFill>
+                </a:ext>
+              </a:extLst>
+            </p:spPr>
+            <p:txBody>
+              <a:bodyPr vert="horz" wrap="square" lIns="91440" tIns="45720" rIns="91440" bIns="45720" numCol="1" anchor="t" anchorCtr="0" compatLnSpc="1">
+                <a:prstTxWarp prst="textNoShape">
+                  <a:avLst/>
+                </a:prstTxWarp>
+              </a:bodyPr>
+              <a:lstStyle/>
+              <a:p>
+                <a:endParaRPr lang="en-US"/>
+              </a:p>
+            </p:txBody>
+          </p:sp>
+          <p:sp>
+            <p:nvSpPr>
+              <p:cNvPr id="100" name="Freeform 29">
+                <a:extLst>
+                  <a:ext uri="{FF2B5EF4-FFF2-40B4-BE49-F238E27FC236}">
+                    <a16:creationId xmlns:a16="http://schemas.microsoft.com/office/drawing/2014/main" id="{2541EC35-9FF6-4D76-9D55-49D5413B0F32}"/>
+                  </a:ext>
+                </a:extLst>
+              </p:cNvPr>
+              <p:cNvSpPr>
+                <a:spLocks/>
+              </p:cNvSpPr>
+              <p:nvPr/>
+            </p:nvSpPr>
+            <p:spPr bwMode="auto">
+              <a:xfrm>
+                <a:off x="8480425" y="5930900"/>
+                <a:ext cx="187325" cy="193675"/>
+              </a:xfrm>
+              <a:custGeom>
+                <a:avLst/>
+                <a:gdLst>
+                  <a:gd name="T0" fmla="*/ 79 w 118"/>
+                  <a:gd name="T1" fmla="*/ 113 h 122"/>
+                  <a:gd name="T2" fmla="*/ 68 w 118"/>
+                  <a:gd name="T3" fmla="*/ 120 h 122"/>
+                  <a:gd name="T4" fmla="*/ 58 w 118"/>
+                  <a:gd name="T5" fmla="*/ 122 h 122"/>
+                  <a:gd name="T6" fmla="*/ 54 w 118"/>
+                  <a:gd name="T7" fmla="*/ 122 h 122"/>
+                  <a:gd name="T8" fmla="*/ 37 w 118"/>
+                  <a:gd name="T9" fmla="*/ 121 h 122"/>
+                  <a:gd name="T10" fmla="*/ 30 w 118"/>
+                  <a:gd name="T11" fmla="*/ 118 h 122"/>
+                  <a:gd name="T12" fmla="*/ 23 w 118"/>
+                  <a:gd name="T13" fmla="*/ 111 h 122"/>
+                  <a:gd name="T14" fmla="*/ 20 w 118"/>
+                  <a:gd name="T15" fmla="*/ 100 h 122"/>
+                  <a:gd name="T16" fmla="*/ 15 w 118"/>
+                  <a:gd name="T17" fmla="*/ 76 h 122"/>
+                  <a:gd name="T18" fmla="*/ 14 w 118"/>
+                  <a:gd name="T19" fmla="*/ 70 h 122"/>
+                  <a:gd name="T20" fmla="*/ 10 w 118"/>
+                  <a:gd name="T21" fmla="*/ 62 h 122"/>
+                  <a:gd name="T22" fmla="*/ 2 w 118"/>
+                  <a:gd name="T23" fmla="*/ 45 h 122"/>
+                  <a:gd name="T24" fmla="*/ 0 w 118"/>
+                  <a:gd name="T25" fmla="*/ 41 h 122"/>
+                  <a:gd name="T26" fmla="*/ 2 w 118"/>
+                  <a:gd name="T27" fmla="*/ 32 h 122"/>
+                  <a:gd name="T28" fmla="*/ 4 w 118"/>
+                  <a:gd name="T29" fmla="*/ 31 h 122"/>
+                  <a:gd name="T30" fmla="*/ 7 w 118"/>
+                  <a:gd name="T31" fmla="*/ 34 h 122"/>
+                  <a:gd name="T32" fmla="*/ 22 w 118"/>
+                  <a:gd name="T33" fmla="*/ 58 h 122"/>
+                  <a:gd name="T34" fmla="*/ 23 w 118"/>
+                  <a:gd name="T35" fmla="*/ 59 h 122"/>
+                  <a:gd name="T36" fmla="*/ 29 w 118"/>
+                  <a:gd name="T37" fmla="*/ 59 h 122"/>
+                  <a:gd name="T38" fmla="*/ 30 w 118"/>
+                  <a:gd name="T39" fmla="*/ 55 h 122"/>
+                  <a:gd name="T40" fmla="*/ 26 w 118"/>
+                  <a:gd name="T41" fmla="*/ 15 h 122"/>
+                  <a:gd name="T42" fmla="*/ 29 w 118"/>
+                  <a:gd name="T43" fmla="*/ 6 h 122"/>
+                  <a:gd name="T44" fmla="*/ 30 w 118"/>
+                  <a:gd name="T45" fmla="*/ 6 h 122"/>
+                  <a:gd name="T46" fmla="*/ 35 w 118"/>
+                  <a:gd name="T47" fmla="*/ 8 h 122"/>
+                  <a:gd name="T48" fmla="*/ 37 w 118"/>
+                  <a:gd name="T49" fmla="*/ 11 h 122"/>
+                  <a:gd name="T50" fmla="*/ 41 w 118"/>
+                  <a:gd name="T51" fmla="*/ 49 h 122"/>
+                  <a:gd name="T52" fmla="*/ 42 w 118"/>
+                  <a:gd name="T53" fmla="*/ 52 h 122"/>
+                  <a:gd name="T54" fmla="*/ 45 w 118"/>
+                  <a:gd name="T55" fmla="*/ 48 h 122"/>
+                  <a:gd name="T56" fmla="*/ 46 w 118"/>
+                  <a:gd name="T57" fmla="*/ 24 h 122"/>
+                  <a:gd name="T58" fmla="*/ 49 w 118"/>
+                  <a:gd name="T59" fmla="*/ 4 h 122"/>
+                  <a:gd name="T60" fmla="*/ 54 w 118"/>
+                  <a:gd name="T61" fmla="*/ 0 h 122"/>
+                  <a:gd name="T62" fmla="*/ 58 w 118"/>
+                  <a:gd name="T63" fmla="*/ 1 h 122"/>
+                  <a:gd name="T64" fmla="*/ 60 w 118"/>
+                  <a:gd name="T65" fmla="*/ 7 h 122"/>
+                  <a:gd name="T66" fmla="*/ 56 w 118"/>
+                  <a:gd name="T67" fmla="*/ 49 h 122"/>
+                  <a:gd name="T68" fmla="*/ 56 w 118"/>
+                  <a:gd name="T69" fmla="*/ 51 h 122"/>
+                  <a:gd name="T70" fmla="*/ 60 w 118"/>
+                  <a:gd name="T71" fmla="*/ 51 h 122"/>
+                  <a:gd name="T72" fmla="*/ 62 w 118"/>
+                  <a:gd name="T73" fmla="*/ 49 h 122"/>
+                  <a:gd name="T74" fmla="*/ 77 w 118"/>
+                  <a:gd name="T75" fmla="*/ 14 h 122"/>
+                  <a:gd name="T76" fmla="*/ 80 w 118"/>
+                  <a:gd name="T77" fmla="*/ 11 h 122"/>
+                  <a:gd name="T78" fmla="*/ 87 w 118"/>
+                  <a:gd name="T79" fmla="*/ 13 h 122"/>
+                  <a:gd name="T80" fmla="*/ 88 w 118"/>
+                  <a:gd name="T81" fmla="*/ 17 h 122"/>
+                  <a:gd name="T82" fmla="*/ 87 w 118"/>
+                  <a:gd name="T83" fmla="*/ 21 h 122"/>
+                  <a:gd name="T84" fmla="*/ 72 w 118"/>
+                  <a:gd name="T85" fmla="*/ 62 h 122"/>
+                  <a:gd name="T86" fmla="*/ 72 w 118"/>
+                  <a:gd name="T87" fmla="*/ 66 h 122"/>
+                  <a:gd name="T88" fmla="*/ 73 w 118"/>
+                  <a:gd name="T89" fmla="*/ 76 h 122"/>
+                  <a:gd name="T90" fmla="*/ 74 w 118"/>
+                  <a:gd name="T91" fmla="*/ 80 h 122"/>
+                  <a:gd name="T92" fmla="*/ 81 w 118"/>
+                  <a:gd name="T93" fmla="*/ 84 h 122"/>
+                  <a:gd name="T94" fmla="*/ 88 w 118"/>
+                  <a:gd name="T95" fmla="*/ 82 h 122"/>
+                  <a:gd name="T96" fmla="*/ 100 w 118"/>
+                  <a:gd name="T97" fmla="*/ 75 h 122"/>
+                  <a:gd name="T98" fmla="*/ 108 w 118"/>
+                  <a:gd name="T99" fmla="*/ 72 h 122"/>
+                  <a:gd name="T100" fmla="*/ 111 w 118"/>
+                  <a:gd name="T101" fmla="*/ 73 h 122"/>
+                  <a:gd name="T102" fmla="*/ 118 w 118"/>
+                  <a:gd name="T103" fmla="*/ 80 h 122"/>
+                  <a:gd name="T104" fmla="*/ 115 w 118"/>
+                  <a:gd name="T105" fmla="*/ 83 h 122"/>
+                  <a:gd name="T106" fmla="*/ 108 w 118"/>
+                  <a:gd name="T107" fmla="*/ 86 h 122"/>
+                  <a:gd name="T108" fmla="*/ 95 w 118"/>
+                  <a:gd name="T109" fmla="*/ 94 h 122"/>
+                  <a:gd name="T110" fmla="*/ 88 w 118"/>
+                  <a:gd name="T111" fmla="*/ 101 h 122"/>
+                  <a:gd name="T112" fmla="*/ 79 w 118"/>
+                  <a:gd name="T113" fmla="*/ 113 h 122"/>
+                </a:gdLst>
+                <a:ahLst/>
+                <a:cxnLst>
+                  <a:cxn ang="0">
+                    <a:pos x="T0" y="T1"/>
+                  </a:cxn>
+                  <a:cxn ang="0">
+                    <a:pos x="T2" y="T3"/>
+                  </a:cxn>
+                  <a:cxn ang="0">
+                    <a:pos x="T4" y="T5"/>
+                  </a:cxn>
+                  <a:cxn ang="0">
+                    <a:pos x="T6" y="T7"/>
+                  </a:cxn>
+                  <a:cxn ang="0">
+                    <a:pos x="T8" y="T9"/>
+                  </a:cxn>
+                  <a:cxn ang="0">
+                    <a:pos x="T10" y="T11"/>
+                  </a:cxn>
+                  <a:cxn ang="0">
+                    <a:pos x="T12" y="T13"/>
+                  </a:cxn>
+                  <a:cxn ang="0">
+                    <a:pos x="T14" y="T15"/>
+                  </a:cxn>
+                  <a:cxn ang="0">
+                    <a:pos x="T16" y="T17"/>
+                  </a:cxn>
+                  <a:cxn ang="0">
+                    <a:pos x="T18" y="T19"/>
+                  </a:cxn>
+                  <a:cxn ang="0">
+                    <a:pos x="T20" y="T21"/>
+                  </a:cxn>
+                  <a:cxn ang="0">
+                    <a:pos x="T22" y="T23"/>
+                  </a:cxn>
+                  <a:cxn ang="0">
+                    <a:pos x="T24" y="T25"/>
+                  </a:cxn>
+                  <a:cxn ang="0">
+                    <a:pos x="T26" y="T27"/>
+                  </a:cxn>
+                  <a:cxn ang="0">
+                    <a:pos x="T28" y="T29"/>
+                  </a:cxn>
+                  <a:cxn ang="0">
+                    <a:pos x="T30" y="T31"/>
+                  </a:cxn>
+                  <a:cxn ang="0">
+                    <a:pos x="T32" y="T33"/>
+                  </a:cxn>
+                  <a:cxn ang="0">
+                    <a:pos x="T34" y="T35"/>
+                  </a:cxn>
+                  <a:cxn ang="0">
+                    <a:pos x="T36" y="T37"/>
+                  </a:cxn>
+                  <a:cxn ang="0">
+                    <a:pos x="T38" y="T39"/>
+                  </a:cxn>
+                  <a:cxn ang="0">
+                    <a:pos x="T40" y="T41"/>
+                  </a:cxn>
+                  <a:cxn ang="0">
+                    <a:pos x="T42" y="T43"/>
+                  </a:cxn>
+                  <a:cxn ang="0">
+                    <a:pos x="T44" y="T45"/>
+                  </a:cxn>
+                  <a:cxn ang="0">
+                    <a:pos x="T46" y="T47"/>
+                  </a:cxn>
+                  <a:cxn ang="0">
+                    <a:pos x="T48" y="T49"/>
+                  </a:cxn>
+                  <a:cxn ang="0">
+                    <a:pos x="T50" y="T51"/>
+                  </a:cxn>
+                  <a:cxn ang="0">
+                    <a:pos x="T52" y="T53"/>
+                  </a:cxn>
+                  <a:cxn ang="0">
+                    <a:pos x="T54" y="T55"/>
+                  </a:cxn>
+                  <a:cxn ang="0">
+                    <a:pos x="T56" y="T57"/>
+                  </a:cxn>
+                  <a:cxn ang="0">
+                    <a:pos x="T58" y="T59"/>
+                  </a:cxn>
+                  <a:cxn ang="0">
+                    <a:pos x="T60" y="T61"/>
+                  </a:cxn>
+                  <a:cxn ang="0">
+                    <a:pos x="T62" y="T63"/>
+                  </a:cxn>
+                  <a:cxn ang="0">
+                    <a:pos x="T64" y="T65"/>
+                  </a:cxn>
+                  <a:cxn ang="0">
+                    <a:pos x="T66" y="T67"/>
+                  </a:cxn>
+                  <a:cxn ang="0">
+                    <a:pos x="T68" y="T69"/>
+                  </a:cxn>
+                  <a:cxn ang="0">
+                    <a:pos x="T70" y="T71"/>
+                  </a:cxn>
+                  <a:cxn ang="0">
+                    <a:pos x="T72" y="T73"/>
+                  </a:cxn>
+                  <a:cxn ang="0">
+                    <a:pos x="T74" y="T75"/>
+                  </a:cxn>
+                  <a:cxn ang="0">
+                    <a:pos x="T76" y="T77"/>
+                  </a:cxn>
+                  <a:cxn ang="0">
+                    <a:pos x="T78" y="T79"/>
+                  </a:cxn>
+                  <a:cxn ang="0">
+                    <a:pos x="T80" y="T81"/>
+                  </a:cxn>
+                  <a:cxn ang="0">
+                    <a:pos x="T82" y="T83"/>
+                  </a:cxn>
+                  <a:cxn ang="0">
+                    <a:pos x="T84" y="T85"/>
+                  </a:cxn>
+                  <a:cxn ang="0">
+                    <a:pos x="T86" y="T87"/>
+                  </a:cxn>
+                  <a:cxn ang="0">
+                    <a:pos x="T88" y="T89"/>
+                  </a:cxn>
+                  <a:cxn ang="0">
+                    <a:pos x="T90" y="T91"/>
+                  </a:cxn>
+                  <a:cxn ang="0">
+                    <a:pos x="T92" y="T93"/>
+                  </a:cxn>
+                  <a:cxn ang="0">
+                    <a:pos x="T94" y="T95"/>
+                  </a:cxn>
+                  <a:cxn ang="0">
+                    <a:pos x="T96" y="T97"/>
+                  </a:cxn>
+                  <a:cxn ang="0">
+                    <a:pos x="T98" y="T99"/>
+                  </a:cxn>
+                  <a:cxn ang="0">
+                    <a:pos x="T100" y="T101"/>
+                  </a:cxn>
+                  <a:cxn ang="0">
+                    <a:pos x="T102" y="T103"/>
+                  </a:cxn>
+                  <a:cxn ang="0">
+                    <a:pos x="T104" y="T105"/>
+                  </a:cxn>
+                  <a:cxn ang="0">
+                    <a:pos x="T106" y="T107"/>
+                  </a:cxn>
+                  <a:cxn ang="0">
+                    <a:pos x="T108" y="T109"/>
+                  </a:cxn>
+                  <a:cxn ang="0">
+                    <a:pos x="T110" y="T111"/>
+                  </a:cxn>
+                  <a:cxn ang="0">
+                    <a:pos x="T112" y="T113"/>
+                  </a:cxn>
+                </a:cxnLst>
+                <a:rect l="0" t="0" r="r" b="b"/>
+                <a:pathLst>
+                  <a:path w="118" h="122">
+                    <a:moveTo>
+                      <a:pt x="79" y="113"/>
+                    </a:moveTo>
+                    <a:lnTo>
+                      <a:pt x="79" y="113"/>
+                    </a:lnTo>
+                    <a:lnTo>
+                      <a:pt x="74" y="117"/>
+                    </a:lnTo>
+                    <a:lnTo>
+                      <a:pt x="68" y="120"/>
+                    </a:lnTo>
+                    <a:lnTo>
+                      <a:pt x="62" y="122"/>
+                    </a:lnTo>
+                    <a:lnTo>
+                      <a:pt x="58" y="122"/>
+                    </a:lnTo>
+                    <a:lnTo>
+                      <a:pt x="54" y="122"/>
+                    </a:lnTo>
+                    <a:lnTo>
+                      <a:pt x="54" y="122"/>
+                    </a:lnTo>
+                    <a:lnTo>
+                      <a:pt x="45" y="122"/>
+                    </a:lnTo>
+                    <a:lnTo>
+                      <a:pt x="37" y="121"/>
+                    </a:lnTo>
+                    <a:lnTo>
+                      <a:pt x="33" y="121"/>
+                    </a:lnTo>
+                    <a:lnTo>
+                      <a:pt x="30" y="118"/>
+                    </a:lnTo>
+                    <a:lnTo>
+                      <a:pt x="26" y="115"/>
+                    </a:lnTo>
+                    <a:lnTo>
+                      <a:pt x="23" y="111"/>
+                    </a:lnTo>
+                    <a:lnTo>
+                      <a:pt x="23" y="111"/>
+                    </a:lnTo>
+                    <a:lnTo>
+                      <a:pt x="20" y="100"/>
+                    </a:lnTo>
+                    <a:lnTo>
+                      <a:pt x="18" y="90"/>
+                    </a:lnTo>
+                    <a:lnTo>
+                      <a:pt x="15" y="76"/>
+                    </a:lnTo>
+                    <a:lnTo>
+                      <a:pt x="15" y="76"/>
+                    </a:lnTo>
+                    <a:lnTo>
+                      <a:pt x="14" y="70"/>
+                    </a:lnTo>
+                    <a:lnTo>
+                      <a:pt x="10" y="62"/>
+                    </a:lnTo>
+                    <a:lnTo>
+                      <a:pt x="10" y="62"/>
+                    </a:lnTo>
+                    <a:lnTo>
+                      <a:pt x="4" y="52"/>
+                    </a:lnTo>
+                    <a:lnTo>
+                      <a:pt x="2" y="45"/>
+                    </a:lnTo>
+                    <a:lnTo>
+                      <a:pt x="0" y="41"/>
+                    </a:lnTo>
+                    <a:lnTo>
+                      <a:pt x="0" y="41"/>
+                    </a:lnTo>
+                    <a:lnTo>
+                      <a:pt x="0" y="37"/>
+                    </a:lnTo>
+                    <a:lnTo>
+                      <a:pt x="2" y="32"/>
+                    </a:lnTo>
+                    <a:lnTo>
+                      <a:pt x="3" y="31"/>
+                    </a:lnTo>
+                    <a:lnTo>
+                      <a:pt x="4" y="31"/>
+                    </a:lnTo>
+                    <a:lnTo>
+                      <a:pt x="6" y="32"/>
+                    </a:lnTo>
+                    <a:lnTo>
+                      <a:pt x="7" y="34"/>
+                    </a:lnTo>
+                    <a:lnTo>
+                      <a:pt x="7" y="34"/>
+                    </a:lnTo>
+                    <a:lnTo>
+                      <a:pt x="22" y="58"/>
+                    </a:lnTo>
+                    <a:lnTo>
+                      <a:pt x="22" y="58"/>
+                    </a:lnTo>
+                    <a:lnTo>
+                      <a:pt x="23" y="59"/>
+                    </a:lnTo>
+                    <a:lnTo>
+                      <a:pt x="26" y="59"/>
+                    </a:lnTo>
+                    <a:lnTo>
+                      <a:pt x="29" y="59"/>
+                    </a:lnTo>
+                    <a:lnTo>
+                      <a:pt x="30" y="55"/>
+                    </a:lnTo>
+                    <a:lnTo>
+                      <a:pt x="30" y="55"/>
+                    </a:lnTo>
+                    <a:lnTo>
+                      <a:pt x="26" y="15"/>
+                    </a:lnTo>
+                    <a:lnTo>
+                      <a:pt x="26" y="15"/>
+                    </a:lnTo>
+                    <a:lnTo>
+                      <a:pt x="27" y="8"/>
+                    </a:lnTo>
+                    <a:lnTo>
+                      <a:pt x="29" y="6"/>
+                    </a:lnTo>
+                    <a:lnTo>
+                      <a:pt x="30" y="6"/>
+                    </a:lnTo>
+                    <a:lnTo>
+                      <a:pt x="30" y="6"/>
+                    </a:lnTo>
+                    <a:lnTo>
+                      <a:pt x="34" y="6"/>
+                    </a:lnTo>
+                    <a:lnTo>
+                      <a:pt x="35" y="8"/>
+                    </a:lnTo>
+                    <a:lnTo>
+                      <a:pt x="37" y="11"/>
+                    </a:lnTo>
+                    <a:lnTo>
+                      <a:pt x="37" y="11"/>
+                    </a:lnTo>
+                    <a:lnTo>
+                      <a:pt x="41" y="49"/>
+                    </a:lnTo>
+                    <a:lnTo>
+                      <a:pt x="41" y="49"/>
+                    </a:lnTo>
+                    <a:lnTo>
+                      <a:pt x="41" y="51"/>
+                    </a:lnTo>
+                    <a:lnTo>
+                      <a:pt x="42" y="52"/>
+                    </a:lnTo>
+                    <a:lnTo>
+                      <a:pt x="43" y="52"/>
+                    </a:lnTo>
+                    <a:lnTo>
+                      <a:pt x="45" y="48"/>
+                    </a:lnTo>
+                    <a:lnTo>
+                      <a:pt x="45" y="48"/>
+                    </a:lnTo>
+                    <a:lnTo>
+                      <a:pt x="46" y="24"/>
+                    </a:lnTo>
+                    <a:lnTo>
+                      <a:pt x="49" y="4"/>
+                    </a:lnTo>
+                    <a:lnTo>
+                      <a:pt x="49" y="4"/>
+                    </a:lnTo>
+                    <a:lnTo>
+                      <a:pt x="50" y="1"/>
+                    </a:lnTo>
+                    <a:lnTo>
+                      <a:pt x="54" y="0"/>
+                    </a:lnTo>
+                    <a:lnTo>
+                      <a:pt x="57" y="0"/>
+                    </a:lnTo>
+                    <a:lnTo>
+                      <a:pt x="58" y="1"/>
+                    </a:lnTo>
+                    <a:lnTo>
+                      <a:pt x="60" y="3"/>
+                    </a:lnTo>
+                    <a:lnTo>
+                      <a:pt x="60" y="7"/>
+                    </a:lnTo>
+                    <a:lnTo>
+                      <a:pt x="60" y="7"/>
+                    </a:lnTo>
+                    <a:lnTo>
+                      <a:pt x="56" y="49"/>
+                    </a:lnTo>
+                    <a:lnTo>
+                      <a:pt x="56" y="49"/>
+                    </a:lnTo>
+                    <a:lnTo>
+                      <a:pt x="56" y="51"/>
+                    </a:lnTo>
+                    <a:lnTo>
+                      <a:pt x="58" y="52"/>
+                    </a:lnTo>
+                    <a:lnTo>
+                      <a:pt x="60" y="51"/>
+                    </a:lnTo>
+                    <a:lnTo>
+                      <a:pt x="62" y="49"/>
+                    </a:lnTo>
+                    <a:lnTo>
+                      <a:pt x="62" y="49"/>
+                    </a:lnTo>
+                    <a:lnTo>
+                      <a:pt x="77" y="14"/>
+                    </a:lnTo>
+                    <a:lnTo>
+                      <a:pt x="77" y="14"/>
+                    </a:lnTo>
+                    <a:lnTo>
+                      <a:pt x="79" y="13"/>
+                    </a:lnTo>
+                    <a:lnTo>
+                      <a:pt x="80" y="11"/>
+                    </a:lnTo>
+                    <a:lnTo>
+                      <a:pt x="85" y="11"/>
+                    </a:lnTo>
+                    <a:lnTo>
+                      <a:pt x="87" y="13"/>
+                    </a:lnTo>
+                    <a:lnTo>
+                      <a:pt x="88" y="14"/>
+                    </a:lnTo>
+                    <a:lnTo>
+                      <a:pt x="88" y="17"/>
+                    </a:lnTo>
+                    <a:lnTo>
+                      <a:pt x="87" y="21"/>
+                    </a:lnTo>
+                    <a:lnTo>
+                      <a:pt x="87" y="21"/>
+                    </a:lnTo>
+                    <a:lnTo>
+                      <a:pt x="79" y="44"/>
+                    </a:lnTo>
+                    <a:lnTo>
+                      <a:pt x="72" y="62"/>
+                    </a:lnTo>
+                    <a:lnTo>
+                      <a:pt x="72" y="62"/>
+                    </a:lnTo>
+                    <a:lnTo>
+                      <a:pt x="72" y="66"/>
+                    </a:lnTo>
+                    <a:lnTo>
+                      <a:pt x="72" y="72"/>
+                    </a:lnTo>
+                    <a:lnTo>
+                      <a:pt x="73" y="76"/>
+                    </a:lnTo>
+                    <a:lnTo>
+                      <a:pt x="74" y="80"/>
+                    </a:lnTo>
+                    <a:lnTo>
+                      <a:pt x="74" y="80"/>
+                    </a:lnTo>
+                    <a:lnTo>
+                      <a:pt x="77" y="83"/>
+                    </a:lnTo>
+                    <a:lnTo>
+                      <a:pt x="81" y="84"/>
+                    </a:lnTo>
+                    <a:lnTo>
+                      <a:pt x="84" y="84"/>
+                    </a:lnTo>
+                    <a:lnTo>
+                      <a:pt x="88" y="82"/>
+                    </a:lnTo>
+                    <a:lnTo>
+                      <a:pt x="88" y="82"/>
+                    </a:lnTo>
+                    <a:lnTo>
+                      <a:pt x="100" y="75"/>
+                    </a:lnTo>
+                    <a:lnTo>
+                      <a:pt x="106" y="72"/>
+                    </a:lnTo>
+                    <a:lnTo>
+                      <a:pt x="108" y="72"/>
+                    </a:lnTo>
+                    <a:lnTo>
+                      <a:pt x="111" y="73"/>
+                    </a:lnTo>
+                    <a:lnTo>
+                      <a:pt x="111" y="73"/>
+                    </a:lnTo>
+                    <a:lnTo>
+                      <a:pt x="116" y="76"/>
+                    </a:lnTo>
+                    <a:lnTo>
+                      <a:pt x="118" y="80"/>
+                    </a:lnTo>
+                    <a:lnTo>
+                      <a:pt x="116" y="82"/>
+                    </a:lnTo>
+                    <a:lnTo>
+                      <a:pt x="115" y="83"/>
+                    </a:lnTo>
+                    <a:lnTo>
+                      <a:pt x="108" y="86"/>
+                    </a:lnTo>
+                    <a:lnTo>
+                      <a:pt x="108" y="86"/>
+                    </a:lnTo>
+                    <a:lnTo>
+                      <a:pt x="100" y="90"/>
+                    </a:lnTo>
+                    <a:lnTo>
+                      <a:pt x="95" y="94"/>
+                    </a:lnTo>
+                    <a:lnTo>
+                      <a:pt x="88" y="101"/>
+                    </a:lnTo>
+                    <a:lnTo>
+                      <a:pt x="88" y="101"/>
+                    </a:lnTo>
+                    <a:lnTo>
+                      <a:pt x="79" y="113"/>
+                    </a:lnTo>
+                    <a:lnTo>
+                      <a:pt x="79" y="113"/>
+                    </a:lnTo>
+                    <a:close/>
+                  </a:path>
+                </a:pathLst>
+              </a:custGeom>
+              <a:solidFill>
+                <a:srgbClr val="000000"/>
+              </a:solidFill>
+              <a:ln>
+                <a:noFill/>
+              </a:ln>
+              <a:extLst>
+                <a:ext uri="{91240B29-F687-4F45-9708-019B960494DF}">
+                  <a14:hiddenLine xmlns:a14="http://schemas.microsoft.com/office/drawing/2010/main" w="9525">
+                    <a:solidFill>
+                      <a:srgbClr val="000000"/>
+                    </a:solidFill>
+                    <a:round/>
+                    <a:headEnd/>
+                    <a:tailEnd/>
+                  </a14:hiddenLine>
+                </a:ext>
+              </a:extLst>
+            </p:spPr>
+            <p:txBody>
+              <a:bodyPr vert="horz" wrap="square" lIns="91440" tIns="45720" rIns="91440" bIns="45720" numCol="1" anchor="t" anchorCtr="0" compatLnSpc="1">
+                <a:prstTxWarp prst="textNoShape">
+                  <a:avLst/>
+                </a:prstTxWarp>
+              </a:bodyPr>
+              <a:lstStyle/>
+              <a:p>
+                <a:endParaRPr lang="en-US"/>
+              </a:p>
+            </p:txBody>
+          </p:sp>
+        </p:grpSp>
       </p:grpSp>
       <p:grpSp>
         <p:nvGrpSpPr>
-          <p:cNvPr id="55" name="Group 54">
+          <p:cNvPr id="101" name="Group 100">
             <a:extLst>
               <a:ext uri="{FF2B5EF4-FFF2-40B4-BE49-F238E27FC236}">
-                <a16:creationId xmlns:a16="http://schemas.microsoft.com/office/drawing/2014/main" id="{A7464715-2D77-4CBD-AC4C-C637B226C073}"/>
+                <a16:creationId xmlns:a16="http://schemas.microsoft.com/office/drawing/2014/main" id="{3A3B85E7-2922-4C23-A5FB-EB936A8EA87C}"/>
               </a:ext>
             </a:extLst>
           </p:cNvPr>
@@ -7299,18 +9296,18 @@
         </p:nvGrpSpPr>
         <p:grpSpPr>
           <a:xfrm>
-            <a:off x="4521443" y="6494452"/>
-            <a:ext cx="906608" cy="914653"/>
-            <a:chOff x="1558943" y="5664983"/>
-            <a:chExt cx="906608" cy="914653"/>
+            <a:off x="1822677" y="6548427"/>
+            <a:ext cx="906608" cy="946150"/>
+            <a:chOff x="4521443" y="6494452"/>
+            <a:chExt cx="906608" cy="946150"/>
           </a:xfrm>
         </p:grpSpPr>
         <p:grpSp>
           <p:nvGrpSpPr>
-            <p:cNvPr id="57" name="Group 29">
+            <p:cNvPr id="102" name="Group 29">
               <a:extLst>
                 <a:ext uri="{FF2B5EF4-FFF2-40B4-BE49-F238E27FC236}">
-                  <a16:creationId xmlns:a16="http://schemas.microsoft.com/office/drawing/2014/main" id="{ED4783C5-C96F-491C-8E31-7003B7650F8B}"/>
+                  <a16:creationId xmlns:a16="http://schemas.microsoft.com/office/drawing/2014/main" id="{CA26CCE0-596C-4981-B158-D04650C891D4}"/>
                 </a:ext>
               </a:extLst>
             </p:cNvPr>
@@ -7321,7 +9318,7 @@
           </p:nvGrpSpPr>
           <p:grpSpPr bwMode="auto">
             <a:xfrm>
-              <a:off x="1857023" y="5664983"/>
+              <a:off x="4819523" y="6494452"/>
               <a:ext cx="287338" cy="790575"/>
               <a:chOff x="528" y="240"/>
               <a:chExt cx="181" cy="498"/>
@@ -7329,10 +9326,10 @@
           </p:grpSpPr>
           <p:sp>
             <p:nvSpPr>
-              <p:cNvPr id="67" name="Line 30">
+              <p:cNvPr id="138" name="Line 30">
                 <a:extLst>
                   <a:ext uri="{FF2B5EF4-FFF2-40B4-BE49-F238E27FC236}">
-                    <a16:creationId xmlns:a16="http://schemas.microsoft.com/office/drawing/2014/main" id="{759E9C48-2A94-4901-B213-E278D2F39F29}"/>
+                    <a16:creationId xmlns:a16="http://schemas.microsoft.com/office/drawing/2014/main" id="{DB11E802-49C6-4A22-9F0F-84551FCC18C4}"/>
                   </a:ext>
                 </a:extLst>
               </p:cNvPr>
@@ -7376,10 +9373,10 @@
           </p:sp>
           <p:sp>
             <p:nvSpPr>
-              <p:cNvPr id="68" name="Line 31">
+              <p:cNvPr id="139" name="Line 31">
                 <a:extLst>
                   <a:ext uri="{FF2B5EF4-FFF2-40B4-BE49-F238E27FC236}">
-                    <a16:creationId xmlns:a16="http://schemas.microsoft.com/office/drawing/2014/main" id="{B18E2D22-6848-46E9-B546-E4B113D60F46}"/>
+                    <a16:creationId xmlns:a16="http://schemas.microsoft.com/office/drawing/2014/main" id="{F3AF264E-2069-4003-820E-D4DCB901F5B0}"/>
                   </a:ext>
                 </a:extLst>
               </p:cNvPr>
@@ -7423,10 +9420,10 @@
           </p:sp>
           <p:sp>
             <p:nvSpPr>
-              <p:cNvPr id="69" name="Freeform 32">
+              <p:cNvPr id="140" name="Freeform 32">
                 <a:extLst>
                   <a:ext uri="{FF2B5EF4-FFF2-40B4-BE49-F238E27FC236}">
-                    <a16:creationId xmlns:a16="http://schemas.microsoft.com/office/drawing/2014/main" id="{73AB29FA-7B7E-4A45-BA07-0EBBE66C9B8E}"/>
+                    <a16:creationId xmlns:a16="http://schemas.microsoft.com/office/drawing/2014/main" id="{4AE150F0-02B8-4C63-8C6B-1B1196955234}"/>
                   </a:ext>
                 </a:extLst>
               </p:cNvPr>
@@ -7597,10 +9594,10 @@
         </p:grpSp>
         <p:sp>
           <p:nvSpPr>
-            <p:cNvPr id="58" name="Line 30">
+            <p:cNvPr id="103" name="Line 30">
               <a:extLst>
                 <a:ext uri="{FF2B5EF4-FFF2-40B4-BE49-F238E27FC236}">
-                  <a16:creationId xmlns:a16="http://schemas.microsoft.com/office/drawing/2014/main" id="{220C4642-F8BD-44F7-BBCC-BA7956025A78}"/>
+                  <a16:creationId xmlns:a16="http://schemas.microsoft.com/office/drawing/2014/main" id="{D271A37F-858A-45D4-9AC1-4EC95AE50C4C}"/>
                 </a:ext>
               </a:extLst>
             </p:cNvPr>
@@ -7611,7 +9608,7 @@
           </p:nvSpPr>
           <p:spPr bwMode="auto">
             <a:xfrm>
-              <a:off x="1570050" y="6177998"/>
+              <a:off x="4532550" y="7007467"/>
               <a:ext cx="0" cy="401638"/>
             </a:xfrm>
             <a:prstGeom prst="line">
@@ -7644,10 +9641,10 @@
         </p:sp>
         <p:sp>
           <p:nvSpPr>
-            <p:cNvPr id="59" name="Line 31">
+            <p:cNvPr id="104" name="Line 31">
               <a:extLst>
                 <a:ext uri="{FF2B5EF4-FFF2-40B4-BE49-F238E27FC236}">
-                  <a16:creationId xmlns:a16="http://schemas.microsoft.com/office/drawing/2014/main" id="{3F599C06-FE00-44E2-8E3B-ABF197AE211D}"/>
+                  <a16:creationId xmlns:a16="http://schemas.microsoft.com/office/drawing/2014/main" id="{DBC81581-87EC-4705-93B7-49C1AE77AD9D}"/>
                 </a:ext>
               </a:extLst>
             </p:cNvPr>
@@ -7658,7 +9655,7 @@
           </p:nvSpPr>
           <p:spPr bwMode="auto">
             <a:xfrm>
-              <a:off x="1833575" y="6177998"/>
+              <a:off x="4796075" y="7007467"/>
               <a:ext cx="0" cy="401638"/>
             </a:xfrm>
             <a:prstGeom prst="line">
@@ -7691,10 +9688,10 @@
         </p:sp>
         <p:sp>
           <p:nvSpPr>
-            <p:cNvPr id="60" name="Freeform 32">
+            <p:cNvPr id="105" name="Freeform 32">
               <a:extLst>
                 <a:ext uri="{FF2B5EF4-FFF2-40B4-BE49-F238E27FC236}">
-                  <a16:creationId xmlns:a16="http://schemas.microsoft.com/office/drawing/2014/main" id="{AFDEEAAF-656F-44BF-A86F-1207FCD0D093}"/>
+                  <a16:creationId xmlns:a16="http://schemas.microsoft.com/office/drawing/2014/main" id="{26CD4AB2-EA4A-4B52-822F-B76BBB30B925}"/>
                 </a:ext>
               </a:extLst>
             </p:cNvPr>
@@ -7705,7 +9702,7 @@
           </p:nvSpPr>
           <p:spPr bwMode="auto">
             <a:xfrm>
-              <a:off x="1558943" y="5950769"/>
+              <a:off x="4521443" y="6780238"/>
               <a:ext cx="287338" cy="527050"/>
             </a:xfrm>
             <a:custGeom>
@@ -7864,10 +9861,10 @@
         </p:sp>
         <p:sp>
           <p:nvSpPr>
-            <p:cNvPr id="61" name="Line 34">
+            <p:cNvPr id="106" name="Line 34">
               <a:extLst>
                 <a:ext uri="{FF2B5EF4-FFF2-40B4-BE49-F238E27FC236}">
-                  <a16:creationId xmlns:a16="http://schemas.microsoft.com/office/drawing/2014/main" id="{132B048D-02A6-49F1-AE2D-C883BA56B313}"/>
+                  <a16:creationId xmlns:a16="http://schemas.microsoft.com/office/drawing/2014/main" id="{D9328CD1-415B-430E-82C5-B33B0565DD28}"/>
                 </a:ext>
               </a:extLst>
             </p:cNvPr>
@@ -7878,7 +9875,7 @@
           </p:nvSpPr>
           <p:spPr bwMode="auto">
             <a:xfrm>
-              <a:off x="1874996" y="6169772"/>
+              <a:off x="4837496" y="6999241"/>
               <a:ext cx="0" cy="400801"/>
             </a:xfrm>
             <a:prstGeom prst="line">
@@ -7911,10 +9908,10 @@
         </p:sp>
         <p:sp>
           <p:nvSpPr>
-            <p:cNvPr id="62" name="Line 35">
+            <p:cNvPr id="107" name="Line 35">
               <a:extLst>
                 <a:ext uri="{FF2B5EF4-FFF2-40B4-BE49-F238E27FC236}">
-                  <a16:creationId xmlns:a16="http://schemas.microsoft.com/office/drawing/2014/main" id="{4FD7EC74-8B3F-44B0-9A5F-0AD5EB198C52}"/>
+                  <a16:creationId xmlns:a16="http://schemas.microsoft.com/office/drawing/2014/main" id="{1C3E9301-F54D-4510-BCA4-1E398BC4253B}"/>
                 </a:ext>
               </a:extLst>
             </p:cNvPr>
@@ -7925,7 +9922,7 @@
           </p:nvSpPr>
           <p:spPr bwMode="auto">
             <a:xfrm>
-              <a:off x="2146249" y="6169772"/>
+              <a:off x="5108749" y="6999241"/>
               <a:ext cx="0" cy="400801"/>
             </a:xfrm>
             <a:prstGeom prst="line">
@@ -7958,183 +9955,10 @@
         </p:sp>
         <p:sp>
           <p:nvSpPr>
-            <p:cNvPr id="63" name="Freeform 36">
+            <p:cNvPr id="108" name="Line 30">
               <a:extLst>
                 <a:ext uri="{FF2B5EF4-FFF2-40B4-BE49-F238E27FC236}">
-                  <a16:creationId xmlns:a16="http://schemas.microsoft.com/office/drawing/2014/main" id="{C30C4F01-E7E4-427C-8B8F-68B02B133692}"/>
-                </a:ext>
-              </a:extLst>
-            </p:cNvPr>
-            <p:cNvSpPr>
-              <a:spLocks/>
-            </p:cNvSpPr>
-            <p:nvPr/>
-          </p:nvSpPr>
-          <p:spPr bwMode="auto">
-            <a:xfrm>
-              <a:off x="1858985" y="5950769"/>
-              <a:ext cx="290513" cy="525459"/>
-            </a:xfrm>
-            <a:custGeom>
-              <a:avLst/>
-              <a:gdLst>
-                <a:gd name="T0" fmla="*/ 1 w 277"/>
-                <a:gd name="T1" fmla="*/ 0 h 517"/>
-                <a:gd name="T2" fmla="*/ 1 w 277"/>
-                <a:gd name="T3" fmla="*/ 0 h 517"/>
-                <a:gd name="T4" fmla="*/ 1 w 277"/>
-                <a:gd name="T5" fmla="*/ 1 h 517"/>
-                <a:gd name="T6" fmla="*/ 1 w 277"/>
-                <a:gd name="T7" fmla="*/ 1 h 517"/>
-                <a:gd name="T8" fmla="*/ 1 w 277"/>
-                <a:gd name="T9" fmla="*/ 1 h 517"/>
-                <a:gd name="T10" fmla="*/ 1 w 277"/>
-                <a:gd name="T11" fmla="*/ 1 h 517"/>
-                <a:gd name="T12" fmla="*/ 1 w 277"/>
-                <a:gd name="T13" fmla="*/ 1 h 517"/>
-                <a:gd name="T14" fmla="*/ 1 w 277"/>
-                <a:gd name="T15" fmla="*/ 1 h 517"/>
-                <a:gd name="T16" fmla="*/ 0 w 277"/>
-                <a:gd name="T17" fmla="*/ 1 h 517"/>
-                <a:gd name="T18" fmla="*/ 0 w 277"/>
-                <a:gd name="T19" fmla="*/ 1 h 517"/>
-                <a:gd name="T20" fmla="*/ 1 w 277"/>
-                <a:gd name="T21" fmla="*/ 1 h 517"/>
-                <a:gd name="T22" fmla="*/ 1 w 277"/>
-                <a:gd name="T23" fmla="*/ 1 h 517"/>
-                <a:gd name="T24" fmla="*/ 1 w 277"/>
-                <a:gd name="T25" fmla="*/ 0 h 517"/>
-                <a:gd name="T26" fmla="*/ 0 60000 65536"/>
-                <a:gd name="T27" fmla="*/ 0 60000 65536"/>
-                <a:gd name="T28" fmla="*/ 0 60000 65536"/>
-                <a:gd name="T29" fmla="*/ 0 60000 65536"/>
-                <a:gd name="T30" fmla="*/ 0 60000 65536"/>
-                <a:gd name="T31" fmla="*/ 0 60000 65536"/>
-                <a:gd name="T32" fmla="*/ 0 60000 65536"/>
-                <a:gd name="T33" fmla="*/ 0 60000 65536"/>
-                <a:gd name="T34" fmla="*/ 0 60000 65536"/>
-                <a:gd name="T35" fmla="*/ 0 60000 65536"/>
-                <a:gd name="T36" fmla="*/ 0 60000 65536"/>
-                <a:gd name="T37" fmla="*/ 0 60000 65536"/>
-                <a:gd name="T38" fmla="*/ 0 60000 65536"/>
-                <a:gd name="T39" fmla="*/ 0 w 277"/>
-                <a:gd name="T40" fmla="*/ 0 h 517"/>
-                <a:gd name="T41" fmla="*/ 277 w 277"/>
-                <a:gd name="T42" fmla="*/ 517 h 517"/>
-              </a:gdLst>
-              <a:ahLst/>
-              <a:cxnLst>
-                <a:cxn ang="T26">
-                  <a:pos x="T0" y="T1"/>
-                </a:cxn>
-                <a:cxn ang="T27">
-                  <a:pos x="T2" y="T3"/>
-                </a:cxn>
-                <a:cxn ang="T28">
-                  <a:pos x="T4" y="T5"/>
-                </a:cxn>
-                <a:cxn ang="T29">
-                  <a:pos x="T6" y="T7"/>
-                </a:cxn>
-                <a:cxn ang="T30">
-                  <a:pos x="T8" y="T9"/>
-                </a:cxn>
-                <a:cxn ang="T31">
-                  <a:pos x="T10" y="T11"/>
-                </a:cxn>
-                <a:cxn ang="T32">
-                  <a:pos x="T12" y="T13"/>
-                </a:cxn>
-                <a:cxn ang="T33">
-                  <a:pos x="T14" y="T15"/>
-                </a:cxn>
-                <a:cxn ang="T34">
-                  <a:pos x="T16" y="T17"/>
-                </a:cxn>
-                <a:cxn ang="T35">
-                  <a:pos x="T18" y="T19"/>
-                </a:cxn>
-                <a:cxn ang="T36">
-                  <a:pos x="T20" y="T21"/>
-                </a:cxn>
-                <a:cxn ang="T37">
-                  <a:pos x="T22" y="T23"/>
-                </a:cxn>
-                <a:cxn ang="T38">
-                  <a:pos x="T24" y="T25"/>
-                </a:cxn>
-              </a:cxnLst>
-              <a:rect l="T39" t="T40" r="T41" b="T42"/>
-              <a:pathLst>
-                <a:path w="277" h="517">
-                  <a:moveTo>
-                    <a:pt x="89" y="0"/>
-                  </a:moveTo>
-                  <a:lnTo>
-                    <a:pt x="191" y="0"/>
-                  </a:lnTo>
-                  <a:lnTo>
-                    <a:pt x="191" y="105"/>
-                  </a:lnTo>
-                  <a:lnTo>
-                    <a:pt x="225" y="105"/>
-                  </a:lnTo>
-                  <a:lnTo>
-                    <a:pt x="276" y="139"/>
-                  </a:lnTo>
-                  <a:lnTo>
-                    <a:pt x="276" y="415"/>
-                  </a:lnTo>
-                  <a:lnTo>
-                    <a:pt x="225" y="516"/>
-                  </a:lnTo>
-                  <a:lnTo>
-                    <a:pt x="51" y="516"/>
-                  </a:lnTo>
-                  <a:lnTo>
-                    <a:pt x="0" y="415"/>
-                  </a:lnTo>
-                  <a:lnTo>
-                    <a:pt x="0" y="139"/>
-                  </a:lnTo>
-                  <a:lnTo>
-                    <a:pt x="51" y="105"/>
-                  </a:lnTo>
-                  <a:lnTo>
-                    <a:pt x="89" y="105"/>
-                  </a:lnTo>
-                  <a:lnTo>
-                    <a:pt x="89" y="0"/>
-                  </a:lnTo>
-                </a:path>
-              </a:pathLst>
-            </a:custGeom>
-            <a:solidFill>
-              <a:schemeClr val="bg1"/>
-            </a:solidFill>
-            <a:ln w="12700" cap="rnd">
-              <a:solidFill>
-                <a:schemeClr val="tx1"/>
-              </a:solidFill>
-              <a:round/>
-              <a:headEnd/>
-              <a:tailEnd/>
-            </a:ln>
-          </p:spPr>
-          <p:txBody>
-            <a:bodyPr/>
-            <a:lstStyle/>
-            <a:p>
-              <a:endParaRPr lang="en-US"/>
-            </a:p>
-          </p:txBody>
-        </p:sp>
-        <p:sp>
-          <p:nvSpPr>
-            <p:cNvPr id="64" name="Line 30">
-              <a:extLst>
-                <a:ext uri="{FF2B5EF4-FFF2-40B4-BE49-F238E27FC236}">
-                  <a16:creationId xmlns:a16="http://schemas.microsoft.com/office/drawing/2014/main" id="{2660A937-A552-4066-A65C-5F26D44F36F8}"/>
+                  <a16:creationId xmlns:a16="http://schemas.microsoft.com/office/drawing/2014/main" id="{B3B52710-9ACF-4CBD-A34A-7CBB3504065D}"/>
                 </a:ext>
               </a:extLst>
             </p:cNvPr>
@@ -8145,7 +9969,7 @@
           </p:nvSpPr>
           <p:spPr bwMode="auto">
             <a:xfrm>
-              <a:off x="2182772" y="6176282"/>
+              <a:off x="5145272" y="7005751"/>
               <a:ext cx="0" cy="401638"/>
             </a:xfrm>
             <a:prstGeom prst="line">
@@ -8178,10 +10002,10 @@
         </p:sp>
         <p:sp>
           <p:nvSpPr>
-            <p:cNvPr id="65" name="Line 31">
+            <p:cNvPr id="109" name="Line 31">
               <a:extLst>
                 <a:ext uri="{FF2B5EF4-FFF2-40B4-BE49-F238E27FC236}">
-                  <a16:creationId xmlns:a16="http://schemas.microsoft.com/office/drawing/2014/main" id="{90DA3A25-543B-4DF5-9096-10462A8766CE}"/>
+                  <a16:creationId xmlns:a16="http://schemas.microsoft.com/office/drawing/2014/main" id="{21CC31E3-AAD3-45CB-B208-EA4C9FC8D2D6}"/>
                 </a:ext>
               </a:extLst>
             </p:cNvPr>
@@ -8192,7 +10016,7 @@
           </p:nvSpPr>
           <p:spPr bwMode="auto">
             <a:xfrm>
-              <a:off x="2446297" y="6176282"/>
+              <a:off x="5408797" y="7005751"/>
               <a:ext cx="0" cy="401638"/>
             </a:xfrm>
             <a:prstGeom prst="line">
@@ -8225,10 +10049,10 @@
         </p:sp>
         <p:sp>
           <p:nvSpPr>
-            <p:cNvPr id="66" name="Freeform 32">
+            <p:cNvPr id="110" name="Freeform 32">
               <a:extLst>
                 <a:ext uri="{FF2B5EF4-FFF2-40B4-BE49-F238E27FC236}">
-                  <a16:creationId xmlns:a16="http://schemas.microsoft.com/office/drawing/2014/main" id="{5F06BF1E-4CA7-497A-89EB-3E54D8F7A7DC}"/>
+                  <a16:creationId xmlns:a16="http://schemas.microsoft.com/office/drawing/2014/main" id="{E65D33C6-6034-4AE0-BCFD-0CF1DD6D1F47}"/>
                 </a:ext>
               </a:extLst>
             </p:cNvPr>
@@ -8239,7 +10063,7 @@
           </p:nvSpPr>
           <p:spPr bwMode="auto">
             <a:xfrm>
-              <a:off x="2178213" y="5953864"/>
+              <a:off x="5140713" y="6783333"/>
               <a:ext cx="287338" cy="527050"/>
             </a:xfrm>
             <a:custGeom>
@@ -8396,13 +10220,2246 @@
             </a:p>
           </p:txBody>
         </p:sp>
+        <p:grpSp>
+          <p:nvGrpSpPr>
+            <p:cNvPr id="111" name="Group 110">
+              <a:extLst>
+                <a:ext uri="{FF2B5EF4-FFF2-40B4-BE49-F238E27FC236}">
+                  <a16:creationId xmlns:a16="http://schemas.microsoft.com/office/drawing/2014/main" id="{19A359DE-5A15-4E60-972E-8EBC94D4B444}"/>
+                </a:ext>
+              </a:extLst>
+            </p:cNvPr>
+            <p:cNvGrpSpPr/>
+            <p:nvPr/>
+          </p:nvGrpSpPr>
+          <p:grpSpPr>
+            <a:xfrm>
+              <a:off x="4790493" y="6602402"/>
+              <a:ext cx="360363" cy="838200"/>
+              <a:chOff x="8382000" y="5580539"/>
+              <a:chExt cx="360363" cy="838200"/>
+            </a:xfrm>
+          </p:grpSpPr>
+          <p:sp>
+            <p:nvSpPr>
+              <p:cNvPr id="112" name="AutoShape 3">
+                <a:extLst>
+                  <a:ext uri="{FF2B5EF4-FFF2-40B4-BE49-F238E27FC236}">
+                    <a16:creationId xmlns:a16="http://schemas.microsoft.com/office/drawing/2014/main" id="{FD0EFC46-95A4-4C33-A0F0-8F97B8637E01}"/>
+                  </a:ext>
+                </a:extLst>
+              </p:cNvPr>
+              <p:cNvSpPr>
+                <a:spLocks noChangeAspect="1" noChangeArrowheads="1" noTextEdit="1"/>
+              </p:cNvSpPr>
+              <p:nvPr/>
+            </p:nvSpPr>
+            <p:spPr bwMode="auto">
+              <a:xfrm>
+                <a:off x="8382000" y="5580539"/>
+                <a:ext cx="360363" cy="838200"/>
+              </a:xfrm>
+              <a:prstGeom prst="rect">
+                <a:avLst/>
+              </a:prstGeom>
+              <a:noFill/>
+              <a:ln>
+                <a:noFill/>
+              </a:ln>
+              <a:extLst>
+                <a:ext uri="{909E8E84-426E-40DD-AFC4-6F175D3DCCD1}">
+                  <a14:hiddenFill xmlns:a14="http://schemas.microsoft.com/office/drawing/2010/main">
+                    <a:solidFill>
+                      <a:srgbClr val="FFFFFF"/>
+                    </a:solidFill>
+                  </a14:hiddenFill>
+                </a:ext>
+                <a:ext uri="{91240B29-F687-4F45-9708-019B960494DF}">
+                  <a14:hiddenLine xmlns:a14="http://schemas.microsoft.com/office/drawing/2010/main" w="9525">
+                    <a:solidFill>
+                      <a:srgbClr val="000000"/>
+                    </a:solidFill>
+                    <a:miter lim="800000"/>
+                    <a:headEnd/>
+                    <a:tailEnd/>
+                  </a14:hiddenLine>
+                </a:ext>
+              </a:extLst>
+            </p:spPr>
+            <p:txBody>
+              <a:bodyPr vert="horz" wrap="square" lIns="91440" tIns="45720" rIns="91440" bIns="45720" numCol="1" anchor="t" anchorCtr="0" compatLnSpc="1">
+                <a:prstTxWarp prst="textNoShape">
+                  <a:avLst/>
+                </a:prstTxWarp>
+              </a:bodyPr>
+              <a:lstStyle/>
+              <a:p>
+                <a:endParaRPr lang="en-US"/>
+              </a:p>
+            </p:txBody>
+          </p:sp>
+          <p:sp>
+            <p:nvSpPr>
+              <p:cNvPr id="113" name="Rectangle 5">
+                <a:extLst>
+                  <a:ext uri="{FF2B5EF4-FFF2-40B4-BE49-F238E27FC236}">
+                    <a16:creationId xmlns:a16="http://schemas.microsoft.com/office/drawing/2014/main" id="{17138DBD-4938-4B92-B949-6A37C08D5A55}"/>
+                  </a:ext>
+                </a:extLst>
+              </p:cNvPr>
+              <p:cNvSpPr>
+                <a:spLocks noChangeArrowheads="1"/>
+              </p:cNvSpPr>
+              <p:nvPr/>
+            </p:nvSpPr>
+            <p:spPr bwMode="auto">
+              <a:xfrm>
+                <a:off x="8693150" y="6028214"/>
+                <a:ext cx="20638" cy="388938"/>
+              </a:xfrm>
+              <a:prstGeom prst="rect">
+                <a:avLst/>
+              </a:prstGeom>
+              <a:solidFill>
+                <a:schemeClr val="tx1"/>
+              </a:solidFill>
+              <a:ln>
+                <a:noFill/>
+              </a:ln>
+              <a:extLst>
+                <a:ext uri="{91240B29-F687-4F45-9708-019B960494DF}">
+                  <a14:hiddenLine xmlns:a14="http://schemas.microsoft.com/office/drawing/2010/main" w="9525">
+                    <a:solidFill>
+                      <a:srgbClr val="000000"/>
+                    </a:solidFill>
+                    <a:miter lim="800000"/>
+                    <a:headEnd/>
+                    <a:tailEnd/>
+                  </a14:hiddenLine>
+                </a:ext>
+              </a:extLst>
+            </p:spPr>
+            <p:txBody>
+              <a:bodyPr vert="horz" wrap="square" lIns="91440" tIns="45720" rIns="91440" bIns="45720" numCol="1" anchor="t" anchorCtr="0" compatLnSpc="1">
+                <a:prstTxWarp prst="textNoShape">
+                  <a:avLst/>
+                </a:prstTxWarp>
+              </a:bodyPr>
+              <a:lstStyle/>
+              <a:p>
+                <a:endParaRPr lang="en-US"/>
+              </a:p>
+            </p:txBody>
+          </p:sp>
+          <p:sp>
+            <p:nvSpPr>
+              <p:cNvPr id="114" name="Rectangle 6">
+                <a:extLst>
+                  <a:ext uri="{FF2B5EF4-FFF2-40B4-BE49-F238E27FC236}">
+                    <a16:creationId xmlns:a16="http://schemas.microsoft.com/office/drawing/2014/main" id="{9AB1278B-AFD1-45F9-957A-A4842D164C09}"/>
+                  </a:ext>
+                </a:extLst>
+              </p:cNvPr>
+              <p:cNvSpPr>
+                <a:spLocks noChangeArrowheads="1"/>
+              </p:cNvSpPr>
+              <p:nvPr/>
+            </p:nvSpPr>
+            <p:spPr bwMode="auto">
+              <a:xfrm>
+                <a:off x="8404225" y="6028214"/>
+                <a:ext cx="20638" cy="388938"/>
+              </a:xfrm>
+              <a:prstGeom prst="rect">
+                <a:avLst/>
+              </a:prstGeom>
+              <a:solidFill>
+                <a:schemeClr val="tx1"/>
+              </a:solidFill>
+              <a:ln>
+                <a:noFill/>
+              </a:ln>
+              <a:extLst>
+                <a:ext uri="{91240B29-F687-4F45-9708-019B960494DF}">
+                  <a14:hiddenLine xmlns:a14="http://schemas.microsoft.com/office/drawing/2010/main" w="9525">
+                    <a:solidFill>
+                      <a:srgbClr val="000000"/>
+                    </a:solidFill>
+                    <a:miter lim="800000"/>
+                    <a:headEnd/>
+                    <a:tailEnd/>
+                  </a14:hiddenLine>
+                </a:ext>
+              </a:extLst>
+            </p:spPr>
+            <p:txBody>
+              <a:bodyPr vert="horz" wrap="square" lIns="91440" tIns="45720" rIns="91440" bIns="45720" numCol="1" anchor="t" anchorCtr="0" compatLnSpc="1">
+                <a:prstTxWarp prst="textNoShape">
+                  <a:avLst/>
+                </a:prstTxWarp>
+              </a:bodyPr>
+              <a:lstStyle/>
+              <a:p>
+                <a:endParaRPr lang="en-US"/>
+              </a:p>
+            </p:txBody>
+          </p:sp>
+          <p:sp>
+            <p:nvSpPr>
+              <p:cNvPr id="115" name="Freeform 7">
+                <a:extLst>
+                  <a:ext uri="{FF2B5EF4-FFF2-40B4-BE49-F238E27FC236}">
+                    <a16:creationId xmlns:a16="http://schemas.microsoft.com/office/drawing/2014/main" id="{BAD514F1-B679-4C4A-91CC-C6D5A35FEA38}"/>
+                  </a:ext>
+                </a:extLst>
+              </p:cNvPr>
+              <p:cNvSpPr>
+                <a:spLocks/>
+              </p:cNvSpPr>
+              <p:nvPr/>
+            </p:nvSpPr>
+            <p:spPr bwMode="auto">
+              <a:xfrm>
+                <a:off x="8388350" y="5727700"/>
+                <a:ext cx="346075" cy="596900"/>
+              </a:xfrm>
+              <a:custGeom>
+                <a:avLst/>
+                <a:gdLst>
+                  <a:gd name="T0" fmla="*/ 70 w 218"/>
+                  <a:gd name="T1" fmla="*/ 0 h 376"/>
+                  <a:gd name="T2" fmla="*/ 70 w 218"/>
+                  <a:gd name="T3" fmla="*/ 0 h 376"/>
+                  <a:gd name="T4" fmla="*/ 70 w 218"/>
+                  <a:gd name="T5" fmla="*/ 74 h 376"/>
+                  <a:gd name="T6" fmla="*/ 70 w 218"/>
+                  <a:gd name="T7" fmla="*/ 74 h 376"/>
+                  <a:gd name="T8" fmla="*/ 24 w 218"/>
+                  <a:gd name="T9" fmla="*/ 74 h 376"/>
+                  <a:gd name="T10" fmla="*/ 0 w 218"/>
+                  <a:gd name="T11" fmla="*/ 101 h 376"/>
+                  <a:gd name="T12" fmla="*/ 0 w 218"/>
+                  <a:gd name="T13" fmla="*/ 300 h 376"/>
+                  <a:gd name="T14" fmla="*/ 37 w 218"/>
+                  <a:gd name="T15" fmla="*/ 376 h 376"/>
+                  <a:gd name="T16" fmla="*/ 38 w 218"/>
+                  <a:gd name="T17" fmla="*/ 376 h 376"/>
+                  <a:gd name="T18" fmla="*/ 38 w 218"/>
+                  <a:gd name="T19" fmla="*/ 376 h 376"/>
+                  <a:gd name="T20" fmla="*/ 180 w 218"/>
+                  <a:gd name="T21" fmla="*/ 376 h 376"/>
+                  <a:gd name="T22" fmla="*/ 180 w 218"/>
+                  <a:gd name="T23" fmla="*/ 376 h 376"/>
+                  <a:gd name="T24" fmla="*/ 181 w 218"/>
+                  <a:gd name="T25" fmla="*/ 374 h 376"/>
+                  <a:gd name="T26" fmla="*/ 181 w 218"/>
+                  <a:gd name="T27" fmla="*/ 373 h 376"/>
+                  <a:gd name="T28" fmla="*/ 218 w 218"/>
+                  <a:gd name="T29" fmla="*/ 300 h 376"/>
+                  <a:gd name="T30" fmla="*/ 218 w 218"/>
+                  <a:gd name="T31" fmla="*/ 101 h 376"/>
+                  <a:gd name="T32" fmla="*/ 192 w 218"/>
+                  <a:gd name="T33" fmla="*/ 74 h 376"/>
+                  <a:gd name="T34" fmla="*/ 192 w 218"/>
+                  <a:gd name="T35" fmla="*/ 74 h 376"/>
+                  <a:gd name="T36" fmla="*/ 146 w 218"/>
+                  <a:gd name="T37" fmla="*/ 74 h 376"/>
+                  <a:gd name="T38" fmla="*/ 146 w 218"/>
+                  <a:gd name="T39" fmla="*/ 74 h 376"/>
+                  <a:gd name="T40" fmla="*/ 146 w 218"/>
+                  <a:gd name="T41" fmla="*/ 0 h 376"/>
+                  <a:gd name="T42" fmla="*/ 70 w 218"/>
+                  <a:gd name="T43" fmla="*/ 0 h 376"/>
+                </a:gdLst>
+                <a:ahLst/>
+                <a:cxnLst>
+                  <a:cxn ang="0">
+                    <a:pos x="T0" y="T1"/>
+                  </a:cxn>
+                  <a:cxn ang="0">
+                    <a:pos x="T2" y="T3"/>
+                  </a:cxn>
+                  <a:cxn ang="0">
+                    <a:pos x="T4" y="T5"/>
+                  </a:cxn>
+                  <a:cxn ang="0">
+                    <a:pos x="T6" y="T7"/>
+                  </a:cxn>
+                  <a:cxn ang="0">
+                    <a:pos x="T8" y="T9"/>
+                  </a:cxn>
+                  <a:cxn ang="0">
+                    <a:pos x="T10" y="T11"/>
+                  </a:cxn>
+                  <a:cxn ang="0">
+                    <a:pos x="T12" y="T13"/>
+                  </a:cxn>
+                  <a:cxn ang="0">
+                    <a:pos x="T14" y="T15"/>
+                  </a:cxn>
+                  <a:cxn ang="0">
+                    <a:pos x="T16" y="T17"/>
+                  </a:cxn>
+                  <a:cxn ang="0">
+                    <a:pos x="T18" y="T19"/>
+                  </a:cxn>
+                  <a:cxn ang="0">
+                    <a:pos x="T20" y="T21"/>
+                  </a:cxn>
+                  <a:cxn ang="0">
+                    <a:pos x="T22" y="T23"/>
+                  </a:cxn>
+                  <a:cxn ang="0">
+                    <a:pos x="T24" y="T25"/>
+                  </a:cxn>
+                  <a:cxn ang="0">
+                    <a:pos x="T26" y="T27"/>
+                  </a:cxn>
+                  <a:cxn ang="0">
+                    <a:pos x="T28" y="T29"/>
+                  </a:cxn>
+                  <a:cxn ang="0">
+                    <a:pos x="T30" y="T31"/>
+                  </a:cxn>
+                  <a:cxn ang="0">
+                    <a:pos x="T32" y="T33"/>
+                  </a:cxn>
+                  <a:cxn ang="0">
+                    <a:pos x="T34" y="T35"/>
+                  </a:cxn>
+                  <a:cxn ang="0">
+                    <a:pos x="T36" y="T37"/>
+                  </a:cxn>
+                  <a:cxn ang="0">
+                    <a:pos x="T38" y="T39"/>
+                  </a:cxn>
+                  <a:cxn ang="0">
+                    <a:pos x="T40" y="T41"/>
+                  </a:cxn>
+                  <a:cxn ang="0">
+                    <a:pos x="T42" y="T43"/>
+                  </a:cxn>
+                </a:cxnLst>
+                <a:rect l="0" t="0" r="r" b="b"/>
+                <a:pathLst>
+                  <a:path w="218" h="376">
+                    <a:moveTo>
+                      <a:pt x="70" y="0"/>
+                    </a:moveTo>
+                    <a:lnTo>
+                      <a:pt x="70" y="0"/>
+                    </a:lnTo>
+                    <a:lnTo>
+                      <a:pt x="70" y="74"/>
+                    </a:lnTo>
+                    <a:lnTo>
+                      <a:pt x="70" y="74"/>
+                    </a:lnTo>
+                    <a:lnTo>
+                      <a:pt x="24" y="74"/>
+                    </a:lnTo>
+                    <a:lnTo>
+                      <a:pt x="0" y="101"/>
+                    </a:lnTo>
+                    <a:lnTo>
+                      <a:pt x="0" y="300"/>
+                    </a:lnTo>
+                    <a:lnTo>
+                      <a:pt x="37" y="376"/>
+                    </a:lnTo>
+                    <a:lnTo>
+                      <a:pt x="38" y="376"/>
+                    </a:lnTo>
+                    <a:lnTo>
+                      <a:pt x="38" y="376"/>
+                    </a:lnTo>
+                    <a:lnTo>
+                      <a:pt x="180" y="376"/>
+                    </a:lnTo>
+                    <a:lnTo>
+                      <a:pt x="180" y="376"/>
+                    </a:lnTo>
+                    <a:lnTo>
+                      <a:pt x="181" y="374"/>
+                    </a:lnTo>
+                    <a:lnTo>
+                      <a:pt x="181" y="373"/>
+                    </a:lnTo>
+                    <a:lnTo>
+                      <a:pt x="218" y="300"/>
+                    </a:lnTo>
+                    <a:lnTo>
+                      <a:pt x="218" y="101"/>
+                    </a:lnTo>
+                    <a:lnTo>
+                      <a:pt x="192" y="74"/>
+                    </a:lnTo>
+                    <a:lnTo>
+                      <a:pt x="192" y="74"/>
+                    </a:lnTo>
+                    <a:lnTo>
+                      <a:pt x="146" y="74"/>
+                    </a:lnTo>
+                    <a:lnTo>
+                      <a:pt x="146" y="74"/>
+                    </a:lnTo>
+                    <a:lnTo>
+                      <a:pt x="146" y="0"/>
+                    </a:lnTo>
+                    <a:lnTo>
+                      <a:pt x="70" y="0"/>
+                    </a:lnTo>
+                    <a:close/>
+                  </a:path>
+                </a:pathLst>
+              </a:custGeom>
+              <a:solidFill>
+                <a:srgbClr val="FDCC99"/>
+              </a:solidFill>
+              <a:ln>
+                <a:noFill/>
+              </a:ln>
+              <a:extLst>
+                <a:ext uri="{91240B29-F687-4F45-9708-019B960494DF}">
+                  <a14:hiddenLine xmlns:a14="http://schemas.microsoft.com/office/drawing/2010/main" w="9525">
+                    <a:solidFill>
+                      <a:srgbClr val="000000"/>
+                    </a:solidFill>
+                    <a:round/>
+                    <a:headEnd/>
+                    <a:tailEnd/>
+                  </a14:hiddenLine>
+                </a:ext>
+              </a:extLst>
+            </p:spPr>
+            <p:txBody>
+              <a:bodyPr vert="horz" wrap="square" lIns="91440" tIns="45720" rIns="91440" bIns="45720" numCol="1" anchor="t" anchorCtr="0" compatLnSpc="1">
+                <a:prstTxWarp prst="textNoShape">
+                  <a:avLst/>
+                </a:prstTxWarp>
+              </a:bodyPr>
+              <a:lstStyle/>
+              <a:p>
+                <a:endParaRPr lang="en-US"/>
+              </a:p>
+            </p:txBody>
+          </p:sp>
+          <p:sp>
+            <p:nvSpPr>
+              <p:cNvPr id="116" name="Line 8">
+                <a:extLst>
+                  <a:ext uri="{FF2B5EF4-FFF2-40B4-BE49-F238E27FC236}">
+                    <a16:creationId xmlns:a16="http://schemas.microsoft.com/office/drawing/2014/main" id="{9F8C13B5-42F0-42BD-AFB2-8F495113D4B7}"/>
+                  </a:ext>
+                </a:extLst>
+              </p:cNvPr>
+              <p:cNvSpPr>
+                <a:spLocks noChangeShapeType="1"/>
+              </p:cNvSpPr>
+              <p:nvPr/>
+            </p:nvSpPr>
+            <p:spPr bwMode="auto">
+              <a:xfrm>
+                <a:off x="8499475" y="5727700"/>
+                <a:ext cx="0" cy="0"/>
+              </a:xfrm>
+              <a:prstGeom prst="line">
+                <a:avLst/>
+              </a:prstGeom>
+              <a:noFill/>
+              <a:ln w="12700">
+                <a:solidFill>
+                  <a:srgbClr val="000000"/>
+                </a:solidFill>
+                <a:prstDash val="solid"/>
+                <a:round/>
+                <a:headEnd/>
+                <a:tailEnd/>
+              </a:ln>
+              <a:extLst>
+                <a:ext uri="{909E8E84-426E-40DD-AFC4-6F175D3DCCD1}">
+                  <a14:hiddenFill xmlns:a14="http://schemas.microsoft.com/office/drawing/2010/main">
+                    <a:noFill/>
+                  </a14:hiddenFill>
+                </a:ext>
+              </a:extLst>
+            </p:spPr>
+            <p:txBody>
+              <a:bodyPr vert="horz" wrap="square" lIns="91440" tIns="45720" rIns="91440" bIns="45720" numCol="1" anchor="t" anchorCtr="0" compatLnSpc="1">
+                <a:prstTxWarp prst="textNoShape">
+                  <a:avLst/>
+                </a:prstTxWarp>
+              </a:bodyPr>
+              <a:lstStyle/>
+              <a:p>
+                <a:endParaRPr lang="en-US"/>
+              </a:p>
+            </p:txBody>
+          </p:sp>
+          <p:sp>
+            <p:nvSpPr>
+              <p:cNvPr id="117" name="Line 9">
+                <a:extLst>
+                  <a:ext uri="{FF2B5EF4-FFF2-40B4-BE49-F238E27FC236}">
+                    <a16:creationId xmlns:a16="http://schemas.microsoft.com/office/drawing/2014/main" id="{B017D56B-18EC-4745-9FF3-A28D78C40714}"/>
+                  </a:ext>
+                </a:extLst>
+              </p:cNvPr>
+              <p:cNvSpPr>
+                <a:spLocks noChangeShapeType="1"/>
+              </p:cNvSpPr>
+              <p:nvPr/>
+            </p:nvSpPr>
+            <p:spPr bwMode="auto">
+              <a:xfrm>
+                <a:off x="8499475" y="5727700"/>
+                <a:ext cx="0" cy="117475"/>
+              </a:xfrm>
+              <a:prstGeom prst="line">
+                <a:avLst/>
+              </a:prstGeom>
+              <a:noFill/>
+              <a:ln w="12700">
+                <a:solidFill>
+                  <a:srgbClr val="000000"/>
+                </a:solidFill>
+                <a:prstDash val="solid"/>
+                <a:round/>
+                <a:headEnd/>
+                <a:tailEnd/>
+              </a:ln>
+              <a:extLst>
+                <a:ext uri="{909E8E84-426E-40DD-AFC4-6F175D3DCCD1}">
+                  <a14:hiddenFill xmlns:a14="http://schemas.microsoft.com/office/drawing/2010/main">
+                    <a:noFill/>
+                  </a14:hiddenFill>
+                </a:ext>
+              </a:extLst>
+            </p:spPr>
+            <p:txBody>
+              <a:bodyPr vert="horz" wrap="square" lIns="91440" tIns="45720" rIns="91440" bIns="45720" numCol="1" anchor="t" anchorCtr="0" compatLnSpc="1">
+                <a:prstTxWarp prst="textNoShape">
+                  <a:avLst/>
+                </a:prstTxWarp>
+              </a:bodyPr>
+              <a:lstStyle/>
+              <a:p>
+                <a:endParaRPr lang="en-US"/>
+              </a:p>
+            </p:txBody>
+          </p:sp>
+          <p:sp>
+            <p:nvSpPr>
+              <p:cNvPr id="118" name="Line 10">
+                <a:extLst>
+                  <a:ext uri="{FF2B5EF4-FFF2-40B4-BE49-F238E27FC236}">
+                    <a16:creationId xmlns:a16="http://schemas.microsoft.com/office/drawing/2014/main" id="{56E3949A-D64B-441A-962F-ACB49F65539A}"/>
+                  </a:ext>
+                </a:extLst>
+              </p:cNvPr>
+              <p:cNvSpPr>
+                <a:spLocks noChangeShapeType="1"/>
+              </p:cNvSpPr>
+              <p:nvPr/>
+            </p:nvSpPr>
+            <p:spPr bwMode="auto">
+              <a:xfrm>
+                <a:off x="8499475" y="5845175"/>
+                <a:ext cx="0" cy="0"/>
+              </a:xfrm>
+              <a:prstGeom prst="line">
+                <a:avLst/>
+              </a:prstGeom>
+              <a:noFill/>
+              <a:ln w="12700">
+                <a:solidFill>
+                  <a:srgbClr val="000000"/>
+                </a:solidFill>
+                <a:prstDash val="solid"/>
+                <a:round/>
+                <a:headEnd/>
+                <a:tailEnd/>
+              </a:ln>
+              <a:extLst>
+                <a:ext uri="{909E8E84-426E-40DD-AFC4-6F175D3DCCD1}">
+                  <a14:hiddenFill xmlns:a14="http://schemas.microsoft.com/office/drawing/2010/main">
+                    <a:noFill/>
+                  </a14:hiddenFill>
+                </a:ext>
+              </a:extLst>
+            </p:spPr>
+            <p:txBody>
+              <a:bodyPr vert="horz" wrap="square" lIns="91440" tIns="45720" rIns="91440" bIns="45720" numCol="1" anchor="t" anchorCtr="0" compatLnSpc="1">
+                <a:prstTxWarp prst="textNoShape">
+                  <a:avLst/>
+                </a:prstTxWarp>
+              </a:bodyPr>
+              <a:lstStyle/>
+              <a:p>
+                <a:endParaRPr lang="en-US"/>
+              </a:p>
+            </p:txBody>
+          </p:sp>
+          <p:sp>
+            <p:nvSpPr>
+              <p:cNvPr id="119" name="Line 11">
+                <a:extLst>
+                  <a:ext uri="{FF2B5EF4-FFF2-40B4-BE49-F238E27FC236}">
+                    <a16:creationId xmlns:a16="http://schemas.microsoft.com/office/drawing/2014/main" id="{B2FB2184-3AA5-4EDD-9F24-DE87A40E02E9}"/>
+                  </a:ext>
+                </a:extLst>
+              </p:cNvPr>
+              <p:cNvSpPr>
+                <a:spLocks noChangeShapeType="1"/>
+              </p:cNvSpPr>
+              <p:nvPr/>
+            </p:nvSpPr>
+            <p:spPr bwMode="auto">
+              <a:xfrm flipH="1">
+                <a:off x="8426450" y="5845175"/>
+                <a:ext cx="73025" cy="0"/>
+              </a:xfrm>
+              <a:prstGeom prst="line">
+                <a:avLst/>
+              </a:prstGeom>
+              <a:noFill/>
+              <a:ln w="12700">
+                <a:solidFill>
+                  <a:srgbClr val="000000"/>
+                </a:solidFill>
+                <a:prstDash val="solid"/>
+                <a:round/>
+                <a:headEnd/>
+                <a:tailEnd/>
+              </a:ln>
+              <a:extLst>
+                <a:ext uri="{909E8E84-426E-40DD-AFC4-6F175D3DCCD1}">
+                  <a14:hiddenFill xmlns:a14="http://schemas.microsoft.com/office/drawing/2010/main">
+                    <a:noFill/>
+                  </a14:hiddenFill>
+                </a:ext>
+              </a:extLst>
+            </p:spPr>
+            <p:txBody>
+              <a:bodyPr vert="horz" wrap="square" lIns="91440" tIns="45720" rIns="91440" bIns="45720" numCol="1" anchor="t" anchorCtr="0" compatLnSpc="1">
+                <a:prstTxWarp prst="textNoShape">
+                  <a:avLst/>
+                </a:prstTxWarp>
+              </a:bodyPr>
+              <a:lstStyle/>
+              <a:p>
+                <a:endParaRPr lang="en-US"/>
+              </a:p>
+            </p:txBody>
+          </p:sp>
+          <p:sp>
+            <p:nvSpPr>
+              <p:cNvPr id="120" name="Line 12">
+                <a:extLst>
+                  <a:ext uri="{FF2B5EF4-FFF2-40B4-BE49-F238E27FC236}">
+                    <a16:creationId xmlns:a16="http://schemas.microsoft.com/office/drawing/2014/main" id="{8B7D71B7-E81C-49D2-B720-57F42F038754}"/>
+                  </a:ext>
+                </a:extLst>
+              </p:cNvPr>
+              <p:cNvSpPr>
+                <a:spLocks noChangeShapeType="1"/>
+              </p:cNvSpPr>
+              <p:nvPr/>
+            </p:nvSpPr>
+            <p:spPr bwMode="auto">
+              <a:xfrm flipH="1">
+                <a:off x="8388350" y="5845175"/>
+                <a:ext cx="38100" cy="42863"/>
+              </a:xfrm>
+              <a:prstGeom prst="line">
+                <a:avLst/>
+              </a:prstGeom>
+              <a:noFill/>
+              <a:ln w="17463">
+                <a:solidFill>
+                  <a:srgbClr val="000000"/>
+                </a:solidFill>
+                <a:prstDash val="solid"/>
+                <a:round/>
+                <a:headEnd/>
+                <a:tailEnd/>
+              </a:ln>
+              <a:extLst>
+                <a:ext uri="{909E8E84-426E-40DD-AFC4-6F175D3DCCD1}">
+                  <a14:hiddenFill xmlns:a14="http://schemas.microsoft.com/office/drawing/2010/main">
+                    <a:noFill/>
+                  </a14:hiddenFill>
+                </a:ext>
+              </a:extLst>
+            </p:spPr>
+            <p:txBody>
+              <a:bodyPr vert="horz" wrap="square" lIns="91440" tIns="45720" rIns="91440" bIns="45720" numCol="1" anchor="t" anchorCtr="0" compatLnSpc="1">
+                <a:prstTxWarp prst="textNoShape">
+                  <a:avLst/>
+                </a:prstTxWarp>
+              </a:bodyPr>
+              <a:lstStyle/>
+              <a:p>
+                <a:endParaRPr lang="en-US"/>
+              </a:p>
+            </p:txBody>
+          </p:sp>
+          <p:sp>
+            <p:nvSpPr>
+              <p:cNvPr id="121" name="Line 13">
+                <a:extLst>
+                  <a:ext uri="{FF2B5EF4-FFF2-40B4-BE49-F238E27FC236}">
+                    <a16:creationId xmlns:a16="http://schemas.microsoft.com/office/drawing/2014/main" id="{D51C5AE3-93EA-4AFF-AE35-7A520E71B756}"/>
+                  </a:ext>
+                </a:extLst>
+              </p:cNvPr>
+              <p:cNvSpPr>
+                <a:spLocks noChangeShapeType="1"/>
+              </p:cNvSpPr>
+              <p:nvPr/>
+            </p:nvSpPr>
+            <p:spPr bwMode="auto">
+              <a:xfrm>
+                <a:off x="8388350" y="5888037"/>
+                <a:ext cx="0" cy="315913"/>
+              </a:xfrm>
+              <a:prstGeom prst="line">
+                <a:avLst/>
+              </a:prstGeom>
+              <a:noFill/>
+              <a:ln w="12700">
+                <a:solidFill>
+                  <a:srgbClr val="000000"/>
+                </a:solidFill>
+                <a:prstDash val="solid"/>
+                <a:round/>
+                <a:headEnd/>
+                <a:tailEnd/>
+              </a:ln>
+              <a:extLst>
+                <a:ext uri="{909E8E84-426E-40DD-AFC4-6F175D3DCCD1}">
+                  <a14:hiddenFill xmlns:a14="http://schemas.microsoft.com/office/drawing/2010/main">
+                    <a:noFill/>
+                  </a14:hiddenFill>
+                </a:ext>
+              </a:extLst>
+            </p:spPr>
+            <p:txBody>
+              <a:bodyPr vert="horz" wrap="square" lIns="91440" tIns="45720" rIns="91440" bIns="45720" numCol="1" anchor="t" anchorCtr="0" compatLnSpc="1">
+                <a:prstTxWarp prst="textNoShape">
+                  <a:avLst/>
+                </a:prstTxWarp>
+              </a:bodyPr>
+              <a:lstStyle/>
+              <a:p>
+                <a:endParaRPr lang="en-US"/>
+              </a:p>
+            </p:txBody>
+          </p:sp>
+          <p:sp>
+            <p:nvSpPr>
+              <p:cNvPr id="122" name="Line 14">
+                <a:extLst>
+                  <a:ext uri="{FF2B5EF4-FFF2-40B4-BE49-F238E27FC236}">
+                    <a16:creationId xmlns:a16="http://schemas.microsoft.com/office/drawing/2014/main" id="{A5BECA7E-A0D6-488C-9C53-771DAE82C314}"/>
+                  </a:ext>
+                </a:extLst>
+              </p:cNvPr>
+              <p:cNvSpPr>
+                <a:spLocks noChangeShapeType="1"/>
+              </p:cNvSpPr>
+              <p:nvPr/>
+            </p:nvSpPr>
+            <p:spPr bwMode="auto">
+              <a:xfrm>
+                <a:off x="8388350" y="6203950"/>
+                <a:ext cx="58738" cy="120650"/>
+              </a:xfrm>
+              <a:prstGeom prst="line">
+                <a:avLst/>
+              </a:prstGeom>
+              <a:noFill/>
+              <a:ln w="17463">
+                <a:solidFill>
+                  <a:srgbClr val="000000"/>
+                </a:solidFill>
+                <a:prstDash val="solid"/>
+                <a:round/>
+                <a:headEnd/>
+                <a:tailEnd/>
+              </a:ln>
+              <a:extLst>
+                <a:ext uri="{909E8E84-426E-40DD-AFC4-6F175D3DCCD1}">
+                  <a14:hiddenFill xmlns:a14="http://schemas.microsoft.com/office/drawing/2010/main">
+                    <a:noFill/>
+                  </a14:hiddenFill>
+                </a:ext>
+              </a:extLst>
+            </p:spPr>
+            <p:txBody>
+              <a:bodyPr vert="horz" wrap="square" lIns="91440" tIns="45720" rIns="91440" bIns="45720" numCol="1" anchor="t" anchorCtr="0" compatLnSpc="1">
+                <a:prstTxWarp prst="textNoShape">
+                  <a:avLst/>
+                </a:prstTxWarp>
+              </a:bodyPr>
+              <a:lstStyle/>
+              <a:p>
+                <a:endParaRPr lang="en-US"/>
+              </a:p>
+            </p:txBody>
+          </p:sp>
+          <p:sp>
+            <p:nvSpPr>
+              <p:cNvPr id="123" name="Line 15">
+                <a:extLst>
+                  <a:ext uri="{FF2B5EF4-FFF2-40B4-BE49-F238E27FC236}">
+                    <a16:creationId xmlns:a16="http://schemas.microsoft.com/office/drawing/2014/main" id="{1D77B7EF-60B6-4695-B2C9-265C82219157}"/>
+                  </a:ext>
+                </a:extLst>
+              </p:cNvPr>
+              <p:cNvSpPr>
+                <a:spLocks noChangeShapeType="1"/>
+              </p:cNvSpPr>
+              <p:nvPr/>
+            </p:nvSpPr>
+            <p:spPr bwMode="auto">
+              <a:xfrm>
+                <a:off x="8447088" y="6324600"/>
+                <a:ext cx="1588" cy="0"/>
+              </a:xfrm>
+              <a:prstGeom prst="line">
+                <a:avLst/>
+              </a:prstGeom>
+              <a:noFill/>
+              <a:ln w="12700">
+                <a:solidFill>
+                  <a:srgbClr val="000000"/>
+                </a:solidFill>
+                <a:prstDash val="solid"/>
+                <a:round/>
+                <a:headEnd/>
+                <a:tailEnd/>
+              </a:ln>
+              <a:extLst>
+                <a:ext uri="{909E8E84-426E-40DD-AFC4-6F175D3DCCD1}">
+                  <a14:hiddenFill xmlns:a14="http://schemas.microsoft.com/office/drawing/2010/main">
+                    <a:noFill/>
+                  </a14:hiddenFill>
+                </a:ext>
+              </a:extLst>
+            </p:spPr>
+            <p:txBody>
+              <a:bodyPr vert="horz" wrap="square" lIns="91440" tIns="45720" rIns="91440" bIns="45720" numCol="1" anchor="t" anchorCtr="0" compatLnSpc="1">
+                <a:prstTxWarp prst="textNoShape">
+                  <a:avLst/>
+                </a:prstTxWarp>
+              </a:bodyPr>
+              <a:lstStyle/>
+              <a:p>
+                <a:endParaRPr lang="en-US"/>
+              </a:p>
+            </p:txBody>
+          </p:sp>
+          <p:sp>
+            <p:nvSpPr>
+              <p:cNvPr id="124" name="Line 16">
+                <a:extLst>
+                  <a:ext uri="{FF2B5EF4-FFF2-40B4-BE49-F238E27FC236}">
+                    <a16:creationId xmlns:a16="http://schemas.microsoft.com/office/drawing/2014/main" id="{874084C0-19DF-4926-BED1-723C8D5753EE}"/>
+                  </a:ext>
+                </a:extLst>
+              </p:cNvPr>
+              <p:cNvSpPr>
+                <a:spLocks noChangeShapeType="1"/>
+              </p:cNvSpPr>
+              <p:nvPr/>
+            </p:nvSpPr>
+            <p:spPr bwMode="auto">
+              <a:xfrm>
+                <a:off x="8448675" y="6324600"/>
+                <a:ext cx="0" cy="0"/>
+              </a:xfrm>
+              <a:prstGeom prst="line">
+                <a:avLst/>
+              </a:prstGeom>
+              <a:noFill/>
+              <a:ln w="12700">
+                <a:solidFill>
+                  <a:srgbClr val="000000"/>
+                </a:solidFill>
+                <a:prstDash val="solid"/>
+                <a:round/>
+                <a:headEnd/>
+                <a:tailEnd/>
+              </a:ln>
+              <a:extLst>
+                <a:ext uri="{909E8E84-426E-40DD-AFC4-6F175D3DCCD1}">
+                  <a14:hiddenFill xmlns:a14="http://schemas.microsoft.com/office/drawing/2010/main">
+                    <a:noFill/>
+                  </a14:hiddenFill>
+                </a:ext>
+              </a:extLst>
+            </p:spPr>
+            <p:txBody>
+              <a:bodyPr vert="horz" wrap="square" lIns="91440" tIns="45720" rIns="91440" bIns="45720" numCol="1" anchor="t" anchorCtr="0" compatLnSpc="1">
+                <a:prstTxWarp prst="textNoShape">
+                  <a:avLst/>
+                </a:prstTxWarp>
+              </a:bodyPr>
+              <a:lstStyle/>
+              <a:p>
+                <a:endParaRPr lang="en-US"/>
+              </a:p>
+            </p:txBody>
+          </p:sp>
+          <p:sp>
+            <p:nvSpPr>
+              <p:cNvPr id="125" name="Line 17">
+                <a:extLst>
+                  <a:ext uri="{FF2B5EF4-FFF2-40B4-BE49-F238E27FC236}">
+                    <a16:creationId xmlns:a16="http://schemas.microsoft.com/office/drawing/2014/main" id="{BCEAB557-C47B-422D-86CF-B5B55064049B}"/>
+                  </a:ext>
+                </a:extLst>
+              </p:cNvPr>
+              <p:cNvSpPr>
+                <a:spLocks noChangeShapeType="1"/>
+              </p:cNvSpPr>
+              <p:nvPr/>
+            </p:nvSpPr>
+            <p:spPr bwMode="auto">
+              <a:xfrm>
+                <a:off x="8448675" y="6324600"/>
+                <a:ext cx="225425" cy="0"/>
+              </a:xfrm>
+              <a:prstGeom prst="line">
+                <a:avLst/>
+              </a:prstGeom>
+              <a:noFill/>
+              <a:ln w="12700">
+                <a:solidFill>
+                  <a:srgbClr val="000000"/>
+                </a:solidFill>
+                <a:prstDash val="solid"/>
+                <a:round/>
+                <a:headEnd/>
+                <a:tailEnd/>
+              </a:ln>
+              <a:extLst>
+                <a:ext uri="{909E8E84-426E-40DD-AFC4-6F175D3DCCD1}">
+                  <a14:hiddenFill xmlns:a14="http://schemas.microsoft.com/office/drawing/2010/main">
+                    <a:noFill/>
+                  </a14:hiddenFill>
+                </a:ext>
+              </a:extLst>
+            </p:spPr>
+            <p:txBody>
+              <a:bodyPr vert="horz" wrap="square" lIns="91440" tIns="45720" rIns="91440" bIns="45720" numCol="1" anchor="t" anchorCtr="0" compatLnSpc="1">
+                <a:prstTxWarp prst="textNoShape">
+                  <a:avLst/>
+                </a:prstTxWarp>
+              </a:bodyPr>
+              <a:lstStyle/>
+              <a:p>
+                <a:endParaRPr lang="en-US"/>
+              </a:p>
+            </p:txBody>
+          </p:sp>
+          <p:sp>
+            <p:nvSpPr>
+              <p:cNvPr id="126" name="Line 18">
+                <a:extLst>
+                  <a:ext uri="{FF2B5EF4-FFF2-40B4-BE49-F238E27FC236}">
+                    <a16:creationId xmlns:a16="http://schemas.microsoft.com/office/drawing/2014/main" id="{AA891095-277E-42A7-814E-F83B5861F66D}"/>
+                  </a:ext>
+                </a:extLst>
+              </p:cNvPr>
+              <p:cNvSpPr>
+                <a:spLocks noChangeShapeType="1"/>
+              </p:cNvSpPr>
+              <p:nvPr/>
+            </p:nvSpPr>
+            <p:spPr bwMode="auto">
+              <a:xfrm>
+                <a:off x="8674100" y="6324600"/>
+                <a:ext cx="0" cy="0"/>
+              </a:xfrm>
+              <a:prstGeom prst="line">
+                <a:avLst/>
+              </a:prstGeom>
+              <a:noFill/>
+              <a:ln w="12700">
+                <a:solidFill>
+                  <a:srgbClr val="000000"/>
+                </a:solidFill>
+                <a:prstDash val="solid"/>
+                <a:round/>
+                <a:headEnd/>
+                <a:tailEnd/>
+              </a:ln>
+              <a:extLst>
+                <a:ext uri="{909E8E84-426E-40DD-AFC4-6F175D3DCCD1}">
+                  <a14:hiddenFill xmlns:a14="http://schemas.microsoft.com/office/drawing/2010/main">
+                    <a:noFill/>
+                  </a14:hiddenFill>
+                </a:ext>
+              </a:extLst>
+            </p:spPr>
+            <p:txBody>
+              <a:bodyPr vert="horz" wrap="square" lIns="91440" tIns="45720" rIns="91440" bIns="45720" numCol="1" anchor="t" anchorCtr="0" compatLnSpc="1">
+                <a:prstTxWarp prst="textNoShape">
+                  <a:avLst/>
+                </a:prstTxWarp>
+              </a:bodyPr>
+              <a:lstStyle/>
+              <a:p>
+                <a:endParaRPr lang="en-US"/>
+              </a:p>
+            </p:txBody>
+          </p:sp>
+          <p:sp>
+            <p:nvSpPr>
+              <p:cNvPr id="127" name="Line 19">
+                <a:extLst>
+                  <a:ext uri="{FF2B5EF4-FFF2-40B4-BE49-F238E27FC236}">
+                    <a16:creationId xmlns:a16="http://schemas.microsoft.com/office/drawing/2014/main" id="{A07E498B-3A60-4B02-BE89-536AA32A628B}"/>
+                  </a:ext>
+                </a:extLst>
+              </p:cNvPr>
+              <p:cNvSpPr>
+                <a:spLocks noChangeShapeType="1"/>
+              </p:cNvSpPr>
+              <p:nvPr/>
+            </p:nvSpPr>
+            <p:spPr bwMode="auto">
+              <a:xfrm flipV="1">
+                <a:off x="8674100" y="6321425"/>
+                <a:ext cx="1588" cy="3175"/>
+              </a:xfrm>
+              <a:prstGeom prst="line">
+                <a:avLst/>
+              </a:prstGeom>
+              <a:noFill/>
+              <a:ln w="17463">
+                <a:solidFill>
+                  <a:srgbClr val="000000"/>
+                </a:solidFill>
+                <a:prstDash val="solid"/>
+                <a:round/>
+                <a:headEnd/>
+                <a:tailEnd/>
+              </a:ln>
+              <a:extLst>
+                <a:ext uri="{909E8E84-426E-40DD-AFC4-6F175D3DCCD1}">
+                  <a14:hiddenFill xmlns:a14="http://schemas.microsoft.com/office/drawing/2010/main">
+                    <a:noFill/>
+                  </a14:hiddenFill>
+                </a:ext>
+              </a:extLst>
+            </p:spPr>
+            <p:txBody>
+              <a:bodyPr vert="horz" wrap="square" lIns="91440" tIns="45720" rIns="91440" bIns="45720" numCol="1" anchor="t" anchorCtr="0" compatLnSpc="1">
+                <a:prstTxWarp prst="textNoShape">
+                  <a:avLst/>
+                </a:prstTxWarp>
+              </a:bodyPr>
+              <a:lstStyle/>
+              <a:p>
+                <a:endParaRPr lang="en-US"/>
+              </a:p>
+            </p:txBody>
+          </p:sp>
+          <p:sp>
+            <p:nvSpPr>
+              <p:cNvPr id="128" name="Line 20">
+                <a:extLst>
+                  <a:ext uri="{FF2B5EF4-FFF2-40B4-BE49-F238E27FC236}">
+                    <a16:creationId xmlns:a16="http://schemas.microsoft.com/office/drawing/2014/main" id="{F738149F-B4F9-4427-A91F-E027B28617B2}"/>
+                  </a:ext>
+                </a:extLst>
+              </p:cNvPr>
+              <p:cNvSpPr>
+                <a:spLocks noChangeShapeType="1"/>
+              </p:cNvSpPr>
+              <p:nvPr/>
+            </p:nvSpPr>
+            <p:spPr bwMode="auto">
+              <a:xfrm flipV="1">
+                <a:off x="8675688" y="6319837"/>
+                <a:ext cx="0" cy="1588"/>
+              </a:xfrm>
+              <a:prstGeom prst="line">
+                <a:avLst/>
+              </a:prstGeom>
+              <a:noFill/>
+              <a:ln w="12700">
+                <a:solidFill>
+                  <a:srgbClr val="000000"/>
+                </a:solidFill>
+                <a:prstDash val="solid"/>
+                <a:round/>
+                <a:headEnd/>
+                <a:tailEnd/>
+              </a:ln>
+              <a:extLst>
+                <a:ext uri="{909E8E84-426E-40DD-AFC4-6F175D3DCCD1}">
+                  <a14:hiddenFill xmlns:a14="http://schemas.microsoft.com/office/drawing/2010/main">
+                    <a:noFill/>
+                  </a14:hiddenFill>
+                </a:ext>
+              </a:extLst>
+            </p:spPr>
+            <p:txBody>
+              <a:bodyPr vert="horz" wrap="square" lIns="91440" tIns="45720" rIns="91440" bIns="45720" numCol="1" anchor="t" anchorCtr="0" compatLnSpc="1">
+                <a:prstTxWarp prst="textNoShape">
+                  <a:avLst/>
+                </a:prstTxWarp>
+              </a:bodyPr>
+              <a:lstStyle/>
+              <a:p>
+                <a:endParaRPr lang="en-US"/>
+              </a:p>
+            </p:txBody>
+          </p:sp>
+          <p:sp>
+            <p:nvSpPr>
+              <p:cNvPr id="129" name="Line 21">
+                <a:extLst>
+                  <a:ext uri="{FF2B5EF4-FFF2-40B4-BE49-F238E27FC236}">
+                    <a16:creationId xmlns:a16="http://schemas.microsoft.com/office/drawing/2014/main" id="{1399E599-1011-47F2-A364-5B6AFC4C4854}"/>
+                  </a:ext>
+                </a:extLst>
+              </p:cNvPr>
+              <p:cNvSpPr>
+                <a:spLocks noChangeShapeType="1"/>
+              </p:cNvSpPr>
+              <p:nvPr/>
+            </p:nvSpPr>
+            <p:spPr bwMode="auto">
+              <a:xfrm flipV="1">
+                <a:off x="8675688" y="6203950"/>
+                <a:ext cx="58738" cy="115888"/>
+              </a:xfrm>
+              <a:prstGeom prst="line">
+                <a:avLst/>
+              </a:prstGeom>
+              <a:noFill/>
+              <a:ln w="17463">
+                <a:solidFill>
+                  <a:srgbClr val="000000"/>
+                </a:solidFill>
+                <a:prstDash val="solid"/>
+                <a:round/>
+                <a:headEnd/>
+                <a:tailEnd/>
+              </a:ln>
+              <a:extLst>
+                <a:ext uri="{909E8E84-426E-40DD-AFC4-6F175D3DCCD1}">
+                  <a14:hiddenFill xmlns:a14="http://schemas.microsoft.com/office/drawing/2010/main">
+                    <a:noFill/>
+                  </a14:hiddenFill>
+                </a:ext>
+              </a:extLst>
+            </p:spPr>
+            <p:txBody>
+              <a:bodyPr vert="horz" wrap="square" lIns="91440" tIns="45720" rIns="91440" bIns="45720" numCol="1" anchor="t" anchorCtr="0" compatLnSpc="1">
+                <a:prstTxWarp prst="textNoShape">
+                  <a:avLst/>
+                </a:prstTxWarp>
+              </a:bodyPr>
+              <a:lstStyle/>
+              <a:p>
+                <a:endParaRPr lang="en-US"/>
+              </a:p>
+            </p:txBody>
+          </p:sp>
+          <p:sp>
+            <p:nvSpPr>
+              <p:cNvPr id="130" name="Line 22">
+                <a:extLst>
+                  <a:ext uri="{FF2B5EF4-FFF2-40B4-BE49-F238E27FC236}">
+                    <a16:creationId xmlns:a16="http://schemas.microsoft.com/office/drawing/2014/main" id="{21A43DA5-7370-4816-B2BE-B52C34C352F2}"/>
+                  </a:ext>
+                </a:extLst>
+              </p:cNvPr>
+              <p:cNvSpPr>
+                <a:spLocks noChangeShapeType="1"/>
+              </p:cNvSpPr>
+              <p:nvPr/>
+            </p:nvSpPr>
+            <p:spPr bwMode="auto">
+              <a:xfrm flipV="1">
+                <a:off x="8734425" y="5888037"/>
+                <a:ext cx="0" cy="315913"/>
+              </a:xfrm>
+              <a:prstGeom prst="line">
+                <a:avLst/>
+              </a:prstGeom>
+              <a:noFill/>
+              <a:ln w="12700">
+                <a:solidFill>
+                  <a:srgbClr val="000000"/>
+                </a:solidFill>
+                <a:prstDash val="solid"/>
+                <a:round/>
+                <a:headEnd/>
+                <a:tailEnd/>
+              </a:ln>
+              <a:extLst>
+                <a:ext uri="{909E8E84-426E-40DD-AFC4-6F175D3DCCD1}">
+                  <a14:hiddenFill xmlns:a14="http://schemas.microsoft.com/office/drawing/2010/main">
+                    <a:noFill/>
+                  </a14:hiddenFill>
+                </a:ext>
+              </a:extLst>
+            </p:spPr>
+            <p:txBody>
+              <a:bodyPr vert="horz" wrap="square" lIns="91440" tIns="45720" rIns="91440" bIns="45720" numCol="1" anchor="t" anchorCtr="0" compatLnSpc="1">
+                <a:prstTxWarp prst="textNoShape">
+                  <a:avLst/>
+                </a:prstTxWarp>
+              </a:bodyPr>
+              <a:lstStyle/>
+              <a:p>
+                <a:endParaRPr lang="en-US"/>
+              </a:p>
+            </p:txBody>
+          </p:sp>
+          <p:sp>
+            <p:nvSpPr>
+              <p:cNvPr id="131" name="Line 23">
+                <a:extLst>
+                  <a:ext uri="{FF2B5EF4-FFF2-40B4-BE49-F238E27FC236}">
+                    <a16:creationId xmlns:a16="http://schemas.microsoft.com/office/drawing/2014/main" id="{85FB4AE4-7DDF-42E0-8C90-8CA79E8BF511}"/>
+                  </a:ext>
+                </a:extLst>
+              </p:cNvPr>
+              <p:cNvSpPr>
+                <a:spLocks noChangeShapeType="1"/>
+              </p:cNvSpPr>
+              <p:nvPr/>
+            </p:nvSpPr>
+            <p:spPr bwMode="auto">
+              <a:xfrm flipH="1" flipV="1">
+                <a:off x="8693150" y="5845175"/>
+                <a:ext cx="41275" cy="42863"/>
+              </a:xfrm>
+              <a:prstGeom prst="line">
+                <a:avLst/>
+              </a:prstGeom>
+              <a:noFill/>
+              <a:ln w="17463">
+                <a:solidFill>
+                  <a:srgbClr val="000000"/>
+                </a:solidFill>
+                <a:prstDash val="solid"/>
+                <a:round/>
+                <a:headEnd/>
+                <a:tailEnd/>
+              </a:ln>
+              <a:extLst>
+                <a:ext uri="{909E8E84-426E-40DD-AFC4-6F175D3DCCD1}">
+                  <a14:hiddenFill xmlns:a14="http://schemas.microsoft.com/office/drawing/2010/main">
+                    <a:noFill/>
+                  </a14:hiddenFill>
+                </a:ext>
+              </a:extLst>
+            </p:spPr>
+            <p:txBody>
+              <a:bodyPr vert="horz" wrap="square" lIns="91440" tIns="45720" rIns="91440" bIns="45720" numCol="1" anchor="t" anchorCtr="0" compatLnSpc="1">
+                <a:prstTxWarp prst="textNoShape">
+                  <a:avLst/>
+                </a:prstTxWarp>
+              </a:bodyPr>
+              <a:lstStyle/>
+              <a:p>
+                <a:endParaRPr lang="en-US"/>
+              </a:p>
+            </p:txBody>
+          </p:sp>
+          <p:sp>
+            <p:nvSpPr>
+              <p:cNvPr id="132" name="Line 24">
+                <a:extLst>
+                  <a:ext uri="{FF2B5EF4-FFF2-40B4-BE49-F238E27FC236}">
+                    <a16:creationId xmlns:a16="http://schemas.microsoft.com/office/drawing/2014/main" id="{E8827101-2F69-4876-8538-4536D894813F}"/>
+                  </a:ext>
+                </a:extLst>
+              </p:cNvPr>
+              <p:cNvSpPr>
+                <a:spLocks noChangeShapeType="1"/>
+              </p:cNvSpPr>
+              <p:nvPr/>
+            </p:nvSpPr>
+            <p:spPr bwMode="auto">
+              <a:xfrm>
+                <a:off x="8693150" y="5845175"/>
+                <a:ext cx="0" cy="0"/>
+              </a:xfrm>
+              <a:prstGeom prst="line">
+                <a:avLst/>
+              </a:prstGeom>
+              <a:noFill/>
+              <a:ln w="12700">
+                <a:solidFill>
+                  <a:srgbClr val="000000"/>
+                </a:solidFill>
+                <a:prstDash val="solid"/>
+                <a:round/>
+                <a:headEnd/>
+                <a:tailEnd/>
+              </a:ln>
+              <a:extLst>
+                <a:ext uri="{909E8E84-426E-40DD-AFC4-6F175D3DCCD1}">
+                  <a14:hiddenFill xmlns:a14="http://schemas.microsoft.com/office/drawing/2010/main">
+                    <a:noFill/>
+                  </a14:hiddenFill>
+                </a:ext>
+              </a:extLst>
+            </p:spPr>
+            <p:txBody>
+              <a:bodyPr vert="horz" wrap="square" lIns="91440" tIns="45720" rIns="91440" bIns="45720" numCol="1" anchor="t" anchorCtr="0" compatLnSpc="1">
+                <a:prstTxWarp prst="textNoShape">
+                  <a:avLst/>
+                </a:prstTxWarp>
+              </a:bodyPr>
+              <a:lstStyle/>
+              <a:p>
+                <a:endParaRPr lang="en-US"/>
+              </a:p>
+            </p:txBody>
+          </p:sp>
+          <p:sp>
+            <p:nvSpPr>
+              <p:cNvPr id="133" name="Line 25">
+                <a:extLst>
+                  <a:ext uri="{FF2B5EF4-FFF2-40B4-BE49-F238E27FC236}">
+                    <a16:creationId xmlns:a16="http://schemas.microsoft.com/office/drawing/2014/main" id="{550763F4-08D2-4889-9720-E8EFB06157EB}"/>
+                  </a:ext>
+                </a:extLst>
+              </p:cNvPr>
+              <p:cNvSpPr>
+                <a:spLocks noChangeShapeType="1"/>
+              </p:cNvSpPr>
+              <p:nvPr/>
+            </p:nvSpPr>
+            <p:spPr bwMode="auto">
+              <a:xfrm flipH="1">
+                <a:off x="8620125" y="5845175"/>
+                <a:ext cx="73025" cy="0"/>
+              </a:xfrm>
+              <a:prstGeom prst="line">
+                <a:avLst/>
+              </a:prstGeom>
+              <a:noFill/>
+              <a:ln w="12700">
+                <a:solidFill>
+                  <a:srgbClr val="000000"/>
+                </a:solidFill>
+                <a:prstDash val="solid"/>
+                <a:round/>
+                <a:headEnd/>
+                <a:tailEnd/>
+              </a:ln>
+              <a:extLst>
+                <a:ext uri="{909E8E84-426E-40DD-AFC4-6F175D3DCCD1}">
+                  <a14:hiddenFill xmlns:a14="http://schemas.microsoft.com/office/drawing/2010/main">
+                    <a:noFill/>
+                  </a14:hiddenFill>
+                </a:ext>
+              </a:extLst>
+            </p:spPr>
+            <p:txBody>
+              <a:bodyPr vert="horz" wrap="square" lIns="91440" tIns="45720" rIns="91440" bIns="45720" numCol="1" anchor="t" anchorCtr="0" compatLnSpc="1">
+                <a:prstTxWarp prst="textNoShape">
+                  <a:avLst/>
+                </a:prstTxWarp>
+              </a:bodyPr>
+              <a:lstStyle/>
+              <a:p>
+                <a:endParaRPr lang="en-US"/>
+              </a:p>
+            </p:txBody>
+          </p:sp>
+          <p:sp>
+            <p:nvSpPr>
+              <p:cNvPr id="134" name="Line 26">
+                <a:extLst>
+                  <a:ext uri="{FF2B5EF4-FFF2-40B4-BE49-F238E27FC236}">
+                    <a16:creationId xmlns:a16="http://schemas.microsoft.com/office/drawing/2014/main" id="{B9CA7F85-E6B1-47BE-ACC5-F2EF7902EA24}"/>
+                  </a:ext>
+                </a:extLst>
+              </p:cNvPr>
+              <p:cNvSpPr>
+                <a:spLocks noChangeShapeType="1"/>
+              </p:cNvSpPr>
+              <p:nvPr/>
+            </p:nvSpPr>
+            <p:spPr bwMode="auto">
+              <a:xfrm>
+                <a:off x="8620125" y="5845175"/>
+                <a:ext cx="0" cy="0"/>
+              </a:xfrm>
+              <a:prstGeom prst="line">
+                <a:avLst/>
+              </a:prstGeom>
+              <a:noFill/>
+              <a:ln w="12700">
+                <a:solidFill>
+                  <a:srgbClr val="000000"/>
+                </a:solidFill>
+                <a:prstDash val="solid"/>
+                <a:round/>
+                <a:headEnd/>
+                <a:tailEnd/>
+              </a:ln>
+              <a:extLst>
+                <a:ext uri="{909E8E84-426E-40DD-AFC4-6F175D3DCCD1}">
+                  <a14:hiddenFill xmlns:a14="http://schemas.microsoft.com/office/drawing/2010/main">
+                    <a:noFill/>
+                  </a14:hiddenFill>
+                </a:ext>
+              </a:extLst>
+            </p:spPr>
+            <p:txBody>
+              <a:bodyPr vert="horz" wrap="square" lIns="91440" tIns="45720" rIns="91440" bIns="45720" numCol="1" anchor="t" anchorCtr="0" compatLnSpc="1">
+                <a:prstTxWarp prst="textNoShape">
+                  <a:avLst/>
+                </a:prstTxWarp>
+              </a:bodyPr>
+              <a:lstStyle/>
+              <a:p>
+                <a:endParaRPr lang="en-US"/>
+              </a:p>
+            </p:txBody>
+          </p:sp>
+          <p:sp>
+            <p:nvSpPr>
+              <p:cNvPr id="135" name="Line 27">
+                <a:extLst>
+                  <a:ext uri="{FF2B5EF4-FFF2-40B4-BE49-F238E27FC236}">
+                    <a16:creationId xmlns:a16="http://schemas.microsoft.com/office/drawing/2014/main" id="{4EBDF5F3-1D47-4F51-9951-8F1FFBCA96B2}"/>
+                  </a:ext>
+                </a:extLst>
+              </p:cNvPr>
+              <p:cNvSpPr>
+                <a:spLocks noChangeShapeType="1"/>
+              </p:cNvSpPr>
+              <p:nvPr/>
+            </p:nvSpPr>
+            <p:spPr bwMode="auto">
+              <a:xfrm flipV="1">
+                <a:off x="8620125" y="5727700"/>
+                <a:ext cx="0" cy="117475"/>
+              </a:xfrm>
+              <a:prstGeom prst="line">
+                <a:avLst/>
+              </a:prstGeom>
+              <a:noFill/>
+              <a:ln w="12700">
+                <a:solidFill>
+                  <a:srgbClr val="000000"/>
+                </a:solidFill>
+                <a:prstDash val="solid"/>
+                <a:round/>
+                <a:headEnd/>
+                <a:tailEnd/>
+              </a:ln>
+              <a:extLst>
+                <a:ext uri="{909E8E84-426E-40DD-AFC4-6F175D3DCCD1}">
+                  <a14:hiddenFill xmlns:a14="http://schemas.microsoft.com/office/drawing/2010/main">
+                    <a:noFill/>
+                  </a14:hiddenFill>
+                </a:ext>
+              </a:extLst>
+            </p:spPr>
+            <p:txBody>
+              <a:bodyPr vert="horz" wrap="square" lIns="91440" tIns="45720" rIns="91440" bIns="45720" numCol="1" anchor="t" anchorCtr="0" compatLnSpc="1">
+                <a:prstTxWarp prst="textNoShape">
+                  <a:avLst/>
+                </a:prstTxWarp>
+              </a:bodyPr>
+              <a:lstStyle/>
+              <a:p>
+                <a:endParaRPr lang="en-US"/>
+              </a:p>
+            </p:txBody>
+          </p:sp>
+          <p:sp>
+            <p:nvSpPr>
+              <p:cNvPr id="136" name="Line 28">
+                <a:extLst>
+                  <a:ext uri="{FF2B5EF4-FFF2-40B4-BE49-F238E27FC236}">
+                    <a16:creationId xmlns:a16="http://schemas.microsoft.com/office/drawing/2014/main" id="{22B8734E-5C0C-49F2-849C-EBB19C117B23}"/>
+                  </a:ext>
+                </a:extLst>
+              </p:cNvPr>
+              <p:cNvSpPr>
+                <a:spLocks noChangeShapeType="1"/>
+              </p:cNvSpPr>
+              <p:nvPr/>
+            </p:nvSpPr>
+            <p:spPr bwMode="auto">
+              <a:xfrm flipH="1">
+                <a:off x="8499475" y="5727700"/>
+                <a:ext cx="120650" cy="0"/>
+              </a:xfrm>
+              <a:prstGeom prst="line">
+                <a:avLst/>
+              </a:prstGeom>
+              <a:noFill/>
+              <a:ln w="12700">
+                <a:solidFill>
+                  <a:srgbClr val="000000"/>
+                </a:solidFill>
+                <a:prstDash val="solid"/>
+                <a:round/>
+                <a:headEnd/>
+                <a:tailEnd/>
+              </a:ln>
+              <a:extLst>
+                <a:ext uri="{909E8E84-426E-40DD-AFC4-6F175D3DCCD1}">
+                  <a14:hiddenFill xmlns:a14="http://schemas.microsoft.com/office/drawing/2010/main">
+                    <a:noFill/>
+                  </a14:hiddenFill>
+                </a:ext>
+              </a:extLst>
+            </p:spPr>
+            <p:txBody>
+              <a:bodyPr vert="horz" wrap="square" lIns="91440" tIns="45720" rIns="91440" bIns="45720" numCol="1" anchor="t" anchorCtr="0" compatLnSpc="1">
+                <a:prstTxWarp prst="textNoShape">
+                  <a:avLst/>
+                </a:prstTxWarp>
+              </a:bodyPr>
+              <a:lstStyle/>
+              <a:p>
+                <a:endParaRPr lang="en-US"/>
+              </a:p>
+            </p:txBody>
+          </p:sp>
+          <p:sp>
+            <p:nvSpPr>
+              <p:cNvPr id="137" name="Freeform 29">
+                <a:extLst>
+                  <a:ext uri="{FF2B5EF4-FFF2-40B4-BE49-F238E27FC236}">
+                    <a16:creationId xmlns:a16="http://schemas.microsoft.com/office/drawing/2014/main" id="{EB144BFC-CA2E-4B3A-81C9-CA6F74874AA3}"/>
+                  </a:ext>
+                </a:extLst>
+              </p:cNvPr>
+              <p:cNvSpPr>
+                <a:spLocks/>
+              </p:cNvSpPr>
+              <p:nvPr/>
+            </p:nvSpPr>
+            <p:spPr bwMode="auto">
+              <a:xfrm>
+                <a:off x="8480425" y="5930900"/>
+                <a:ext cx="187325" cy="193675"/>
+              </a:xfrm>
+              <a:custGeom>
+                <a:avLst/>
+                <a:gdLst>
+                  <a:gd name="T0" fmla="*/ 79 w 118"/>
+                  <a:gd name="T1" fmla="*/ 113 h 122"/>
+                  <a:gd name="T2" fmla="*/ 68 w 118"/>
+                  <a:gd name="T3" fmla="*/ 120 h 122"/>
+                  <a:gd name="T4" fmla="*/ 58 w 118"/>
+                  <a:gd name="T5" fmla="*/ 122 h 122"/>
+                  <a:gd name="T6" fmla="*/ 54 w 118"/>
+                  <a:gd name="T7" fmla="*/ 122 h 122"/>
+                  <a:gd name="T8" fmla="*/ 37 w 118"/>
+                  <a:gd name="T9" fmla="*/ 121 h 122"/>
+                  <a:gd name="T10" fmla="*/ 30 w 118"/>
+                  <a:gd name="T11" fmla="*/ 118 h 122"/>
+                  <a:gd name="T12" fmla="*/ 23 w 118"/>
+                  <a:gd name="T13" fmla="*/ 111 h 122"/>
+                  <a:gd name="T14" fmla="*/ 20 w 118"/>
+                  <a:gd name="T15" fmla="*/ 100 h 122"/>
+                  <a:gd name="T16" fmla="*/ 15 w 118"/>
+                  <a:gd name="T17" fmla="*/ 76 h 122"/>
+                  <a:gd name="T18" fmla="*/ 14 w 118"/>
+                  <a:gd name="T19" fmla="*/ 70 h 122"/>
+                  <a:gd name="T20" fmla="*/ 10 w 118"/>
+                  <a:gd name="T21" fmla="*/ 62 h 122"/>
+                  <a:gd name="T22" fmla="*/ 2 w 118"/>
+                  <a:gd name="T23" fmla="*/ 45 h 122"/>
+                  <a:gd name="T24" fmla="*/ 0 w 118"/>
+                  <a:gd name="T25" fmla="*/ 41 h 122"/>
+                  <a:gd name="T26" fmla="*/ 2 w 118"/>
+                  <a:gd name="T27" fmla="*/ 32 h 122"/>
+                  <a:gd name="T28" fmla="*/ 4 w 118"/>
+                  <a:gd name="T29" fmla="*/ 31 h 122"/>
+                  <a:gd name="T30" fmla="*/ 7 w 118"/>
+                  <a:gd name="T31" fmla="*/ 34 h 122"/>
+                  <a:gd name="T32" fmla="*/ 22 w 118"/>
+                  <a:gd name="T33" fmla="*/ 58 h 122"/>
+                  <a:gd name="T34" fmla="*/ 23 w 118"/>
+                  <a:gd name="T35" fmla="*/ 59 h 122"/>
+                  <a:gd name="T36" fmla="*/ 29 w 118"/>
+                  <a:gd name="T37" fmla="*/ 59 h 122"/>
+                  <a:gd name="T38" fmla="*/ 30 w 118"/>
+                  <a:gd name="T39" fmla="*/ 55 h 122"/>
+                  <a:gd name="T40" fmla="*/ 26 w 118"/>
+                  <a:gd name="T41" fmla="*/ 15 h 122"/>
+                  <a:gd name="T42" fmla="*/ 29 w 118"/>
+                  <a:gd name="T43" fmla="*/ 6 h 122"/>
+                  <a:gd name="T44" fmla="*/ 30 w 118"/>
+                  <a:gd name="T45" fmla="*/ 6 h 122"/>
+                  <a:gd name="T46" fmla="*/ 35 w 118"/>
+                  <a:gd name="T47" fmla="*/ 8 h 122"/>
+                  <a:gd name="T48" fmla="*/ 37 w 118"/>
+                  <a:gd name="T49" fmla="*/ 11 h 122"/>
+                  <a:gd name="T50" fmla="*/ 41 w 118"/>
+                  <a:gd name="T51" fmla="*/ 49 h 122"/>
+                  <a:gd name="T52" fmla="*/ 42 w 118"/>
+                  <a:gd name="T53" fmla="*/ 52 h 122"/>
+                  <a:gd name="T54" fmla="*/ 45 w 118"/>
+                  <a:gd name="T55" fmla="*/ 48 h 122"/>
+                  <a:gd name="T56" fmla="*/ 46 w 118"/>
+                  <a:gd name="T57" fmla="*/ 24 h 122"/>
+                  <a:gd name="T58" fmla="*/ 49 w 118"/>
+                  <a:gd name="T59" fmla="*/ 4 h 122"/>
+                  <a:gd name="T60" fmla="*/ 54 w 118"/>
+                  <a:gd name="T61" fmla="*/ 0 h 122"/>
+                  <a:gd name="T62" fmla="*/ 58 w 118"/>
+                  <a:gd name="T63" fmla="*/ 1 h 122"/>
+                  <a:gd name="T64" fmla="*/ 60 w 118"/>
+                  <a:gd name="T65" fmla="*/ 7 h 122"/>
+                  <a:gd name="T66" fmla="*/ 56 w 118"/>
+                  <a:gd name="T67" fmla="*/ 49 h 122"/>
+                  <a:gd name="T68" fmla="*/ 56 w 118"/>
+                  <a:gd name="T69" fmla="*/ 51 h 122"/>
+                  <a:gd name="T70" fmla="*/ 60 w 118"/>
+                  <a:gd name="T71" fmla="*/ 51 h 122"/>
+                  <a:gd name="T72" fmla="*/ 62 w 118"/>
+                  <a:gd name="T73" fmla="*/ 49 h 122"/>
+                  <a:gd name="T74" fmla="*/ 77 w 118"/>
+                  <a:gd name="T75" fmla="*/ 14 h 122"/>
+                  <a:gd name="T76" fmla="*/ 80 w 118"/>
+                  <a:gd name="T77" fmla="*/ 11 h 122"/>
+                  <a:gd name="T78" fmla="*/ 87 w 118"/>
+                  <a:gd name="T79" fmla="*/ 13 h 122"/>
+                  <a:gd name="T80" fmla="*/ 88 w 118"/>
+                  <a:gd name="T81" fmla="*/ 17 h 122"/>
+                  <a:gd name="T82" fmla="*/ 87 w 118"/>
+                  <a:gd name="T83" fmla="*/ 21 h 122"/>
+                  <a:gd name="T84" fmla="*/ 72 w 118"/>
+                  <a:gd name="T85" fmla="*/ 62 h 122"/>
+                  <a:gd name="T86" fmla="*/ 72 w 118"/>
+                  <a:gd name="T87" fmla="*/ 66 h 122"/>
+                  <a:gd name="T88" fmla="*/ 73 w 118"/>
+                  <a:gd name="T89" fmla="*/ 76 h 122"/>
+                  <a:gd name="T90" fmla="*/ 74 w 118"/>
+                  <a:gd name="T91" fmla="*/ 80 h 122"/>
+                  <a:gd name="T92" fmla="*/ 81 w 118"/>
+                  <a:gd name="T93" fmla="*/ 84 h 122"/>
+                  <a:gd name="T94" fmla="*/ 88 w 118"/>
+                  <a:gd name="T95" fmla="*/ 82 h 122"/>
+                  <a:gd name="T96" fmla="*/ 100 w 118"/>
+                  <a:gd name="T97" fmla="*/ 75 h 122"/>
+                  <a:gd name="T98" fmla="*/ 108 w 118"/>
+                  <a:gd name="T99" fmla="*/ 72 h 122"/>
+                  <a:gd name="T100" fmla="*/ 111 w 118"/>
+                  <a:gd name="T101" fmla="*/ 73 h 122"/>
+                  <a:gd name="T102" fmla="*/ 118 w 118"/>
+                  <a:gd name="T103" fmla="*/ 80 h 122"/>
+                  <a:gd name="T104" fmla="*/ 115 w 118"/>
+                  <a:gd name="T105" fmla="*/ 83 h 122"/>
+                  <a:gd name="T106" fmla="*/ 108 w 118"/>
+                  <a:gd name="T107" fmla="*/ 86 h 122"/>
+                  <a:gd name="T108" fmla="*/ 95 w 118"/>
+                  <a:gd name="T109" fmla="*/ 94 h 122"/>
+                  <a:gd name="T110" fmla="*/ 88 w 118"/>
+                  <a:gd name="T111" fmla="*/ 101 h 122"/>
+                  <a:gd name="T112" fmla="*/ 79 w 118"/>
+                  <a:gd name="T113" fmla="*/ 113 h 122"/>
+                </a:gdLst>
+                <a:ahLst/>
+                <a:cxnLst>
+                  <a:cxn ang="0">
+                    <a:pos x="T0" y="T1"/>
+                  </a:cxn>
+                  <a:cxn ang="0">
+                    <a:pos x="T2" y="T3"/>
+                  </a:cxn>
+                  <a:cxn ang="0">
+                    <a:pos x="T4" y="T5"/>
+                  </a:cxn>
+                  <a:cxn ang="0">
+                    <a:pos x="T6" y="T7"/>
+                  </a:cxn>
+                  <a:cxn ang="0">
+                    <a:pos x="T8" y="T9"/>
+                  </a:cxn>
+                  <a:cxn ang="0">
+                    <a:pos x="T10" y="T11"/>
+                  </a:cxn>
+                  <a:cxn ang="0">
+                    <a:pos x="T12" y="T13"/>
+                  </a:cxn>
+                  <a:cxn ang="0">
+                    <a:pos x="T14" y="T15"/>
+                  </a:cxn>
+                  <a:cxn ang="0">
+                    <a:pos x="T16" y="T17"/>
+                  </a:cxn>
+                  <a:cxn ang="0">
+                    <a:pos x="T18" y="T19"/>
+                  </a:cxn>
+                  <a:cxn ang="0">
+                    <a:pos x="T20" y="T21"/>
+                  </a:cxn>
+                  <a:cxn ang="0">
+                    <a:pos x="T22" y="T23"/>
+                  </a:cxn>
+                  <a:cxn ang="0">
+                    <a:pos x="T24" y="T25"/>
+                  </a:cxn>
+                  <a:cxn ang="0">
+                    <a:pos x="T26" y="T27"/>
+                  </a:cxn>
+                  <a:cxn ang="0">
+                    <a:pos x="T28" y="T29"/>
+                  </a:cxn>
+                  <a:cxn ang="0">
+                    <a:pos x="T30" y="T31"/>
+                  </a:cxn>
+                  <a:cxn ang="0">
+                    <a:pos x="T32" y="T33"/>
+                  </a:cxn>
+                  <a:cxn ang="0">
+                    <a:pos x="T34" y="T35"/>
+                  </a:cxn>
+                  <a:cxn ang="0">
+                    <a:pos x="T36" y="T37"/>
+                  </a:cxn>
+                  <a:cxn ang="0">
+                    <a:pos x="T38" y="T39"/>
+                  </a:cxn>
+                  <a:cxn ang="0">
+                    <a:pos x="T40" y="T41"/>
+                  </a:cxn>
+                  <a:cxn ang="0">
+                    <a:pos x="T42" y="T43"/>
+                  </a:cxn>
+                  <a:cxn ang="0">
+                    <a:pos x="T44" y="T45"/>
+                  </a:cxn>
+                  <a:cxn ang="0">
+                    <a:pos x="T46" y="T47"/>
+                  </a:cxn>
+                  <a:cxn ang="0">
+                    <a:pos x="T48" y="T49"/>
+                  </a:cxn>
+                  <a:cxn ang="0">
+                    <a:pos x="T50" y="T51"/>
+                  </a:cxn>
+                  <a:cxn ang="0">
+                    <a:pos x="T52" y="T53"/>
+                  </a:cxn>
+                  <a:cxn ang="0">
+                    <a:pos x="T54" y="T55"/>
+                  </a:cxn>
+                  <a:cxn ang="0">
+                    <a:pos x="T56" y="T57"/>
+                  </a:cxn>
+                  <a:cxn ang="0">
+                    <a:pos x="T58" y="T59"/>
+                  </a:cxn>
+                  <a:cxn ang="0">
+                    <a:pos x="T60" y="T61"/>
+                  </a:cxn>
+                  <a:cxn ang="0">
+                    <a:pos x="T62" y="T63"/>
+                  </a:cxn>
+                  <a:cxn ang="0">
+                    <a:pos x="T64" y="T65"/>
+                  </a:cxn>
+                  <a:cxn ang="0">
+                    <a:pos x="T66" y="T67"/>
+                  </a:cxn>
+                  <a:cxn ang="0">
+                    <a:pos x="T68" y="T69"/>
+                  </a:cxn>
+                  <a:cxn ang="0">
+                    <a:pos x="T70" y="T71"/>
+                  </a:cxn>
+                  <a:cxn ang="0">
+                    <a:pos x="T72" y="T73"/>
+                  </a:cxn>
+                  <a:cxn ang="0">
+                    <a:pos x="T74" y="T75"/>
+                  </a:cxn>
+                  <a:cxn ang="0">
+                    <a:pos x="T76" y="T77"/>
+                  </a:cxn>
+                  <a:cxn ang="0">
+                    <a:pos x="T78" y="T79"/>
+                  </a:cxn>
+                  <a:cxn ang="0">
+                    <a:pos x="T80" y="T81"/>
+                  </a:cxn>
+                  <a:cxn ang="0">
+                    <a:pos x="T82" y="T83"/>
+                  </a:cxn>
+                  <a:cxn ang="0">
+                    <a:pos x="T84" y="T85"/>
+                  </a:cxn>
+                  <a:cxn ang="0">
+                    <a:pos x="T86" y="T87"/>
+                  </a:cxn>
+                  <a:cxn ang="0">
+                    <a:pos x="T88" y="T89"/>
+                  </a:cxn>
+                  <a:cxn ang="0">
+                    <a:pos x="T90" y="T91"/>
+                  </a:cxn>
+                  <a:cxn ang="0">
+                    <a:pos x="T92" y="T93"/>
+                  </a:cxn>
+                  <a:cxn ang="0">
+                    <a:pos x="T94" y="T95"/>
+                  </a:cxn>
+                  <a:cxn ang="0">
+                    <a:pos x="T96" y="T97"/>
+                  </a:cxn>
+                  <a:cxn ang="0">
+                    <a:pos x="T98" y="T99"/>
+                  </a:cxn>
+                  <a:cxn ang="0">
+                    <a:pos x="T100" y="T101"/>
+                  </a:cxn>
+                  <a:cxn ang="0">
+                    <a:pos x="T102" y="T103"/>
+                  </a:cxn>
+                  <a:cxn ang="0">
+                    <a:pos x="T104" y="T105"/>
+                  </a:cxn>
+                  <a:cxn ang="0">
+                    <a:pos x="T106" y="T107"/>
+                  </a:cxn>
+                  <a:cxn ang="0">
+                    <a:pos x="T108" y="T109"/>
+                  </a:cxn>
+                  <a:cxn ang="0">
+                    <a:pos x="T110" y="T111"/>
+                  </a:cxn>
+                  <a:cxn ang="0">
+                    <a:pos x="T112" y="T113"/>
+                  </a:cxn>
+                </a:cxnLst>
+                <a:rect l="0" t="0" r="r" b="b"/>
+                <a:pathLst>
+                  <a:path w="118" h="122">
+                    <a:moveTo>
+                      <a:pt x="79" y="113"/>
+                    </a:moveTo>
+                    <a:lnTo>
+                      <a:pt x="79" y="113"/>
+                    </a:lnTo>
+                    <a:lnTo>
+                      <a:pt x="74" y="117"/>
+                    </a:lnTo>
+                    <a:lnTo>
+                      <a:pt x="68" y="120"/>
+                    </a:lnTo>
+                    <a:lnTo>
+                      <a:pt x="62" y="122"/>
+                    </a:lnTo>
+                    <a:lnTo>
+                      <a:pt x="58" y="122"/>
+                    </a:lnTo>
+                    <a:lnTo>
+                      <a:pt x="54" y="122"/>
+                    </a:lnTo>
+                    <a:lnTo>
+                      <a:pt x="54" y="122"/>
+                    </a:lnTo>
+                    <a:lnTo>
+                      <a:pt x="45" y="122"/>
+                    </a:lnTo>
+                    <a:lnTo>
+                      <a:pt x="37" y="121"/>
+                    </a:lnTo>
+                    <a:lnTo>
+                      <a:pt x="33" y="121"/>
+                    </a:lnTo>
+                    <a:lnTo>
+                      <a:pt x="30" y="118"/>
+                    </a:lnTo>
+                    <a:lnTo>
+                      <a:pt x="26" y="115"/>
+                    </a:lnTo>
+                    <a:lnTo>
+                      <a:pt x="23" y="111"/>
+                    </a:lnTo>
+                    <a:lnTo>
+                      <a:pt x="23" y="111"/>
+                    </a:lnTo>
+                    <a:lnTo>
+                      <a:pt x="20" y="100"/>
+                    </a:lnTo>
+                    <a:lnTo>
+                      <a:pt x="18" y="90"/>
+                    </a:lnTo>
+                    <a:lnTo>
+                      <a:pt x="15" y="76"/>
+                    </a:lnTo>
+                    <a:lnTo>
+                      <a:pt x="15" y="76"/>
+                    </a:lnTo>
+                    <a:lnTo>
+                      <a:pt x="14" y="70"/>
+                    </a:lnTo>
+                    <a:lnTo>
+                      <a:pt x="10" y="62"/>
+                    </a:lnTo>
+                    <a:lnTo>
+                      <a:pt x="10" y="62"/>
+                    </a:lnTo>
+                    <a:lnTo>
+                      <a:pt x="4" y="52"/>
+                    </a:lnTo>
+                    <a:lnTo>
+                      <a:pt x="2" y="45"/>
+                    </a:lnTo>
+                    <a:lnTo>
+                      <a:pt x="0" y="41"/>
+                    </a:lnTo>
+                    <a:lnTo>
+                      <a:pt x="0" y="41"/>
+                    </a:lnTo>
+                    <a:lnTo>
+                      <a:pt x="0" y="37"/>
+                    </a:lnTo>
+                    <a:lnTo>
+                      <a:pt x="2" y="32"/>
+                    </a:lnTo>
+                    <a:lnTo>
+                      <a:pt x="3" y="31"/>
+                    </a:lnTo>
+                    <a:lnTo>
+                      <a:pt x="4" y="31"/>
+                    </a:lnTo>
+                    <a:lnTo>
+                      <a:pt x="6" y="32"/>
+                    </a:lnTo>
+                    <a:lnTo>
+                      <a:pt x="7" y="34"/>
+                    </a:lnTo>
+                    <a:lnTo>
+                      <a:pt x="7" y="34"/>
+                    </a:lnTo>
+                    <a:lnTo>
+                      <a:pt x="22" y="58"/>
+                    </a:lnTo>
+                    <a:lnTo>
+                      <a:pt x="22" y="58"/>
+                    </a:lnTo>
+                    <a:lnTo>
+                      <a:pt x="23" y="59"/>
+                    </a:lnTo>
+                    <a:lnTo>
+                      <a:pt x="26" y="59"/>
+                    </a:lnTo>
+                    <a:lnTo>
+                      <a:pt x="29" y="59"/>
+                    </a:lnTo>
+                    <a:lnTo>
+                      <a:pt x="30" y="55"/>
+                    </a:lnTo>
+                    <a:lnTo>
+                      <a:pt x="30" y="55"/>
+                    </a:lnTo>
+                    <a:lnTo>
+                      <a:pt x="26" y="15"/>
+                    </a:lnTo>
+                    <a:lnTo>
+                      <a:pt x="26" y="15"/>
+                    </a:lnTo>
+                    <a:lnTo>
+                      <a:pt x="27" y="8"/>
+                    </a:lnTo>
+                    <a:lnTo>
+                      <a:pt x="29" y="6"/>
+                    </a:lnTo>
+                    <a:lnTo>
+                      <a:pt x="30" y="6"/>
+                    </a:lnTo>
+                    <a:lnTo>
+                      <a:pt x="30" y="6"/>
+                    </a:lnTo>
+                    <a:lnTo>
+                      <a:pt x="34" y="6"/>
+                    </a:lnTo>
+                    <a:lnTo>
+                      <a:pt x="35" y="8"/>
+                    </a:lnTo>
+                    <a:lnTo>
+                      <a:pt x="37" y="11"/>
+                    </a:lnTo>
+                    <a:lnTo>
+                      <a:pt x="37" y="11"/>
+                    </a:lnTo>
+                    <a:lnTo>
+                      <a:pt x="41" y="49"/>
+                    </a:lnTo>
+                    <a:lnTo>
+                      <a:pt x="41" y="49"/>
+                    </a:lnTo>
+                    <a:lnTo>
+                      <a:pt x="41" y="51"/>
+                    </a:lnTo>
+                    <a:lnTo>
+                      <a:pt x="42" y="52"/>
+                    </a:lnTo>
+                    <a:lnTo>
+                      <a:pt x="43" y="52"/>
+                    </a:lnTo>
+                    <a:lnTo>
+                      <a:pt x="45" y="48"/>
+                    </a:lnTo>
+                    <a:lnTo>
+                      <a:pt x="45" y="48"/>
+                    </a:lnTo>
+                    <a:lnTo>
+                      <a:pt x="46" y="24"/>
+                    </a:lnTo>
+                    <a:lnTo>
+                      <a:pt x="49" y="4"/>
+                    </a:lnTo>
+                    <a:lnTo>
+                      <a:pt x="49" y="4"/>
+                    </a:lnTo>
+                    <a:lnTo>
+                      <a:pt x="50" y="1"/>
+                    </a:lnTo>
+                    <a:lnTo>
+                      <a:pt x="54" y="0"/>
+                    </a:lnTo>
+                    <a:lnTo>
+                      <a:pt x="57" y="0"/>
+                    </a:lnTo>
+                    <a:lnTo>
+                      <a:pt x="58" y="1"/>
+                    </a:lnTo>
+                    <a:lnTo>
+                      <a:pt x="60" y="3"/>
+                    </a:lnTo>
+                    <a:lnTo>
+                      <a:pt x="60" y="7"/>
+                    </a:lnTo>
+                    <a:lnTo>
+                      <a:pt x="60" y="7"/>
+                    </a:lnTo>
+                    <a:lnTo>
+                      <a:pt x="56" y="49"/>
+                    </a:lnTo>
+                    <a:lnTo>
+                      <a:pt x="56" y="49"/>
+                    </a:lnTo>
+                    <a:lnTo>
+                      <a:pt x="56" y="51"/>
+                    </a:lnTo>
+                    <a:lnTo>
+                      <a:pt x="58" y="52"/>
+                    </a:lnTo>
+                    <a:lnTo>
+                      <a:pt x="60" y="51"/>
+                    </a:lnTo>
+                    <a:lnTo>
+                      <a:pt x="62" y="49"/>
+                    </a:lnTo>
+                    <a:lnTo>
+                      <a:pt x="62" y="49"/>
+                    </a:lnTo>
+                    <a:lnTo>
+                      <a:pt x="77" y="14"/>
+                    </a:lnTo>
+                    <a:lnTo>
+                      <a:pt x="77" y="14"/>
+                    </a:lnTo>
+                    <a:lnTo>
+                      <a:pt x="79" y="13"/>
+                    </a:lnTo>
+                    <a:lnTo>
+                      <a:pt x="80" y="11"/>
+                    </a:lnTo>
+                    <a:lnTo>
+                      <a:pt x="85" y="11"/>
+                    </a:lnTo>
+                    <a:lnTo>
+                      <a:pt x="87" y="13"/>
+                    </a:lnTo>
+                    <a:lnTo>
+                      <a:pt x="88" y="14"/>
+                    </a:lnTo>
+                    <a:lnTo>
+                      <a:pt x="88" y="17"/>
+                    </a:lnTo>
+                    <a:lnTo>
+                      <a:pt x="87" y="21"/>
+                    </a:lnTo>
+                    <a:lnTo>
+                      <a:pt x="87" y="21"/>
+                    </a:lnTo>
+                    <a:lnTo>
+                      <a:pt x="79" y="44"/>
+                    </a:lnTo>
+                    <a:lnTo>
+                      <a:pt x="72" y="62"/>
+                    </a:lnTo>
+                    <a:lnTo>
+                      <a:pt x="72" y="62"/>
+                    </a:lnTo>
+                    <a:lnTo>
+                      <a:pt x="72" y="66"/>
+                    </a:lnTo>
+                    <a:lnTo>
+                      <a:pt x="72" y="72"/>
+                    </a:lnTo>
+                    <a:lnTo>
+                      <a:pt x="73" y="76"/>
+                    </a:lnTo>
+                    <a:lnTo>
+                      <a:pt x="74" y="80"/>
+                    </a:lnTo>
+                    <a:lnTo>
+                      <a:pt x="74" y="80"/>
+                    </a:lnTo>
+                    <a:lnTo>
+                      <a:pt x="77" y="83"/>
+                    </a:lnTo>
+                    <a:lnTo>
+                      <a:pt x="81" y="84"/>
+                    </a:lnTo>
+                    <a:lnTo>
+                      <a:pt x="84" y="84"/>
+                    </a:lnTo>
+                    <a:lnTo>
+                      <a:pt x="88" y="82"/>
+                    </a:lnTo>
+                    <a:lnTo>
+                      <a:pt x="88" y="82"/>
+                    </a:lnTo>
+                    <a:lnTo>
+                      <a:pt x="100" y="75"/>
+                    </a:lnTo>
+                    <a:lnTo>
+                      <a:pt x="106" y="72"/>
+                    </a:lnTo>
+                    <a:lnTo>
+                      <a:pt x="108" y="72"/>
+                    </a:lnTo>
+                    <a:lnTo>
+                      <a:pt x="111" y="73"/>
+                    </a:lnTo>
+                    <a:lnTo>
+                      <a:pt x="111" y="73"/>
+                    </a:lnTo>
+                    <a:lnTo>
+                      <a:pt x="116" y="76"/>
+                    </a:lnTo>
+                    <a:lnTo>
+                      <a:pt x="118" y="80"/>
+                    </a:lnTo>
+                    <a:lnTo>
+                      <a:pt x="116" y="82"/>
+                    </a:lnTo>
+                    <a:lnTo>
+                      <a:pt x="115" y="83"/>
+                    </a:lnTo>
+                    <a:lnTo>
+                      <a:pt x="108" y="86"/>
+                    </a:lnTo>
+                    <a:lnTo>
+                      <a:pt x="108" y="86"/>
+                    </a:lnTo>
+                    <a:lnTo>
+                      <a:pt x="100" y="90"/>
+                    </a:lnTo>
+                    <a:lnTo>
+                      <a:pt x="95" y="94"/>
+                    </a:lnTo>
+                    <a:lnTo>
+                      <a:pt x="88" y="101"/>
+                    </a:lnTo>
+                    <a:lnTo>
+                      <a:pt x="88" y="101"/>
+                    </a:lnTo>
+                    <a:lnTo>
+                      <a:pt x="79" y="113"/>
+                    </a:lnTo>
+                    <a:lnTo>
+                      <a:pt x="79" y="113"/>
+                    </a:lnTo>
+                    <a:close/>
+                  </a:path>
+                </a:pathLst>
+              </a:custGeom>
+              <a:solidFill>
+                <a:srgbClr val="000000"/>
+              </a:solidFill>
+              <a:ln>
+                <a:noFill/>
+              </a:ln>
+              <a:extLst>
+                <a:ext uri="{91240B29-F687-4F45-9708-019B960494DF}">
+                  <a14:hiddenLine xmlns:a14="http://schemas.microsoft.com/office/drawing/2010/main" w="9525">
+                    <a:solidFill>
+                      <a:srgbClr val="000000"/>
+                    </a:solidFill>
+                    <a:round/>
+                    <a:headEnd/>
+                    <a:tailEnd/>
+                  </a14:hiddenLine>
+                </a:ext>
+              </a:extLst>
+            </p:spPr>
+            <p:txBody>
+              <a:bodyPr vert="horz" wrap="square" lIns="91440" tIns="45720" rIns="91440" bIns="45720" numCol="1" anchor="t" anchorCtr="0" compatLnSpc="1">
+                <a:prstTxWarp prst="textNoShape">
+                  <a:avLst/>
+                </a:prstTxWarp>
+              </a:bodyPr>
+              <a:lstStyle/>
+              <a:p>
+                <a:endParaRPr lang="en-US"/>
+              </a:p>
+            </p:txBody>
+          </p:sp>
+        </p:grpSp>
       </p:grpSp>
+    </p:spTree>
+  </p:cSld>
+  <p:clrMapOvr>
+    <a:masterClrMapping/>
+  </p:clrMapOvr>
+</p:sld>
+</file>
+
+<file path=ppt/slides/slide2.xml><?xml version="1.0" encoding="utf-8"?>
+<p:sld xmlns:a="http://schemas.openxmlformats.org/drawingml/2006/main" xmlns:r="http://schemas.openxmlformats.org/officeDocument/2006/relationships" xmlns:p="http://schemas.openxmlformats.org/presentationml/2006/main">
+  <p:cSld>
+    <p:spTree>
+      <p:nvGrpSpPr>
+        <p:cNvPr id="1" name=""/>
+        <p:cNvGrpSpPr/>
+        <p:nvPr/>
+      </p:nvGrpSpPr>
+      <p:grpSpPr>
+        <a:xfrm>
+          <a:off x="0" y="0"/>
+          <a:ext cx="0" cy="0"/>
+          <a:chOff x="0" y="0"/>
+          <a:chExt cx="0" cy="0"/>
+        </a:xfrm>
+      </p:grpSpPr>
       <p:sp>
         <p:nvSpPr>
-          <p:cNvPr id="71" name="TextBox 70">
+          <p:cNvPr id="3" name="TextBox 2">
             <a:extLst>
               <a:ext uri="{FF2B5EF4-FFF2-40B4-BE49-F238E27FC236}">
-                <a16:creationId xmlns:a16="http://schemas.microsoft.com/office/drawing/2014/main" id="{4A3D06B1-53A3-43D3-9282-F1257BBDAF67}"/>
+                <a16:creationId xmlns:a16="http://schemas.microsoft.com/office/drawing/2014/main" id="{39218A7D-D69C-46CB-8726-7B3A62A84D2F}"/>
               </a:ext>
             </a:extLst>
           </p:cNvPr>
@@ -8411,34 +12468,33 @@
         </p:nvSpPr>
         <p:spPr>
           <a:xfrm>
-            <a:off x="2854197" y="7822842"/>
-            <a:ext cx="533400" cy="369332"/>
+            <a:off x="2641937" y="533400"/>
+            <a:ext cx="1518364" cy="369332"/>
           </a:xfrm>
           <a:prstGeom prst="rect">
             <a:avLst/>
           </a:prstGeom>
           <a:noFill/>
-          <a:effectLst/>
         </p:spPr>
         <p:txBody>
-          <a:bodyPr wrap="square" rtlCol="0">
+          <a:bodyPr wrap="none" rtlCol="0">
             <a:spAutoFit/>
           </a:bodyPr>
           <a:lstStyle/>
           <a:p>
             <a:r>
-              <a:rPr lang="en-US" b="1" dirty="0"/>
-              <a:t>P3</a:t>
+              <a:rPr lang="en-US" dirty="0"/>
+              <a:t>Setup Notes:</a:t>
             </a:r>
           </a:p>
         </p:txBody>
       </p:sp>
       <p:sp>
         <p:nvSpPr>
-          <p:cNvPr id="72" name="TextBox 71">
+          <p:cNvPr id="4" name="TextBox 3">
             <a:extLst>
               <a:ext uri="{FF2B5EF4-FFF2-40B4-BE49-F238E27FC236}">
-                <a16:creationId xmlns:a16="http://schemas.microsoft.com/office/drawing/2014/main" id="{5A122C42-7D33-4E95-BE66-BCB914E2A8B1}"/>
+                <a16:creationId xmlns:a16="http://schemas.microsoft.com/office/drawing/2014/main" id="{3E9175B9-40BD-4215-A611-B64FBDA1FEC3}"/>
               </a:ext>
             </a:extLst>
           </p:cNvPr>
@@ -8447,44 +12503,8 @@
         </p:nvSpPr>
         <p:spPr>
           <a:xfrm>
-            <a:off x="3999150" y="7792422"/>
-            <a:ext cx="533400" cy="369332"/>
-          </a:xfrm>
-          <a:prstGeom prst="rect">
-            <a:avLst/>
-          </a:prstGeom>
-          <a:noFill/>
-          <a:effectLst/>
-        </p:spPr>
-        <p:txBody>
-          <a:bodyPr wrap="square" rtlCol="0">
-            <a:spAutoFit/>
-          </a:bodyPr>
-          <a:lstStyle/>
-          <a:p>
-            <a:r>
-              <a:rPr lang="en-US" b="1" dirty="0"/>
-              <a:t>P2</a:t>
-            </a:r>
-          </a:p>
-        </p:txBody>
-      </p:sp>
-      <p:sp>
-        <p:nvSpPr>
-          <p:cNvPr id="40" name="TextBox 39">
-            <a:extLst>
-              <a:ext uri="{FF2B5EF4-FFF2-40B4-BE49-F238E27FC236}">
-                <a16:creationId xmlns:a16="http://schemas.microsoft.com/office/drawing/2014/main" id="{59DEE83B-2211-4926-B54F-329315A0AB06}"/>
-              </a:ext>
-            </a:extLst>
-          </p:cNvPr>
-          <p:cNvSpPr txBox="1"/>
-          <p:nvPr/>
-        </p:nvSpPr>
-        <p:spPr>
-          <a:xfrm>
-            <a:off x="4367556" y="6063118"/>
-            <a:ext cx="1478610" cy="369332"/>
+            <a:off x="838199" y="1447800"/>
+            <a:ext cx="5638800" cy="307777"/>
           </a:xfrm>
           <a:prstGeom prst="rect">
             <a:avLst/>
@@ -8498,18 +12518,22 @@
           <a:lstStyle/>
           <a:p>
             <a:r>
-              <a:rPr lang="en-US" b="1" dirty="0"/>
-              <a:t>T1, T2, T3</a:t>
+              <a:rPr lang="en-US" sz="1400" dirty="0">
+                <a:latin typeface="Arial" charset="0"/>
+                <a:ea typeface="ＭＳ Ｐゴシック" pitchFamily="-112" charset="-128"/>
+                <a:cs typeface="Times New Roman" pitchFamily="-112" charset="0"/>
+              </a:rPr>
+              <a:t>None</a:t>
             </a:r>
           </a:p>
         </p:txBody>
       </p:sp>
       <p:sp>
         <p:nvSpPr>
-          <p:cNvPr id="54" name="TextBox 53">
+          <p:cNvPr id="42" name="TextBox 41">
             <a:extLst>
               <a:ext uri="{FF2B5EF4-FFF2-40B4-BE49-F238E27FC236}">
-                <a16:creationId xmlns:a16="http://schemas.microsoft.com/office/drawing/2014/main" id="{CFFDFA35-E37F-4D42-B7D1-CBE13783F465}"/>
+                <a16:creationId xmlns:a16="http://schemas.microsoft.com/office/drawing/2014/main" id="{C1F69803-1D54-41AE-8B46-B91B1C093BA8}"/>
               </a:ext>
             </a:extLst>
           </p:cNvPr>
@@ -8518,8 +12542,368 @@
         </p:nvSpPr>
         <p:spPr>
           <a:xfrm>
-            <a:off x="1698939" y="6001939"/>
-            <a:ext cx="1478610" cy="369332"/>
+            <a:off x="2421492" y="2287968"/>
+            <a:ext cx="2472215" cy="369332"/>
+          </a:xfrm>
+          <a:prstGeom prst="rect">
+            <a:avLst/>
+          </a:prstGeom>
+          <a:noFill/>
+        </p:spPr>
+        <p:txBody>
+          <a:bodyPr wrap="none" rtlCol="0">
+            <a:spAutoFit/>
+          </a:bodyPr>
+          <a:lstStyle/>
+          <a:p>
+            <a:r>
+              <a:rPr lang="en-US" dirty="0"/>
+              <a:t>Target Requirements:</a:t>
+            </a:r>
+          </a:p>
+        </p:txBody>
+      </p:sp>
+      <p:grpSp>
+        <p:nvGrpSpPr>
+          <p:cNvPr id="43" name="Group 29">
+            <a:extLst>
+              <a:ext uri="{FF2B5EF4-FFF2-40B4-BE49-F238E27FC236}">
+                <a16:creationId xmlns:a16="http://schemas.microsoft.com/office/drawing/2014/main" id="{E4F47CC8-30CC-4137-829B-A55136FB79A6}"/>
+              </a:ext>
+            </a:extLst>
+          </p:cNvPr>
+          <p:cNvGrpSpPr>
+            <a:grpSpLocks/>
+          </p:cNvGrpSpPr>
+          <p:nvPr/>
+        </p:nvGrpSpPr>
+        <p:grpSpPr bwMode="auto">
+          <a:xfrm>
+            <a:off x="2522753" y="2668968"/>
+            <a:ext cx="287338" cy="790575"/>
+            <a:chOff x="528" y="240"/>
+            <a:chExt cx="181" cy="498"/>
+          </a:xfrm>
+        </p:grpSpPr>
+        <p:sp>
+          <p:nvSpPr>
+            <p:cNvPr id="44" name="Line 30">
+              <a:extLst>
+                <a:ext uri="{FF2B5EF4-FFF2-40B4-BE49-F238E27FC236}">
+                  <a16:creationId xmlns:a16="http://schemas.microsoft.com/office/drawing/2014/main" id="{2C0C3AC0-AA2C-4A18-96F5-988B6ABAFA6B}"/>
+                </a:ext>
+              </a:extLst>
+            </p:cNvPr>
+            <p:cNvSpPr>
+              <a:spLocks noChangeShapeType="1"/>
+            </p:cNvSpPr>
+            <p:nvPr/>
+          </p:nvSpPr>
+          <p:spPr bwMode="auto">
+            <a:xfrm>
+              <a:off x="535" y="485"/>
+              <a:ext cx="0" cy="253"/>
+            </a:xfrm>
+            <a:prstGeom prst="line">
+              <a:avLst/>
+            </a:prstGeom>
+            <a:noFill/>
+            <a:ln w="28575">
+              <a:solidFill>
+                <a:schemeClr val="tx1"/>
+              </a:solidFill>
+              <a:round/>
+              <a:headEnd/>
+              <a:tailEnd/>
+            </a:ln>
+            <a:extLst>
+              <a:ext uri="{909E8E84-426E-40DD-AFC4-6F175D3DCCD1}">
+                <a14:hiddenFill xmlns:a14="http://schemas.microsoft.com/office/drawing/2010/main">
+                  <a:noFill/>
+                </a14:hiddenFill>
+              </a:ext>
+            </a:extLst>
+          </p:spPr>
+          <p:txBody>
+            <a:bodyPr wrap="none" anchor="ctr"/>
+            <a:lstStyle/>
+            <a:p>
+              <a:endParaRPr lang="en-US"/>
+            </a:p>
+          </p:txBody>
+        </p:sp>
+        <p:sp>
+          <p:nvSpPr>
+            <p:cNvPr id="45" name="Line 31">
+              <a:extLst>
+                <a:ext uri="{FF2B5EF4-FFF2-40B4-BE49-F238E27FC236}">
+                  <a16:creationId xmlns:a16="http://schemas.microsoft.com/office/drawing/2014/main" id="{027C92A6-673E-4D57-A20E-3C93E69AD6F5}"/>
+                </a:ext>
+              </a:extLst>
+            </p:cNvPr>
+            <p:cNvSpPr>
+              <a:spLocks noChangeShapeType="1"/>
+            </p:cNvSpPr>
+            <p:nvPr/>
+          </p:nvSpPr>
+          <p:spPr bwMode="auto">
+            <a:xfrm>
+              <a:off x="701" y="485"/>
+              <a:ext cx="0" cy="253"/>
+            </a:xfrm>
+            <a:prstGeom prst="line">
+              <a:avLst/>
+            </a:prstGeom>
+            <a:noFill/>
+            <a:ln w="28575">
+              <a:solidFill>
+                <a:schemeClr val="tx1"/>
+              </a:solidFill>
+              <a:round/>
+              <a:headEnd/>
+              <a:tailEnd/>
+            </a:ln>
+            <a:extLst>
+              <a:ext uri="{909E8E84-426E-40DD-AFC4-6F175D3DCCD1}">
+                <a14:hiddenFill xmlns:a14="http://schemas.microsoft.com/office/drawing/2010/main">
+                  <a:noFill/>
+                </a14:hiddenFill>
+              </a:ext>
+            </a:extLst>
+          </p:spPr>
+          <p:txBody>
+            <a:bodyPr wrap="none" anchor="ctr"/>
+            <a:lstStyle/>
+            <a:p>
+              <a:endParaRPr lang="en-US"/>
+            </a:p>
+          </p:txBody>
+        </p:sp>
+        <p:sp>
+          <p:nvSpPr>
+            <p:cNvPr id="46" name="Freeform 32">
+              <a:extLst>
+                <a:ext uri="{FF2B5EF4-FFF2-40B4-BE49-F238E27FC236}">
+                  <a16:creationId xmlns:a16="http://schemas.microsoft.com/office/drawing/2014/main" id="{EED26CEA-622C-4B53-984B-750B37D0168F}"/>
+                </a:ext>
+              </a:extLst>
+            </p:cNvPr>
+            <p:cNvSpPr>
+              <a:spLocks/>
+            </p:cNvSpPr>
+            <p:nvPr/>
+          </p:nvSpPr>
+          <p:spPr bwMode="auto">
+            <a:xfrm>
+              <a:off x="528" y="240"/>
+              <a:ext cx="181" cy="332"/>
+            </a:xfrm>
+            <a:custGeom>
+              <a:avLst/>
+              <a:gdLst>
+                <a:gd name="T0" fmla="*/ 1 w 277"/>
+                <a:gd name="T1" fmla="*/ 0 h 517"/>
+                <a:gd name="T2" fmla="*/ 1 w 277"/>
+                <a:gd name="T3" fmla="*/ 0 h 517"/>
+                <a:gd name="T4" fmla="*/ 1 w 277"/>
+                <a:gd name="T5" fmla="*/ 1 h 517"/>
+                <a:gd name="T6" fmla="*/ 1 w 277"/>
+                <a:gd name="T7" fmla="*/ 1 h 517"/>
+                <a:gd name="T8" fmla="*/ 1 w 277"/>
+                <a:gd name="T9" fmla="*/ 1 h 517"/>
+                <a:gd name="T10" fmla="*/ 1 w 277"/>
+                <a:gd name="T11" fmla="*/ 1 h 517"/>
+                <a:gd name="T12" fmla="*/ 1 w 277"/>
+                <a:gd name="T13" fmla="*/ 1 h 517"/>
+                <a:gd name="T14" fmla="*/ 1 w 277"/>
+                <a:gd name="T15" fmla="*/ 1 h 517"/>
+                <a:gd name="T16" fmla="*/ 0 w 277"/>
+                <a:gd name="T17" fmla="*/ 1 h 517"/>
+                <a:gd name="T18" fmla="*/ 0 w 277"/>
+                <a:gd name="T19" fmla="*/ 1 h 517"/>
+                <a:gd name="T20" fmla="*/ 1 w 277"/>
+                <a:gd name="T21" fmla="*/ 1 h 517"/>
+                <a:gd name="T22" fmla="*/ 1 w 277"/>
+                <a:gd name="T23" fmla="*/ 1 h 517"/>
+                <a:gd name="T24" fmla="*/ 1 w 277"/>
+                <a:gd name="T25" fmla="*/ 0 h 517"/>
+                <a:gd name="T26" fmla="*/ 0 60000 65536"/>
+                <a:gd name="T27" fmla="*/ 0 60000 65536"/>
+                <a:gd name="T28" fmla="*/ 0 60000 65536"/>
+                <a:gd name="T29" fmla="*/ 0 60000 65536"/>
+                <a:gd name="T30" fmla="*/ 0 60000 65536"/>
+                <a:gd name="T31" fmla="*/ 0 60000 65536"/>
+                <a:gd name="T32" fmla="*/ 0 60000 65536"/>
+                <a:gd name="T33" fmla="*/ 0 60000 65536"/>
+                <a:gd name="T34" fmla="*/ 0 60000 65536"/>
+                <a:gd name="T35" fmla="*/ 0 60000 65536"/>
+                <a:gd name="T36" fmla="*/ 0 60000 65536"/>
+                <a:gd name="T37" fmla="*/ 0 60000 65536"/>
+                <a:gd name="T38" fmla="*/ 0 60000 65536"/>
+                <a:gd name="T39" fmla="*/ 0 w 277"/>
+                <a:gd name="T40" fmla="*/ 0 h 517"/>
+                <a:gd name="T41" fmla="*/ 277 w 277"/>
+                <a:gd name="T42" fmla="*/ 517 h 517"/>
+              </a:gdLst>
+              <a:ahLst/>
+              <a:cxnLst>
+                <a:cxn ang="T26">
+                  <a:pos x="T0" y="T1"/>
+                </a:cxn>
+                <a:cxn ang="T27">
+                  <a:pos x="T2" y="T3"/>
+                </a:cxn>
+                <a:cxn ang="T28">
+                  <a:pos x="T4" y="T5"/>
+                </a:cxn>
+                <a:cxn ang="T29">
+                  <a:pos x="T6" y="T7"/>
+                </a:cxn>
+                <a:cxn ang="T30">
+                  <a:pos x="T8" y="T9"/>
+                </a:cxn>
+                <a:cxn ang="T31">
+                  <a:pos x="T10" y="T11"/>
+                </a:cxn>
+                <a:cxn ang="T32">
+                  <a:pos x="T12" y="T13"/>
+                </a:cxn>
+                <a:cxn ang="T33">
+                  <a:pos x="T14" y="T15"/>
+                </a:cxn>
+                <a:cxn ang="T34">
+                  <a:pos x="T16" y="T17"/>
+                </a:cxn>
+                <a:cxn ang="T35">
+                  <a:pos x="T18" y="T19"/>
+                </a:cxn>
+                <a:cxn ang="T36">
+                  <a:pos x="T20" y="T21"/>
+                </a:cxn>
+                <a:cxn ang="T37">
+                  <a:pos x="T22" y="T23"/>
+                </a:cxn>
+                <a:cxn ang="T38">
+                  <a:pos x="T24" y="T25"/>
+                </a:cxn>
+              </a:cxnLst>
+              <a:rect l="T39" t="T40" r="T41" b="T42"/>
+              <a:pathLst>
+                <a:path w="277" h="517">
+                  <a:moveTo>
+                    <a:pt x="89" y="0"/>
+                  </a:moveTo>
+                  <a:lnTo>
+                    <a:pt x="191" y="0"/>
+                  </a:lnTo>
+                  <a:lnTo>
+                    <a:pt x="191" y="105"/>
+                  </a:lnTo>
+                  <a:lnTo>
+                    <a:pt x="225" y="105"/>
+                  </a:lnTo>
+                  <a:lnTo>
+                    <a:pt x="276" y="139"/>
+                  </a:lnTo>
+                  <a:lnTo>
+                    <a:pt x="276" y="415"/>
+                  </a:lnTo>
+                  <a:lnTo>
+                    <a:pt x="225" y="516"/>
+                  </a:lnTo>
+                  <a:lnTo>
+                    <a:pt x="51" y="516"/>
+                  </a:lnTo>
+                  <a:lnTo>
+                    <a:pt x="0" y="415"/>
+                  </a:lnTo>
+                  <a:lnTo>
+                    <a:pt x="0" y="139"/>
+                  </a:lnTo>
+                  <a:lnTo>
+                    <a:pt x="51" y="105"/>
+                  </a:lnTo>
+                  <a:lnTo>
+                    <a:pt x="89" y="105"/>
+                  </a:lnTo>
+                  <a:lnTo>
+                    <a:pt x="89" y="0"/>
+                  </a:lnTo>
+                </a:path>
+              </a:pathLst>
+            </a:custGeom>
+            <a:solidFill>
+              <a:srgbClr val="FFCC99"/>
+            </a:solidFill>
+            <a:ln w="12700" cap="rnd">
+              <a:solidFill>
+                <a:schemeClr val="tx1"/>
+              </a:solidFill>
+              <a:round/>
+              <a:headEnd/>
+              <a:tailEnd/>
+            </a:ln>
+          </p:spPr>
+          <p:txBody>
+            <a:bodyPr/>
+            <a:lstStyle/>
+            <a:p>
+              <a:endParaRPr lang="en-US"/>
+            </a:p>
+          </p:txBody>
+        </p:sp>
+      </p:grpSp>
+      <p:sp>
+        <p:nvSpPr>
+          <p:cNvPr id="70" name="TextBox 69">
+            <a:extLst>
+              <a:ext uri="{FF2B5EF4-FFF2-40B4-BE49-F238E27FC236}">
+                <a16:creationId xmlns:a16="http://schemas.microsoft.com/office/drawing/2014/main" id="{D14F582E-1A9D-4B32-AE2B-F68DE6748B9F}"/>
+              </a:ext>
+            </a:extLst>
+          </p:cNvPr>
+          <p:cNvSpPr txBox="1"/>
+          <p:nvPr/>
+        </p:nvSpPr>
+        <p:spPr>
+          <a:xfrm>
+            <a:off x="2089793" y="2791359"/>
+            <a:ext cx="2642775" cy="369332"/>
+          </a:xfrm>
+          <a:prstGeom prst="rect">
+            <a:avLst/>
+          </a:prstGeom>
+          <a:noFill/>
+        </p:spPr>
+        <p:txBody>
+          <a:bodyPr wrap="none" rtlCol="0">
+            <a:spAutoFit/>
+          </a:bodyPr>
+          <a:lstStyle/>
+          <a:p>
+            <a:r>
+              <a:rPr lang="en-US" dirty="0"/>
+              <a:t>6x         Standard Target</a:t>
+            </a:r>
+          </a:p>
+        </p:txBody>
+      </p:sp>
+      <p:sp>
+        <p:nvSpPr>
+          <p:cNvPr id="109" name="TextBox 108">
+            <a:extLst>
+              <a:ext uri="{FF2B5EF4-FFF2-40B4-BE49-F238E27FC236}">
+                <a16:creationId xmlns:a16="http://schemas.microsoft.com/office/drawing/2014/main" id="{759C7B7C-A20A-4344-B76B-72430516CE49}"/>
+              </a:ext>
+            </a:extLst>
+          </p:cNvPr>
+          <p:cNvSpPr txBox="1"/>
+          <p:nvPr/>
+        </p:nvSpPr>
+        <p:spPr>
+          <a:xfrm>
+            <a:off x="2124091" y="3657600"/>
+            <a:ext cx="2959269" cy="369332"/>
           </a:xfrm>
           <a:prstGeom prst="rect">
             <a:avLst/>
@@ -8533,14 +12917,2228 @@
           <a:lstStyle/>
           <a:p>
             <a:r>
-              <a:rPr lang="en-US" b="1"/>
-              <a:t>T4, T5, T6</a:t>
+              <a:rPr lang="en-US" dirty="0"/>
+              <a:t>2x         Non-Threat</a:t>
             </a:r>
-            <a:endParaRPr lang="en-US" b="1" dirty="0"/>
           </a:p>
         </p:txBody>
       </p:sp>
+      <p:grpSp>
+        <p:nvGrpSpPr>
+          <p:cNvPr id="47" name="Group 4">
+            <a:extLst>
+              <a:ext uri="{FF2B5EF4-FFF2-40B4-BE49-F238E27FC236}">
+                <a16:creationId xmlns:a16="http://schemas.microsoft.com/office/drawing/2014/main" id="{8715ADC8-9C9E-42B3-8A6C-637231F36FCB}"/>
+              </a:ext>
+            </a:extLst>
+          </p:cNvPr>
+          <p:cNvGrpSpPr>
+            <a:grpSpLocks noChangeAspect="1"/>
+          </p:cNvGrpSpPr>
+          <p:nvPr/>
+        </p:nvGrpSpPr>
+        <p:grpSpPr bwMode="auto">
+          <a:xfrm>
+            <a:off x="2486240" y="3521573"/>
+            <a:ext cx="360363" cy="838200"/>
+            <a:chOff x="-2155" y="1485"/>
+            <a:chExt cx="227" cy="528"/>
+          </a:xfrm>
+        </p:grpSpPr>
+        <p:sp>
+          <p:nvSpPr>
+            <p:cNvPr id="48" name="AutoShape 3">
+              <a:extLst>
+                <a:ext uri="{FF2B5EF4-FFF2-40B4-BE49-F238E27FC236}">
+                  <a16:creationId xmlns:a16="http://schemas.microsoft.com/office/drawing/2014/main" id="{926C7256-3396-4E4F-9171-F6421BBCA5D4}"/>
+                </a:ext>
+              </a:extLst>
+            </p:cNvPr>
+            <p:cNvSpPr>
+              <a:spLocks noChangeAspect="1" noChangeArrowheads="1" noTextEdit="1"/>
+            </p:cNvSpPr>
+            <p:nvPr/>
+          </p:nvSpPr>
+          <p:spPr bwMode="auto">
+            <a:xfrm>
+              <a:off x="-2155" y="1485"/>
+              <a:ext cx="227" cy="528"/>
+            </a:xfrm>
+            <a:prstGeom prst="rect">
+              <a:avLst/>
+            </a:prstGeom>
+            <a:noFill/>
+            <a:ln>
+              <a:noFill/>
+            </a:ln>
+            <a:extLst>
+              <a:ext uri="{909E8E84-426E-40DD-AFC4-6F175D3DCCD1}">
+                <a14:hiddenFill xmlns:a14="http://schemas.microsoft.com/office/drawing/2010/main">
+                  <a:solidFill>
+                    <a:srgbClr val="FFFFFF"/>
+                  </a:solidFill>
+                </a14:hiddenFill>
+              </a:ext>
+              <a:ext uri="{91240B29-F687-4F45-9708-019B960494DF}">
+                <a14:hiddenLine xmlns:a14="http://schemas.microsoft.com/office/drawing/2010/main" w="9525">
+                  <a:solidFill>
+                    <a:srgbClr val="000000"/>
+                  </a:solidFill>
+                  <a:miter lim="800000"/>
+                  <a:headEnd/>
+                  <a:tailEnd/>
+                </a14:hiddenLine>
+              </a:ext>
+            </a:extLst>
+          </p:spPr>
+          <p:txBody>
+            <a:bodyPr vert="horz" wrap="square" lIns="91440" tIns="45720" rIns="91440" bIns="45720" numCol="1" anchor="t" anchorCtr="0" compatLnSpc="1">
+              <a:prstTxWarp prst="textNoShape">
+                <a:avLst/>
+              </a:prstTxWarp>
+            </a:bodyPr>
+            <a:lstStyle/>
+            <a:p>
+              <a:endParaRPr lang="en-US"/>
+            </a:p>
+          </p:txBody>
+        </p:sp>
+        <p:sp>
+          <p:nvSpPr>
+            <p:cNvPr id="49" name="Rectangle 5">
+              <a:extLst>
+                <a:ext uri="{FF2B5EF4-FFF2-40B4-BE49-F238E27FC236}">
+                  <a16:creationId xmlns:a16="http://schemas.microsoft.com/office/drawing/2014/main" id="{68670C55-142A-47F4-A125-7E0D707828E9}"/>
+                </a:ext>
+              </a:extLst>
+            </p:cNvPr>
+            <p:cNvSpPr>
+              <a:spLocks noChangeArrowheads="1"/>
+            </p:cNvSpPr>
+            <p:nvPr/>
+          </p:nvSpPr>
+          <p:spPr bwMode="auto">
+            <a:xfrm>
+              <a:off x="-1959" y="1767"/>
+              <a:ext cx="13" cy="245"/>
+            </a:xfrm>
+            <a:prstGeom prst="rect">
+              <a:avLst/>
+            </a:prstGeom>
+            <a:solidFill>
+              <a:schemeClr val="tx1"/>
+            </a:solidFill>
+            <a:ln>
+              <a:noFill/>
+            </a:ln>
+            <a:extLst>
+              <a:ext uri="{91240B29-F687-4F45-9708-019B960494DF}">
+                <a14:hiddenLine xmlns:a14="http://schemas.microsoft.com/office/drawing/2010/main" w="9525">
+                  <a:solidFill>
+                    <a:srgbClr val="000000"/>
+                  </a:solidFill>
+                  <a:miter lim="800000"/>
+                  <a:headEnd/>
+                  <a:tailEnd/>
+                </a14:hiddenLine>
+              </a:ext>
+            </a:extLst>
+          </p:spPr>
+          <p:txBody>
+            <a:bodyPr vert="horz" wrap="square" lIns="91440" tIns="45720" rIns="91440" bIns="45720" numCol="1" anchor="t" anchorCtr="0" compatLnSpc="1">
+              <a:prstTxWarp prst="textNoShape">
+                <a:avLst/>
+              </a:prstTxWarp>
+            </a:bodyPr>
+            <a:lstStyle/>
+            <a:p>
+              <a:endParaRPr lang="en-US"/>
+            </a:p>
+          </p:txBody>
+        </p:sp>
+        <p:sp>
+          <p:nvSpPr>
+            <p:cNvPr id="50" name="Rectangle 6">
+              <a:extLst>
+                <a:ext uri="{FF2B5EF4-FFF2-40B4-BE49-F238E27FC236}">
+                  <a16:creationId xmlns:a16="http://schemas.microsoft.com/office/drawing/2014/main" id="{682BACFB-7883-4EF8-AB53-C1CE061E831D}"/>
+                </a:ext>
+              </a:extLst>
+            </p:cNvPr>
+            <p:cNvSpPr>
+              <a:spLocks noChangeArrowheads="1"/>
+            </p:cNvSpPr>
+            <p:nvPr/>
+          </p:nvSpPr>
+          <p:spPr bwMode="auto">
+            <a:xfrm>
+              <a:off x="-2141" y="1767"/>
+              <a:ext cx="13" cy="245"/>
+            </a:xfrm>
+            <a:prstGeom prst="rect">
+              <a:avLst/>
+            </a:prstGeom>
+            <a:solidFill>
+              <a:schemeClr val="tx1"/>
+            </a:solidFill>
+            <a:ln>
+              <a:noFill/>
+            </a:ln>
+            <a:extLst>
+              <a:ext uri="{91240B29-F687-4F45-9708-019B960494DF}">
+                <a14:hiddenLine xmlns:a14="http://schemas.microsoft.com/office/drawing/2010/main" w="9525">
+                  <a:solidFill>
+                    <a:srgbClr val="000000"/>
+                  </a:solidFill>
+                  <a:miter lim="800000"/>
+                  <a:headEnd/>
+                  <a:tailEnd/>
+                </a14:hiddenLine>
+              </a:ext>
+            </a:extLst>
+          </p:spPr>
+          <p:txBody>
+            <a:bodyPr vert="horz" wrap="square" lIns="91440" tIns="45720" rIns="91440" bIns="45720" numCol="1" anchor="t" anchorCtr="0" compatLnSpc="1">
+              <a:prstTxWarp prst="textNoShape">
+                <a:avLst/>
+              </a:prstTxWarp>
+            </a:bodyPr>
+            <a:lstStyle/>
+            <a:p>
+              <a:endParaRPr lang="en-US"/>
+            </a:p>
+          </p:txBody>
+        </p:sp>
+        <p:sp>
+          <p:nvSpPr>
+            <p:cNvPr id="51" name="Freeform 7">
+              <a:extLst>
+                <a:ext uri="{FF2B5EF4-FFF2-40B4-BE49-F238E27FC236}">
+                  <a16:creationId xmlns:a16="http://schemas.microsoft.com/office/drawing/2014/main" id="{6427E4A7-BC85-43A2-B8DA-452DF1C83A56}"/>
+                </a:ext>
+              </a:extLst>
+            </p:cNvPr>
+            <p:cNvSpPr>
+              <a:spLocks/>
+            </p:cNvSpPr>
+            <p:nvPr/>
+          </p:nvSpPr>
+          <p:spPr bwMode="auto">
+            <a:xfrm>
+              <a:off x="-2151" y="1488"/>
+              <a:ext cx="218" cy="376"/>
+            </a:xfrm>
+            <a:custGeom>
+              <a:avLst/>
+              <a:gdLst>
+                <a:gd name="T0" fmla="*/ 70 w 218"/>
+                <a:gd name="T1" fmla="*/ 0 h 376"/>
+                <a:gd name="T2" fmla="*/ 70 w 218"/>
+                <a:gd name="T3" fmla="*/ 0 h 376"/>
+                <a:gd name="T4" fmla="*/ 70 w 218"/>
+                <a:gd name="T5" fmla="*/ 74 h 376"/>
+                <a:gd name="T6" fmla="*/ 70 w 218"/>
+                <a:gd name="T7" fmla="*/ 74 h 376"/>
+                <a:gd name="T8" fmla="*/ 24 w 218"/>
+                <a:gd name="T9" fmla="*/ 74 h 376"/>
+                <a:gd name="T10" fmla="*/ 0 w 218"/>
+                <a:gd name="T11" fmla="*/ 101 h 376"/>
+                <a:gd name="T12" fmla="*/ 0 w 218"/>
+                <a:gd name="T13" fmla="*/ 300 h 376"/>
+                <a:gd name="T14" fmla="*/ 37 w 218"/>
+                <a:gd name="T15" fmla="*/ 376 h 376"/>
+                <a:gd name="T16" fmla="*/ 38 w 218"/>
+                <a:gd name="T17" fmla="*/ 376 h 376"/>
+                <a:gd name="T18" fmla="*/ 38 w 218"/>
+                <a:gd name="T19" fmla="*/ 376 h 376"/>
+                <a:gd name="T20" fmla="*/ 180 w 218"/>
+                <a:gd name="T21" fmla="*/ 376 h 376"/>
+                <a:gd name="T22" fmla="*/ 180 w 218"/>
+                <a:gd name="T23" fmla="*/ 376 h 376"/>
+                <a:gd name="T24" fmla="*/ 181 w 218"/>
+                <a:gd name="T25" fmla="*/ 374 h 376"/>
+                <a:gd name="T26" fmla="*/ 181 w 218"/>
+                <a:gd name="T27" fmla="*/ 373 h 376"/>
+                <a:gd name="T28" fmla="*/ 218 w 218"/>
+                <a:gd name="T29" fmla="*/ 300 h 376"/>
+                <a:gd name="T30" fmla="*/ 218 w 218"/>
+                <a:gd name="T31" fmla="*/ 101 h 376"/>
+                <a:gd name="T32" fmla="*/ 192 w 218"/>
+                <a:gd name="T33" fmla="*/ 74 h 376"/>
+                <a:gd name="T34" fmla="*/ 192 w 218"/>
+                <a:gd name="T35" fmla="*/ 74 h 376"/>
+                <a:gd name="T36" fmla="*/ 146 w 218"/>
+                <a:gd name="T37" fmla="*/ 74 h 376"/>
+                <a:gd name="T38" fmla="*/ 146 w 218"/>
+                <a:gd name="T39" fmla="*/ 74 h 376"/>
+                <a:gd name="T40" fmla="*/ 146 w 218"/>
+                <a:gd name="T41" fmla="*/ 0 h 376"/>
+                <a:gd name="T42" fmla="*/ 70 w 218"/>
+                <a:gd name="T43" fmla="*/ 0 h 376"/>
+              </a:gdLst>
+              <a:ahLst/>
+              <a:cxnLst>
+                <a:cxn ang="0">
+                  <a:pos x="T0" y="T1"/>
+                </a:cxn>
+                <a:cxn ang="0">
+                  <a:pos x="T2" y="T3"/>
+                </a:cxn>
+                <a:cxn ang="0">
+                  <a:pos x="T4" y="T5"/>
+                </a:cxn>
+                <a:cxn ang="0">
+                  <a:pos x="T6" y="T7"/>
+                </a:cxn>
+                <a:cxn ang="0">
+                  <a:pos x="T8" y="T9"/>
+                </a:cxn>
+                <a:cxn ang="0">
+                  <a:pos x="T10" y="T11"/>
+                </a:cxn>
+                <a:cxn ang="0">
+                  <a:pos x="T12" y="T13"/>
+                </a:cxn>
+                <a:cxn ang="0">
+                  <a:pos x="T14" y="T15"/>
+                </a:cxn>
+                <a:cxn ang="0">
+                  <a:pos x="T16" y="T17"/>
+                </a:cxn>
+                <a:cxn ang="0">
+                  <a:pos x="T18" y="T19"/>
+                </a:cxn>
+                <a:cxn ang="0">
+                  <a:pos x="T20" y="T21"/>
+                </a:cxn>
+                <a:cxn ang="0">
+                  <a:pos x="T22" y="T23"/>
+                </a:cxn>
+                <a:cxn ang="0">
+                  <a:pos x="T24" y="T25"/>
+                </a:cxn>
+                <a:cxn ang="0">
+                  <a:pos x="T26" y="T27"/>
+                </a:cxn>
+                <a:cxn ang="0">
+                  <a:pos x="T28" y="T29"/>
+                </a:cxn>
+                <a:cxn ang="0">
+                  <a:pos x="T30" y="T31"/>
+                </a:cxn>
+                <a:cxn ang="0">
+                  <a:pos x="T32" y="T33"/>
+                </a:cxn>
+                <a:cxn ang="0">
+                  <a:pos x="T34" y="T35"/>
+                </a:cxn>
+                <a:cxn ang="0">
+                  <a:pos x="T36" y="T37"/>
+                </a:cxn>
+                <a:cxn ang="0">
+                  <a:pos x="T38" y="T39"/>
+                </a:cxn>
+                <a:cxn ang="0">
+                  <a:pos x="T40" y="T41"/>
+                </a:cxn>
+                <a:cxn ang="0">
+                  <a:pos x="T42" y="T43"/>
+                </a:cxn>
+              </a:cxnLst>
+              <a:rect l="0" t="0" r="r" b="b"/>
+              <a:pathLst>
+                <a:path w="218" h="376">
+                  <a:moveTo>
+                    <a:pt x="70" y="0"/>
+                  </a:moveTo>
+                  <a:lnTo>
+                    <a:pt x="70" y="0"/>
+                  </a:lnTo>
+                  <a:lnTo>
+                    <a:pt x="70" y="74"/>
+                  </a:lnTo>
+                  <a:lnTo>
+                    <a:pt x="70" y="74"/>
+                  </a:lnTo>
+                  <a:lnTo>
+                    <a:pt x="24" y="74"/>
+                  </a:lnTo>
+                  <a:lnTo>
+                    <a:pt x="0" y="101"/>
+                  </a:lnTo>
+                  <a:lnTo>
+                    <a:pt x="0" y="300"/>
+                  </a:lnTo>
+                  <a:lnTo>
+                    <a:pt x="37" y="376"/>
+                  </a:lnTo>
+                  <a:lnTo>
+                    <a:pt x="38" y="376"/>
+                  </a:lnTo>
+                  <a:lnTo>
+                    <a:pt x="38" y="376"/>
+                  </a:lnTo>
+                  <a:lnTo>
+                    <a:pt x="180" y="376"/>
+                  </a:lnTo>
+                  <a:lnTo>
+                    <a:pt x="180" y="376"/>
+                  </a:lnTo>
+                  <a:lnTo>
+                    <a:pt x="181" y="374"/>
+                  </a:lnTo>
+                  <a:lnTo>
+                    <a:pt x="181" y="373"/>
+                  </a:lnTo>
+                  <a:lnTo>
+                    <a:pt x="218" y="300"/>
+                  </a:lnTo>
+                  <a:lnTo>
+                    <a:pt x="218" y="101"/>
+                  </a:lnTo>
+                  <a:lnTo>
+                    <a:pt x="192" y="74"/>
+                  </a:lnTo>
+                  <a:lnTo>
+                    <a:pt x="192" y="74"/>
+                  </a:lnTo>
+                  <a:lnTo>
+                    <a:pt x="146" y="74"/>
+                  </a:lnTo>
+                  <a:lnTo>
+                    <a:pt x="146" y="74"/>
+                  </a:lnTo>
+                  <a:lnTo>
+                    <a:pt x="146" y="0"/>
+                  </a:lnTo>
+                  <a:lnTo>
+                    <a:pt x="70" y="0"/>
+                  </a:lnTo>
+                  <a:close/>
+                </a:path>
+              </a:pathLst>
+            </a:custGeom>
+            <a:solidFill>
+              <a:srgbClr val="FDCC99"/>
+            </a:solidFill>
+            <a:ln>
+              <a:noFill/>
+            </a:ln>
+            <a:extLst>
+              <a:ext uri="{91240B29-F687-4F45-9708-019B960494DF}">
+                <a14:hiddenLine xmlns:a14="http://schemas.microsoft.com/office/drawing/2010/main" w="9525">
+                  <a:solidFill>
+                    <a:srgbClr val="000000"/>
+                  </a:solidFill>
+                  <a:round/>
+                  <a:headEnd/>
+                  <a:tailEnd/>
+                </a14:hiddenLine>
+              </a:ext>
+            </a:extLst>
+          </p:spPr>
+          <p:txBody>
+            <a:bodyPr vert="horz" wrap="square" lIns="91440" tIns="45720" rIns="91440" bIns="45720" numCol="1" anchor="t" anchorCtr="0" compatLnSpc="1">
+              <a:prstTxWarp prst="textNoShape">
+                <a:avLst/>
+              </a:prstTxWarp>
+            </a:bodyPr>
+            <a:lstStyle/>
+            <a:p>
+              <a:endParaRPr lang="en-US"/>
+            </a:p>
+          </p:txBody>
+        </p:sp>
+        <p:sp>
+          <p:nvSpPr>
+            <p:cNvPr id="52" name="Line 8">
+              <a:extLst>
+                <a:ext uri="{FF2B5EF4-FFF2-40B4-BE49-F238E27FC236}">
+                  <a16:creationId xmlns:a16="http://schemas.microsoft.com/office/drawing/2014/main" id="{A8FA011E-E72D-479E-A824-E6EA609F4DD0}"/>
+                </a:ext>
+              </a:extLst>
+            </p:cNvPr>
+            <p:cNvSpPr>
+              <a:spLocks noChangeShapeType="1"/>
+            </p:cNvSpPr>
+            <p:nvPr/>
+          </p:nvSpPr>
+          <p:spPr bwMode="auto">
+            <a:xfrm>
+              <a:off x="-2081" y="1488"/>
+              <a:ext cx="0" cy="0"/>
+            </a:xfrm>
+            <a:prstGeom prst="line">
+              <a:avLst/>
+            </a:prstGeom>
+            <a:noFill/>
+            <a:ln w="12700">
+              <a:solidFill>
+                <a:srgbClr val="000000"/>
+              </a:solidFill>
+              <a:prstDash val="solid"/>
+              <a:round/>
+              <a:headEnd/>
+              <a:tailEnd/>
+            </a:ln>
+            <a:extLst>
+              <a:ext uri="{909E8E84-426E-40DD-AFC4-6F175D3DCCD1}">
+                <a14:hiddenFill xmlns:a14="http://schemas.microsoft.com/office/drawing/2010/main">
+                  <a:noFill/>
+                </a14:hiddenFill>
+              </a:ext>
+            </a:extLst>
+          </p:spPr>
+          <p:txBody>
+            <a:bodyPr vert="horz" wrap="square" lIns="91440" tIns="45720" rIns="91440" bIns="45720" numCol="1" anchor="t" anchorCtr="0" compatLnSpc="1">
+              <a:prstTxWarp prst="textNoShape">
+                <a:avLst/>
+              </a:prstTxWarp>
+            </a:bodyPr>
+            <a:lstStyle/>
+            <a:p>
+              <a:endParaRPr lang="en-US"/>
+            </a:p>
+          </p:txBody>
+        </p:sp>
+        <p:sp>
+          <p:nvSpPr>
+            <p:cNvPr id="53" name="Line 9">
+              <a:extLst>
+                <a:ext uri="{FF2B5EF4-FFF2-40B4-BE49-F238E27FC236}">
+                  <a16:creationId xmlns:a16="http://schemas.microsoft.com/office/drawing/2014/main" id="{93737344-D9EF-4F4D-87A4-A20A0026C99A}"/>
+                </a:ext>
+              </a:extLst>
+            </p:cNvPr>
+            <p:cNvSpPr>
+              <a:spLocks noChangeShapeType="1"/>
+            </p:cNvSpPr>
+            <p:nvPr/>
+          </p:nvSpPr>
+          <p:spPr bwMode="auto">
+            <a:xfrm>
+              <a:off x="-2081" y="1488"/>
+              <a:ext cx="0" cy="74"/>
+            </a:xfrm>
+            <a:prstGeom prst="line">
+              <a:avLst/>
+            </a:prstGeom>
+            <a:noFill/>
+            <a:ln w="12700">
+              <a:solidFill>
+                <a:srgbClr val="000000"/>
+              </a:solidFill>
+              <a:prstDash val="solid"/>
+              <a:round/>
+              <a:headEnd/>
+              <a:tailEnd/>
+            </a:ln>
+            <a:extLst>
+              <a:ext uri="{909E8E84-426E-40DD-AFC4-6F175D3DCCD1}">
+                <a14:hiddenFill xmlns:a14="http://schemas.microsoft.com/office/drawing/2010/main">
+                  <a:noFill/>
+                </a14:hiddenFill>
+              </a:ext>
+            </a:extLst>
+          </p:spPr>
+          <p:txBody>
+            <a:bodyPr vert="horz" wrap="square" lIns="91440" tIns="45720" rIns="91440" bIns="45720" numCol="1" anchor="t" anchorCtr="0" compatLnSpc="1">
+              <a:prstTxWarp prst="textNoShape">
+                <a:avLst/>
+              </a:prstTxWarp>
+            </a:bodyPr>
+            <a:lstStyle/>
+            <a:p>
+              <a:endParaRPr lang="en-US"/>
+            </a:p>
+          </p:txBody>
+        </p:sp>
+        <p:sp>
+          <p:nvSpPr>
+            <p:cNvPr id="54" name="Line 10">
+              <a:extLst>
+                <a:ext uri="{FF2B5EF4-FFF2-40B4-BE49-F238E27FC236}">
+                  <a16:creationId xmlns:a16="http://schemas.microsoft.com/office/drawing/2014/main" id="{E1A7A3AA-2E52-4AAB-9962-CCAF4838C384}"/>
+                </a:ext>
+              </a:extLst>
+            </p:cNvPr>
+            <p:cNvSpPr>
+              <a:spLocks noChangeShapeType="1"/>
+            </p:cNvSpPr>
+            <p:nvPr/>
+          </p:nvSpPr>
+          <p:spPr bwMode="auto">
+            <a:xfrm>
+              <a:off x="-2081" y="1562"/>
+              <a:ext cx="0" cy="0"/>
+            </a:xfrm>
+            <a:prstGeom prst="line">
+              <a:avLst/>
+            </a:prstGeom>
+            <a:noFill/>
+            <a:ln w="12700">
+              <a:solidFill>
+                <a:srgbClr val="000000"/>
+              </a:solidFill>
+              <a:prstDash val="solid"/>
+              <a:round/>
+              <a:headEnd/>
+              <a:tailEnd/>
+            </a:ln>
+            <a:extLst>
+              <a:ext uri="{909E8E84-426E-40DD-AFC4-6F175D3DCCD1}">
+                <a14:hiddenFill xmlns:a14="http://schemas.microsoft.com/office/drawing/2010/main">
+                  <a:noFill/>
+                </a14:hiddenFill>
+              </a:ext>
+            </a:extLst>
+          </p:spPr>
+          <p:txBody>
+            <a:bodyPr vert="horz" wrap="square" lIns="91440" tIns="45720" rIns="91440" bIns="45720" numCol="1" anchor="t" anchorCtr="0" compatLnSpc="1">
+              <a:prstTxWarp prst="textNoShape">
+                <a:avLst/>
+              </a:prstTxWarp>
+            </a:bodyPr>
+            <a:lstStyle/>
+            <a:p>
+              <a:endParaRPr lang="en-US"/>
+            </a:p>
+          </p:txBody>
+        </p:sp>
+        <p:sp>
+          <p:nvSpPr>
+            <p:cNvPr id="55" name="Line 11">
+              <a:extLst>
+                <a:ext uri="{FF2B5EF4-FFF2-40B4-BE49-F238E27FC236}">
+                  <a16:creationId xmlns:a16="http://schemas.microsoft.com/office/drawing/2014/main" id="{6C951B5D-443B-47FB-842F-5FFEE21B4612}"/>
+                </a:ext>
+              </a:extLst>
+            </p:cNvPr>
+            <p:cNvSpPr>
+              <a:spLocks noChangeShapeType="1"/>
+            </p:cNvSpPr>
+            <p:nvPr/>
+          </p:nvSpPr>
+          <p:spPr bwMode="auto">
+            <a:xfrm flipH="1">
+              <a:off x="-2127" y="1562"/>
+              <a:ext cx="46" cy="0"/>
+            </a:xfrm>
+            <a:prstGeom prst="line">
+              <a:avLst/>
+            </a:prstGeom>
+            <a:noFill/>
+            <a:ln w="12700">
+              <a:solidFill>
+                <a:srgbClr val="000000"/>
+              </a:solidFill>
+              <a:prstDash val="solid"/>
+              <a:round/>
+              <a:headEnd/>
+              <a:tailEnd/>
+            </a:ln>
+            <a:extLst>
+              <a:ext uri="{909E8E84-426E-40DD-AFC4-6F175D3DCCD1}">
+                <a14:hiddenFill xmlns:a14="http://schemas.microsoft.com/office/drawing/2010/main">
+                  <a:noFill/>
+                </a14:hiddenFill>
+              </a:ext>
+            </a:extLst>
+          </p:spPr>
+          <p:txBody>
+            <a:bodyPr vert="horz" wrap="square" lIns="91440" tIns="45720" rIns="91440" bIns="45720" numCol="1" anchor="t" anchorCtr="0" compatLnSpc="1">
+              <a:prstTxWarp prst="textNoShape">
+                <a:avLst/>
+              </a:prstTxWarp>
+            </a:bodyPr>
+            <a:lstStyle/>
+            <a:p>
+              <a:endParaRPr lang="en-US"/>
+            </a:p>
+          </p:txBody>
+        </p:sp>
+        <p:sp>
+          <p:nvSpPr>
+            <p:cNvPr id="56" name="Line 12">
+              <a:extLst>
+                <a:ext uri="{FF2B5EF4-FFF2-40B4-BE49-F238E27FC236}">
+                  <a16:creationId xmlns:a16="http://schemas.microsoft.com/office/drawing/2014/main" id="{D573A1F5-4DE7-4CE0-82BC-E0B032CE9662}"/>
+                </a:ext>
+              </a:extLst>
+            </p:cNvPr>
+            <p:cNvSpPr>
+              <a:spLocks noChangeShapeType="1"/>
+            </p:cNvSpPr>
+            <p:nvPr/>
+          </p:nvSpPr>
+          <p:spPr bwMode="auto">
+            <a:xfrm flipH="1">
+              <a:off x="-2151" y="1562"/>
+              <a:ext cx="24" cy="27"/>
+            </a:xfrm>
+            <a:prstGeom prst="line">
+              <a:avLst/>
+            </a:prstGeom>
+            <a:noFill/>
+            <a:ln w="17463">
+              <a:solidFill>
+                <a:srgbClr val="000000"/>
+              </a:solidFill>
+              <a:prstDash val="solid"/>
+              <a:round/>
+              <a:headEnd/>
+              <a:tailEnd/>
+            </a:ln>
+            <a:extLst>
+              <a:ext uri="{909E8E84-426E-40DD-AFC4-6F175D3DCCD1}">
+                <a14:hiddenFill xmlns:a14="http://schemas.microsoft.com/office/drawing/2010/main">
+                  <a:noFill/>
+                </a14:hiddenFill>
+              </a:ext>
+            </a:extLst>
+          </p:spPr>
+          <p:txBody>
+            <a:bodyPr vert="horz" wrap="square" lIns="91440" tIns="45720" rIns="91440" bIns="45720" numCol="1" anchor="t" anchorCtr="0" compatLnSpc="1">
+              <a:prstTxWarp prst="textNoShape">
+                <a:avLst/>
+              </a:prstTxWarp>
+            </a:bodyPr>
+            <a:lstStyle/>
+            <a:p>
+              <a:endParaRPr lang="en-US"/>
+            </a:p>
+          </p:txBody>
+        </p:sp>
+        <p:sp>
+          <p:nvSpPr>
+            <p:cNvPr id="57" name="Line 13">
+              <a:extLst>
+                <a:ext uri="{FF2B5EF4-FFF2-40B4-BE49-F238E27FC236}">
+                  <a16:creationId xmlns:a16="http://schemas.microsoft.com/office/drawing/2014/main" id="{084663A3-5D14-4FD0-8048-DC60034B99E3}"/>
+                </a:ext>
+              </a:extLst>
+            </p:cNvPr>
+            <p:cNvSpPr>
+              <a:spLocks noChangeShapeType="1"/>
+            </p:cNvSpPr>
+            <p:nvPr/>
+          </p:nvSpPr>
+          <p:spPr bwMode="auto">
+            <a:xfrm>
+              <a:off x="-2151" y="1589"/>
+              <a:ext cx="0" cy="199"/>
+            </a:xfrm>
+            <a:prstGeom prst="line">
+              <a:avLst/>
+            </a:prstGeom>
+            <a:noFill/>
+            <a:ln w="12700">
+              <a:solidFill>
+                <a:srgbClr val="000000"/>
+              </a:solidFill>
+              <a:prstDash val="solid"/>
+              <a:round/>
+              <a:headEnd/>
+              <a:tailEnd/>
+            </a:ln>
+            <a:extLst>
+              <a:ext uri="{909E8E84-426E-40DD-AFC4-6F175D3DCCD1}">
+                <a14:hiddenFill xmlns:a14="http://schemas.microsoft.com/office/drawing/2010/main">
+                  <a:noFill/>
+                </a14:hiddenFill>
+              </a:ext>
+            </a:extLst>
+          </p:spPr>
+          <p:txBody>
+            <a:bodyPr vert="horz" wrap="square" lIns="91440" tIns="45720" rIns="91440" bIns="45720" numCol="1" anchor="t" anchorCtr="0" compatLnSpc="1">
+              <a:prstTxWarp prst="textNoShape">
+                <a:avLst/>
+              </a:prstTxWarp>
+            </a:bodyPr>
+            <a:lstStyle/>
+            <a:p>
+              <a:endParaRPr lang="en-US"/>
+            </a:p>
+          </p:txBody>
+        </p:sp>
+        <p:sp>
+          <p:nvSpPr>
+            <p:cNvPr id="58" name="Line 14">
+              <a:extLst>
+                <a:ext uri="{FF2B5EF4-FFF2-40B4-BE49-F238E27FC236}">
+                  <a16:creationId xmlns:a16="http://schemas.microsoft.com/office/drawing/2014/main" id="{7E11B349-1AF9-4CD7-90A1-7728F1029DA4}"/>
+                </a:ext>
+              </a:extLst>
+            </p:cNvPr>
+            <p:cNvSpPr>
+              <a:spLocks noChangeShapeType="1"/>
+            </p:cNvSpPr>
+            <p:nvPr/>
+          </p:nvSpPr>
+          <p:spPr bwMode="auto">
+            <a:xfrm>
+              <a:off x="-2151" y="1788"/>
+              <a:ext cx="37" cy="76"/>
+            </a:xfrm>
+            <a:prstGeom prst="line">
+              <a:avLst/>
+            </a:prstGeom>
+            <a:noFill/>
+            <a:ln w="17463">
+              <a:solidFill>
+                <a:srgbClr val="000000"/>
+              </a:solidFill>
+              <a:prstDash val="solid"/>
+              <a:round/>
+              <a:headEnd/>
+              <a:tailEnd/>
+            </a:ln>
+            <a:extLst>
+              <a:ext uri="{909E8E84-426E-40DD-AFC4-6F175D3DCCD1}">
+                <a14:hiddenFill xmlns:a14="http://schemas.microsoft.com/office/drawing/2010/main">
+                  <a:noFill/>
+                </a14:hiddenFill>
+              </a:ext>
+            </a:extLst>
+          </p:spPr>
+          <p:txBody>
+            <a:bodyPr vert="horz" wrap="square" lIns="91440" tIns="45720" rIns="91440" bIns="45720" numCol="1" anchor="t" anchorCtr="0" compatLnSpc="1">
+              <a:prstTxWarp prst="textNoShape">
+                <a:avLst/>
+              </a:prstTxWarp>
+            </a:bodyPr>
+            <a:lstStyle/>
+            <a:p>
+              <a:endParaRPr lang="en-US"/>
+            </a:p>
+          </p:txBody>
+        </p:sp>
+        <p:sp>
+          <p:nvSpPr>
+            <p:cNvPr id="59" name="Line 15">
+              <a:extLst>
+                <a:ext uri="{FF2B5EF4-FFF2-40B4-BE49-F238E27FC236}">
+                  <a16:creationId xmlns:a16="http://schemas.microsoft.com/office/drawing/2014/main" id="{BD892084-E419-4057-8A78-D39F07A0685C}"/>
+                </a:ext>
+              </a:extLst>
+            </p:cNvPr>
+            <p:cNvSpPr>
+              <a:spLocks noChangeShapeType="1"/>
+            </p:cNvSpPr>
+            <p:nvPr/>
+          </p:nvSpPr>
+          <p:spPr bwMode="auto">
+            <a:xfrm>
+              <a:off x="-2114" y="1864"/>
+              <a:ext cx="1" cy="0"/>
+            </a:xfrm>
+            <a:prstGeom prst="line">
+              <a:avLst/>
+            </a:prstGeom>
+            <a:noFill/>
+            <a:ln w="12700">
+              <a:solidFill>
+                <a:srgbClr val="000000"/>
+              </a:solidFill>
+              <a:prstDash val="solid"/>
+              <a:round/>
+              <a:headEnd/>
+              <a:tailEnd/>
+            </a:ln>
+            <a:extLst>
+              <a:ext uri="{909E8E84-426E-40DD-AFC4-6F175D3DCCD1}">
+                <a14:hiddenFill xmlns:a14="http://schemas.microsoft.com/office/drawing/2010/main">
+                  <a:noFill/>
+                </a14:hiddenFill>
+              </a:ext>
+            </a:extLst>
+          </p:spPr>
+          <p:txBody>
+            <a:bodyPr vert="horz" wrap="square" lIns="91440" tIns="45720" rIns="91440" bIns="45720" numCol="1" anchor="t" anchorCtr="0" compatLnSpc="1">
+              <a:prstTxWarp prst="textNoShape">
+                <a:avLst/>
+              </a:prstTxWarp>
+            </a:bodyPr>
+            <a:lstStyle/>
+            <a:p>
+              <a:endParaRPr lang="en-US"/>
+            </a:p>
+          </p:txBody>
+        </p:sp>
+        <p:sp>
+          <p:nvSpPr>
+            <p:cNvPr id="60" name="Line 16">
+              <a:extLst>
+                <a:ext uri="{FF2B5EF4-FFF2-40B4-BE49-F238E27FC236}">
+                  <a16:creationId xmlns:a16="http://schemas.microsoft.com/office/drawing/2014/main" id="{0EBDD544-F84D-49DD-A3DA-F770209BCC1C}"/>
+                </a:ext>
+              </a:extLst>
+            </p:cNvPr>
+            <p:cNvSpPr>
+              <a:spLocks noChangeShapeType="1"/>
+            </p:cNvSpPr>
+            <p:nvPr/>
+          </p:nvSpPr>
+          <p:spPr bwMode="auto">
+            <a:xfrm>
+              <a:off x="-2113" y="1864"/>
+              <a:ext cx="0" cy="0"/>
+            </a:xfrm>
+            <a:prstGeom prst="line">
+              <a:avLst/>
+            </a:prstGeom>
+            <a:noFill/>
+            <a:ln w="12700">
+              <a:solidFill>
+                <a:srgbClr val="000000"/>
+              </a:solidFill>
+              <a:prstDash val="solid"/>
+              <a:round/>
+              <a:headEnd/>
+              <a:tailEnd/>
+            </a:ln>
+            <a:extLst>
+              <a:ext uri="{909E8E84-426E-40DD-AFC4-6F175D3DCCD1}">
+                <a14:hiddenFill xmlns:a14="http://schemas.microsoft.com/office/drawing/2010/main">
+                  <a:noFill/>
+                </a14:hiddenFill>
+              </a:ext>
+            </a:extLst>
+          </p:spPr>
+          <p:txBody>
+            <a:bodyPr vert="horz" wrap="square" lIns="91440" tIns="45720" rIns="91440" bIns="45720" numCol="1" anchor="t" anchorCtr="0" compatLnSpc="1">
+              <a:prstTxWarp prst="textNoShape">
+                <a:avLst/>
+              </a:prstTxWarp>
+            </a:bodyPr>
+            <a:lstStyle/>
+            <a:p>
+              <a:endParaRPr lang="en-US"/>
+            </a:p>
+          </p:txBody>
+        </p:sp>
+        <p:sp>
+          <p:nvSpPr>
+            <p:cNvPr id="61" name="Line 17">
+              <a:extLst>
+                <a:ext uri="{FF2B5EF4-FFF2-40B4-BE49-F238E27FC236}">
+                  <a16:creationId xmlns:a16="http://schemas.microsoft.com/office/drawing/2014/main" id="{AA2EC43A-B5BE-42E6-BB95-72FECC3ADB43}"/>
+                </a:ext>
+              </a:extLst>
+            </p:cNvPr>
+            <p:cNvSpPr>
+              <a:spLocks noChangeShapeType="1"/>
+            </p:cNvSpPr>
+            <p:nvPr/>
+          </p:nvSpPr>
+          <p:spPr bwMode="auto">
+            <a:xfrm>
+              <a:off x="-2113" y="1864"/>
+              <a:ext cx="142" cy="0"/>
+            </a:xfrm>
+            <a:prstGeom prst="line">
+              <a:avLst/>
+            </a:prstGeom>
+            <a:noFill/>
+            <a:ln w="12700">
+              <a:solidFill>
+                <a:srgbClr val="000000"/>
+              </a:solidFill>
+              <a:prstDash val="solid"/>
+              <a:round/>
+              <a:headEnd/>
+              <a:tailEnd/>
+            </a:ln>
+            <a:extLst>
+              <a:ext uri="{909E8E84-426E-40DD-AFC4-6F175D3DCCD1}">
+                <a14:hiddenFill xmlns:a14="http://schemas.microsoft.com/office/drawing/2010/main">
+                  <a:noFill/>
+                </a14:hiddenFill>
+              </a:ext>
+            </a:extLst>
+          </p:spPr>
+          <p:txBody>
+            <a:bodyPr vert="horz" wrap="square" lIns="91440" tIns="45720" rIns="91440" bIns="45720" numCol="1" anchor="t" anchorCtr="0" compatLnSpc="1">
+              <a:prstTxWarp prst="textNoShape">
+                <a:avLst/>
+              </a:prstTxWarp>
+            </a:bodyPr>
+            <a:lstStyle/>
+            <a:p>
+              <a:endParaRPr lang="en-US"/>
+            </a:p>
+          </p:txBody>
+        </p:sp>
+        <p:sp>
+          <p:nvSpPr>
+            <p:cNvPr id="63" name="Line 18">
+              <a:extLst>
+                <a:ext uri="{FF2B5EF4-FFF2-40B4-BE49-F238E27FC236}">
+                  <a16:creationId xmlns:a16="http://schemas.microsoft.com/office/drawing/2014/main" id="{740B2636-72B9-46A2-8E1F-A923CECE54D5}"/>
+                </a:ext>
+              </a:extLst>
+            </p:cNvPr>
+            <p:cNvSpPr>
+              <a:spLocks noChangeShapeType="1"/>
+            </p:cNvSpPr>
+            <p:nvPr/>
+          </p:nvSpPr>
+          <p:spPr bwMode="auto">
+            <a:xfrm>
+              <a:off x="-1971" y="1864"/>
+              <a:ext cx="0" cy="0"/>
+            </a:xfrm>
+            <a:prstGeom prst="line">
+              <a:avLst/>
+            </a:prstGeom>
+            <a:noFill/>
+            <a:ln w="12700">
+              <a:solidFill>
+                <a:srgbClr val="000000"/>
+              </a:solidFill>
+              <a:prstDash val="solid"/>
+              <a:round/>
+              <a:headEnd/>
+              <a:tailEnd/>
+            </a:ln>
+            <a:extLst>
+              <a:ext uri="{909E8E84-426E-40DD-AFC4-6F175D3DCCD1}">
+                <a14:hiddenFill xmlns:a14="http://schemas.microsoft.com/office/drawing/2010/main">
+                  <a:noFill/>
+                </a14:hiddenFill>
+              </a:ext>
+            </a:extLst>
+          </p:spPr>
+          <p:txBody>
+            <a:bodyPr vert="horz" wrap="square" lIns="91440" tIns="45720" rIns="91440" bIns="45720" numCol="1" anchor="t" anchorCtr="0" compatLnSpc="1">
+              <a:prstTxWarp prst="textNoShape">
+                <a:avLst/>
+              </a:prstTxWarp>
+            </a:bodyPr>
+            <a:lstStyle/>
+            <a:p>
+              <a:endParaRPr lang="en-US"/>
+            </a:p>
+          </p:txBody>
+        </p:sp>
+        <p:sp>
+          <p:nvSpPr>
+            <p:cNvPr id="64" name="Line 19">
+              <a:extLst>
+                <a:ext uri="{FF2B5EF4-FFF2-40B4-BE49-F238E27FC236}">
+                  <a16:creationId xmlns:a16="http://schemas.microsoft.com/office/drawing/2014/main" id="{A393E8FD-6792-49D2-AEEF-CE716DA042D2}"/>
+                </a:ext>
+              </a:extLst>
+            </p:cNvPr>
+            <p:cNvSpPr>
+              <a:spLocks noChangeShapeType="1"/>
+            </p:cNvSpPr>
+            <p:nvPr/>
+          </p:nvSpPr>
+          <p:spPr bwMode="auto">
+            <a:xfrm flipV="1">
+              <a:off x="-1971" y="1862"/>
+              <a:ext cx="1" cy="2"/>
+            </a:xfrm>
+            <a:prstGeom prst="line">
+              <a:avLst/>
+            </a:prstGeom>
+            <a:noFill/>
+            <a:ln w="17463">
+              <a:solidFill>
+                <a:srgbClr val="000000"/>
+              </a:solidFill>
+              <a:prstDash val="solid"/>
+              <a:round/>
+              <a:headEnd/>
+              <a:tailEnd/>
+            </a:ln>
+            <a:extLst>
+              <a:ext uri="{909E8E84-426E-40DD-AFC4-6F175D3DCCD1}">
+                <a14:hiddenFill xmlns:a14="http://schemas.microsoft.com/office/drawing/2010/main">
+                  <a:noFill/>
+                </a14:hiddenFill>
+              </a:ext>
+            </a:extLst>
+          </p:spPr>
+          <p:txBody>
+            <a:bodyPr vert="horz" wrap="square" lIns="91440" tIns="45720" rIns="91440" bIns="45720" numCol="1" anchor="t" anchorCtr="0" compatLnSpc="1">
+              <a:prstTxWarp prst="textNoShape">
+                <a:avLst/>
+              </a:prstTxWarp>
+            </a:bodyPr>
+            <a:lstStyle/>
+            <a:p>
+              <a:endParaRPr lang="en-US"/>
+            </a:p>
+          </p:txBody>
+        </p:sp>
+        <p:sp>
+          <p:nvSpPr>
+            <p:cNvPr id="74" name="Line 20">
+              <a:extLst>
+                <a:ext uri="{FF2B5EF4-FFF2-40B4-BE49-F238E27FC236}">
+                  <a16:creationId xmlns:a16="http://schemas.microsoft.com/office/drawing/2014/main" id="{C9D9E006-9E52-41C7-9C94-00817E4DF6A6}"/>
+                </a:ext>
+              </a:extLst>
+            </p:cNvPr>
+            <p:cNvSpPr>
+              <a:spLocks noChangeShapeType="1"/>
+            </p:cNvSpPr>
+            <p:nvPr/>
+          </p:nvSpPr>
+          <p:spPr bwMode="auto">
+            <a:xfrm flipV="1">
+              <a:off x="-1970" y="1861"/>
+              <a:ext cx="0" cy="1"/>
+            </a:xfrm>
+            <a:prstGeom prst="line">
+              <a:avLst/>
+            </a:prstGeom>
+            <a:noFill/>
+            <a:ln w="12700">
+              <a:solidFill>
+                <a:srgbClr val="000000"/>
+              </a:solidFill>
+              <a:prstDash val="solid"/>
+              <a:round/>
+              <a:headEnd/>
+              <a:tailEnd/>
+            </a:ln>
+            <a:extLst>
+              <a:ext uri="{909E8E84-426E-40DD-AFC4-6F175D3DCCD1}">
+                <a14:hiddenFill xmlns:a14="http://schemas.microsoft.com/office/drawing/2010/main">
+                  <a:noFill/>
+                </a14:hiddenFill>
+              </a:ext>
+            </a:extLst>
+          </p:spPr>
+          <p:txBody>
+            <a:bodyPr vert="horz" wrap="square" lIns="91440" tIns="45720" rIns="91440" bIns="45720" numCol="1" anchor="t" anchorCtr="0" compatLnSpc="1">
+              <a:prstTxWarp prst="textNoShape">
+                <a:avLst/>
+              </a:prstTxWarp>
+            </a:bodyPr>
+            <a:lstStyle/>
+            <a:p>
+              <a:endParaRPr lang="en-US"/>
+            </a:p>
+          </p:txBody>
+        </p:sp>
+        <p:sp>
+          <p:nvSpPr>
+            <p:cNvPr id="80" name="Line 21">
+              <a:extLst>
+                <a:ext uri="{FF2B5EF4-FFF2-40B4-BE49-F238E27FC236}">
+                  <a16:creationId xmlns:a16="http://schemas.microsoft.com/office/drawing/2014/main" id="{242C3F8C-9B58-4DC5-AECC-4A42BFE0183D}"/>
+                </a:ext>
+              </a:extLst>
+            </p:cNvPr>
+            <p:cNvSpPr>
+              <a:spLocks noChangeShapeType="1"/>
+            </p:cNvSpPr>
+            <p:nvPr/>
+          </p:nvSpPr>
+          <p:spPr bwMode="auto">
+            <a:xfrm flipV="1">
+              <a:off x="-1970" y="1788"/>
+              <a:ext cx="37" cy="73"/>
+            </a:xfrm>
+            <a:prstGeom prst="line">
+              <a:avLst/>
+            </a:prstGeom>
+            <a:noFill/>
+            <a:ln w="17463">
+              <a:solidFill>
+                <a:srgbClr val="000000"/>
+              </a:solidFill>
+              <a:prstDash val="solid"/>
+              <a:round/>
+              <a:headEnd/>
+              <a:tailEnd/>
+            </a:ln>
+            <a:extLst>
+              <a:ext uri="{909E8E84-426E-40DD-AFC4-6F175D3DCCD1}">
+                <a14:hiddenFill xmlns:a14="http://schemas.microsoft.com/office/drawing/2010/main">
+                  <a:noFill/>
+                </a14:hiddenFill>
+              </a:ext>
+            </a:extLst>
+          </p:spPr>
+          <p:txBody>
+            <a:bodyPr vert="horz" wrap="square" lIns="91440" tIns="45720" rIns="91440" bIns="45720" numCol="1" anchor="t" anchorCtr="0" compatLnSpc="1">
+              <a:prstTxWarp prst="textNoShape">
+                <a:avLst/>
+              </a:prstTxWarp>
+            </a:bodyPr>
+            <a:lstStyle/>
+            <a:p>
+              <a:endParaRPr lang="en-US"/>
+            </a:p>
+          </p:txBody>
+        </p:sp>
+        <p:sp>
+          <p:nvSpPr>
+            <p:cNvPr id="81" name="Line 22">
+              <a:extLst>
+                <a:ext uri="{FF2B5EF4-FFF2-40B4-BE49-F238E27FC236}">
+                  <a16:creationId xmlns:a16="http://schemas.microsoft.com/office/drawing/2014/main" id="{84E446F9-308A-45AA-A2FF-4235F941C977}"/>
+                </a:ext>
+              </a:extLst>
+            </p:cNvPr>
+            <p:cNvSpPr>
+              <a:spLocks noChangeShapeType="1"/>
+            </p:cNvSpPr>
+            <p:nvPr/>
+          </p:nvSpPr>
+          <p:spPr bwMode="auto">
+            <a:xfrm flipV="1">
+              <a:off x="-1933" y="1589"/>
+              <a:ext cx="0" cy="199"/>
+            </a:xfrm>
+            <a:prstGeom prst="line">
+              <a:avLst/>
+            </a:prstGeom>
+            <a:noFill/>
+            <a:ln w="12700">
+              <a:solidFill>
+                <a:srgbClr val="000000"/>
+              </a:solidFill>
+              <a:prstDash val="solid"/>
+              <a:round/>
+              <a:headEnd/>
+              <a:tailEnd/>
+            </a:ln>
+            <a:extLst>
+              <a:ext uri="{909E8E84-426E-40DD-AFC4-6F175D3DCCD1}">
+                <a14:hiddenFill xmlns:a14="http://schemas.microsoft.com/office/drawing/2010/main">
+                  <a:noFill/>
+                </a14:hiddenFill>
+              </a:ext>
+            </a:extLst>
+          </p:spPr>
+          <p:txBody>
+            <a:bodyPr vert="horz" wrap="square" lIns="91440" tIns="45720" rIns="91440" bIns="45720" numCol="1" anchor="t" anchorCtr="0" compatLnSpc="1">
+              <a:prstTxWarp prst="textNoShape">
+                <a:avLst/>
+              </a:prstTxWarp>
+            </a:bodyPr>
+            <a:lstStyle/>
+            <a:p>
+              <a:endParaRPr lang="en-US"/>
+            </a:p>
+          </p:txBody>
+        </p:sp>
+        <p:sp>
+          <p:nvSpPr>
+            <p:cNvPr id="82" name="Line 23">
+              <a:extLst>
+                <a:ext uri="{FF2B5EF4-FFF2-40B4-BE49-F238E27FC236}">
+                  <a16:creationId xmlns:a16="http://schemas.microsoft.com/office/drawing/2014/main" id="{C427F9EA-6F2C-47FF-BECF-B5D9A1D9875F}"/>
+                </a:ext>
+              </a:extLst>
+            </p:cNvPr>
+            <p:cNvSpPr>
+              <a:spLocks noChangeShapeType="1"/>
+            </p:cNvSpPr>
+            <p:nvPr/>
+          </p:nvSpPr>
+          <p:spPr bwMode="auto">
+            <a:xfrm flipH="1" flipV="1">
+              <a:off x="-1959" y="1562"/>
+              <a:ext cx="26" cy="27"/>
+            </a:xfrm>
+            <a:prstGeom prst="line">
+              <a:avLst/>
+            </a:prstGeom>
+            <a:noFill/>
+            <a:ln w="17463">
+              <a:solidFill>
+                <a:srgbClr val="000000"/>
+              </a:solidFill>
+              <a:prstDash val="solid"/>
+              <a:round/>
+              <a:headEnd/>
+              <a:tailEnd/>
+            </a:ln>
+            <a:extLst>
+              <a:ext uri="{909E8E84-426E-40DD-AFC4-6F175D3DCCD1}">
+                <a14:hiddenFill xmlns:a14="http://schemas.microsoft.com/office/drawing/2010/main">
+                  <a:noFill/>
+                </a14:hiddenFill>
+              </a:ext>
+            </a:extLst>
+          </p:spPr>
+          <p:txBody>
+            <a:bodyPr vert="horz" wrap="square" lIns="91440" tIns="45720" rIns="91440" bIns="45720" numCol="1" anchor="t" anchorCtr="0" compatLnSpc="1">
+              <a:prstTxWarp prst="textNoShape">
+                <a:avLst/>
+              </a:prstTxWarp>
+            </a:bodyPr>
+            <a:lstStyle/>
+            <a:p>
+              <a:endParaRPr lang="en-US"/>
+            </a:p>
+          </p:txBody>
+        </p:sp>
+        <p:sp>
+          <p:nvSpPr>
+            <p:cNvPr id="83" name="Line 24">
+              <a:extLst>
+                <a:ext uri="{FF2B5EF4-FFF2-40B4-BE49-F238E27FC236}">
+                  <a16:creationId xmlns:a16="http://schemas.microsoft.com/office/drawing/2014/main" id="{FD9144B8-5916-4E51-8120-1788AC1C9A7A}"/>
+                </a:ext>
+              </a:extLst>
+            </p:cNvPr>
+            <p:cNvSpPr>
+              <a:spLocks noChangeShapeType="1"/>
+            </p:cNvSpPr>
+            <p:nvPr/>
+          </p:nvSpPr>
+          <p:spPr bwMode="auto">
+            <a:xfrm>
+              <a:off x="-1959" y="1562"/>
+              <a:ext cx="0" cy="0"/>
+            </a:xfrm>
+            <a:prstGeom prst="line">
+              <a:avLst/>
+            </a:prstGeom>
+            <a:noFill/>
+            <a:ln w="12700">
+              <a:solidFill>
+                <a:srgbClr val="000000"/>
+              </a:solidFill>
+              <a:prstDash val="solid"/>
+              <a:round/>
+              <a:headEnd/>
+              <a:tailEnd/>
+            </a:ln>
+            <a:extLst>
+              <a:ext uri="{909E8E84-426E-40DD-AFC4-6F175D3DCCD1}">
+                <a14:hiddenFill xmlns:a14="http://schemas.microsoft.com/office/drawing/2010/main">
+                  <a:noFill/>
+                </a14:hiddenFill>
+              </a:ext>
+            </a:extLst>
+          </p:spPr>
+          <p:txBody>
+            <a:bodyPr vert="horz" wrap="square" lIns="91440" tIns="45720" rIns="91440" bIns="45720" numCol="1" anchor="t" anchorCtr="0" compatLnSpc="1">
+              <a:prstTxWarp prst="textNoShape">
+                <a:avLst/>
+              </a:prstTxWarp>
+            </a:bodyPr>
+            <a:lstStyle/>
+            <a:p>
+              <a:endParaRPr lang="en-US"/>
+            </a:p>
+          </p:txBody>
+        </p:sp>
+        <p:sp>
+          <p:nvSpPr>
+            <p:cNvPr id="84" name="Line 25">
+              <a:extLst>
+                <a:ext uri="{FF2B5EF4-FFF2-40B4-BE49-F238E27FC236}">
+                  <a16:creationId xmlns:a16="http://schemas.microsoft.com/office/drawing/2014/main" id="{2D542CC2-85BF-4048-A2D7-6CE8EFD0AE65}"/>
+                </a:ext>
+              </a:extLst>
+            </p:cNvPr>
+            <p:cNvSpPr>
+              <a:spLocks noChangeShapeType="1"/>
+            </p:cNvSpPr>
+            <p:nvPr/>
+          </p:nvSpPr>
+          <p:spPr bwMode="auto">
+            <a:xfrm flipH="1">
+              <a:off x="-2005" y="1562"/>
+              <a:ext cx="46" cy="0"/>
+            </a:xfrm>
+            <a:prstGeom prst="line">
+              <a:avLst/>
+            </a:prstGeom>
+            <a:noFill/>
+            <a:ln w="12700">
+              <a:solidFill>
+                <a:srgbClr val="000000"/>
+              </a:solidFill>
+              <a:prstDash val="solid"/>
+              <a:round/>
+              <a:headEnd/>
+              <a:tailEnd/>
+            </a:ln>
+            <a:extLst>
+              <a:ext uri="{909E8E84-426E-40DD-AFC4-6F175D3DCCD1}">
+                <a14:hiddenFill xmlns:a14="http://schemas.microsoft.com/office/drawing/2010/main">
+                  <a:noFill/>
+                </a14:hiddenFill>
+              </a:ext>
+            </a:extLst>
+          </p:spPr>
+          <p:txBody>
+            <a:bodyPr vert="horz" wrap="square" lIns="91440" tIns="45720" rIns="91440" bIns="45720" numCol="1" anchor="t" anchorCtr="0" compatLnSpc="1">
+              <a:prstTxWarp prst="textNoShape">
+                <a:avLst/>
+              </a:prstTxWarp>
+            </a:bodyPr>
+            <a:lstStyle/>
+            <a:p>
+              <a:endParaRPr lang="en-US"/>
+            </a:p>
+          </p:txBody>
+        </p:sp>
+        <p:sp>
+          <p:nvSpPr>
+            <p:cNvPr id="85" name="Line 26">
+              <a:extLst>
+                <a:ext uri="{FF2B5EF4-FFF2-40B4-BE49-F238E27FC236}">
+                  <a16:creationId xmlns:a16="http://schemas.microsoft.com/office/drawing/2014/main" id="{AA369A30-99B5-41B2-9DE8-F90D8C3CE7B9}"/>
+                </a:ext>
+              </a:extLst>
+            </p:cNvPr>
+            <p:cNvSpPr>
+              <a:spLocks noChangeShapeType="1"/>
+            </p:cNvSpPr>
+            <p:nvPr/>
+          </p:nvSpPr>
+          <p:spPr bwMode="auto">
+            <a:xfrm>
+              <a:off x="-2005" y="1562"/>
+              <a:ext cx="0" cy="0"/>
+            </a:xfrm>
+            <a:prstGeom prst="line">
+              <a:avLst/>
+            </a:prstGeom>
+            <a:noFill/>
+            <a:ln w="12700">
+              <a:solidFill>
+                <a:srgbClr val="000000"/>
+              </a:solidFill>
+              <a:prstDash val="solid"/>
+              <a:round/>
+              <a:headEnd/>
+              <a:tailEnd/>
+            </a:ln>
+            <a:extLst>
+              <a:ext uri="{909E8E84-426E-40DD-AFC4-6F175D3DCCD1}">
+                <a14:hiddenFill xmlns:a14="http://schemas.microsoft.com/office/drawing/2010/main">
+                  <a:noFill/>
+                </a14:hiddenFill>
+              </a:ext>
+            </a:extLst>
+          </p:spPr>
+          <p:txBody>
+            <a:bodyPr vert="horz" wrap="square" lIns="91440" tIns="45720" rIns="91440" bIns="45720" numCol="1" anchor="t" anchorCtr="0" compatLnSpc="1">
+              <a:prstTxWarp prst="textNoShape">
+                <a:avLst/>
+              </a:prstTxWarp>
+            </a:bodyPr>
+            <a:lstStyle/>
+            <a:p>
+              <a:endParaRPr lang="en-US"/>
+            </a:p>
+          </p:txBody>
+        </p:sp>
+        <p:sp>
+          <p:nvSpPr>
+            <p:cNvPr id="95" name="Line 27">
+              <a:extLst>
+                <a:ext uri="{FF2B5EF4-FFF2-40B4-BE49-F238E27FC236}">
+                  <a16:creationId xmlns:a16="http://schemas.microsoft.com/office/drawing/2014/main" id="{E3D86430-5031-4098-B9F8-E04D4A88B43E}"/>
+                </a:ext>
+              </a:extLst>
+            </p:cNvPr>
+            <p:cNvSpPr>
+              <a:spLocks noChangeShapeType="1"/>
+            </p:cNvSpPr>
+            <p:nvPr/>
+          </p:nvSpPr>
+          <p:spPr bwMode="auto">
+            <a:xfrm flipV="1">
+              <a:off x="-2005" y="1488"/>
+              <a:ext cx="0" cy="74"/>
+            </a:xfrm>
+            <a:prstGeom prst="line">
+              <a:avLst/>
+            </a:prstGeom>
+            <a:noFill/>
+            <a:ln w="12700">
+              <a:solidFill>
+                <a:srgbClr val="000000"/>
+              </a:solidFill>
+              <a:prstDash val="solid"/>
+              <a:round/>
+              <a:headEnd/>
+              <a:tailEnd/>
+            </a:ln>
+            <a:extLst>
+              <a:ext uri="{909E8E84-426E-40DD-AFC4-6F175D3DCCD1}">
+                <a14:hiddenFill xmlns:a14="http://schemas.microsoft.com/office/drawing/2010/main">
+                  <a:noFill/>
+                </a14:hiddenFill>
+              </a:ext>
+            </a:extLst>
+          </p:spPr>
+          <p:txBody>
+            <a:bodyPr vert="horz" wrap="square" lIns="91440" tIns="45720" rIns="91440" bIns="45720" numCol="1" anchor="t" anchorCtr="0" compatLnSpc="1">
+              <a:prstTxWarp prst="textNoShape">
+                <a:avLst/>
+              </a:prstTxWarp>
+            </a:bodyPr>
+            <a:lstStyle/>
+            <a:p>
+              <a:endParaRPr lang="en-US"/>
+            </a:p>
+          </p:txBody>
+        </p:sp>
+        <p:sp>
+          <p:nvSpPr>
+            <p:cNvPr id="96" name="Line 28">
+              <a:extLst>
+                <a:ext uri="{FF2B5EF4-FFF2-40B4-BE49-F238E27FC236}">
+                  <a16:creationId xmlns:a16="http://schemas.microsoft.com/office/drawing/2014/main" id="{374ACB13-8BFA-432B-BE42-4CB00CF9B8D0}"/>
+                </a:ext>
+              </a:extLst>
+            </p:cNvPr>
+            <p:cNvSpPr>
+              <a:spLocks noChangeShapeType="1"/>
+            </p:cNvSpPr>
+            <p:nvPr/>
+          </p:nvSpPr>
+          <p:spPr bwMode="auto">
+            <a:xfrm flipH="1">
+              <a:off x="-2081" y="1488"/>
+              <a:ext cx="76" cy="0"/>
+            </a:xfrm>
+            <a:prstGeom prst="line">
+              <a:avLst/>
+            </a:prstGeom>
+            <a:noFill/>
+            <a:ln w="12700">
+              <a:solidFill>
+                <a:srgbClr val="000000"/>
+              </a:solidFill>
+              <a:prstDash val="solid"/>
+              <a:round/>
+              <a:headEnd/>
+              <a:tailEnd/>
+            </a:ln>
+            <a:extLst>
+              <a:ext uri="{909E8E84-426E-40DD-AFC4-6F175D3DCCD1}">
+                <a14:hiddenFill xmlns:a14="http://schemas.microsoft.com/office/drawing/2010/main">
+                  <a:noFill/>
+                </a14:hiddenFill>
+              </a:ext>
+            </a:extLst>
+          </p:spPr>
+          <p:txBody>
+            <a:bodyPr vert="horz" wrap="square" lIns="91440" tIns="45720" rIns="91440" bIns="45720" numCol="1" anchor="t" anchorCtr="0" compatLnSpc="1">
+              <a:prstTxWarp prst="textNoShape">
+                <a:avLst/>
+              </a:prstTxWarp>
+            </a:bodyPr>
+            <a:lstStyle/>
+            <a:p>
+              <a:endParaRPr lang="en-US"/>
+            </a:p>
+          </p:txBody>
+        </p:sp>
+        <p:sp>
+          <p:nvSpPr>
+            <p:cNvPr id="97" name="Freeform 29">
+              <a:extLst>
+                <a:ext uri="{FF2B5EF4-FFF2-40B4-BE49-F238E27FC236}">
+                  <a16:creationId xmlns:a16="http://schemas.microsoft.com/office/drawing/2014/main" id="{A5566BF2-66BA-4404-B13D-46F862B2BE43}"/>
+                </a:ext>
+              </a:extLst>
+            </p:cNvPr>
+            <p:cNvSpPr>
+              <a:spLocks/>
+            </p:cNvSpPr>
+            <p:nvPr/>
+          </p:nvSpPr>
+          <p:spPr bwMode="auto">
+            <a:xfrm>
+              <a:off x="-2093" y="1616"/>
+              <a:ext cx="118" cy="122"/>
+            </a:xfrm>
+            <a:custGeom>
+              <a:avLst/>
+              <a:gdLst>
+                <a:gd name="T0" fmla="*/ 79 w 118"/>
+                <a:gd name="T1" fmla="*/ 113 h 122"/>
+                <a:gd name="T2" fmla="*/ 68 w 118"/>
+                <a:gd name="T3" fmla="*/ 120 h 122"/>
+                <a:gd name="T4" fmla="*/ 58 w 118"/>
+                <a:gd name="T5" fmla="*/ 122 h 122"/>
+                <a:gd name="T6" fmla="*/ 54 w 118"/>
+                <a:gd name="T7" fmla="*/ 122 h 122"/>
+                <a:gd name="T8" fmla="*/ 37 w 118"/>
+                <a:gd name="T9" fmla="*/ 121 h 122"/>
+                <a:gd name="T10" fmla="*/ 30 w 118"/>
+                <a:gd name="T11" fmla="*/ 118 h 122"/>
+                <a:gd name="T12" fmla="*/ 23 w 118"/>
+                <a:gd name="T13" fmla="*/ 111 h 122"/>
+                <a:gd name="T14" fmla="*/ 20 w 118"/>
+                <a:gd name="T15" fmla="*/ 100 h 122"/>
+                <a:gd name="T16" fmla="*/ 15 w 118"/>
+                <a:gd name="T17" fmla="*/ 76 h 122"/>
+                <a:gd name="T18" fmla="*/ 14 w 118"/>
+                <a:gd name="T19" fmla="*/ 70 h 122"/>
+                <a:gd name="T20" fmla="*/ 10 w 118"/>
+                <a:gd name="T21" fmla="*/ 62 h 122"/>
+                <a:gd name="T22" fmla="*/ 2 w 118"/>
+                <a:gd name="T23" fmla="*/ 45 h 122"/>
+                <a:gd name="T24" fmla="*/ 0 w 118"/>
+                <a:gd name="T25" fmla="*/ 41 h 122"/>
+                <a:gd name="T26" fmla="*/ 2 w 118"/>
+                <a:gd name="T27" fmla="*/ 32 h 122"/>
+                <a:gd name="T28" fmla="*/ 4 w 118"/>
+                <a:gd name="T29" fmla="*/ 31 h 122"/>
+                <a:gd name="T30" fmla="*/ 7 w 118"/>
+                <a:gd name="T31" fmla="*/ 34 h 122"/>
+                <a:gd name="T32" fmla="*/ 22 w 118"/>
+                <a:gd name="T33" fmla="*/ 58 h 122"/>
+                <a:gd name="T34" fmla="*/ 23 w 118"/>
+                <a:gd name="T35" fmla="*/ 59 h 122"/>
+                <a:gd name="T36" fmla="*/ 29 w 118"/>
+                <a:gd name="T37" fmla="*/ 59 h 122"/>
+                <a:gd name="T38" fmla="*/ 30 w 118"/>
+                <a:gd name="T39" fmla="*/ 55 h 122"/>
+                <a:gd name="T40" fmla="*/ 26 w 118"/>
+                <a:gd name="T41" fmla="*/ 15 h 122"/>
+                <a:gd name="T42" fmla="*/ 29 w 118"/>
+                <a:gd name="T43" fmla="*/ 6 h 122"/>
+                <a:gd name="T44" fmla="*/ 30 w 118"/>
+                <a:gd name="T45" fmla="*/ 6 h 122"/>
+                <a:gd name="T46" fmla="*/ 35 w 118"/>
+                <a:gd name="T47" fmla="*/ 8 h 122"/>
+                <a:gd name="T48" fmla="*/ 37 w 118"/>
+                <a:gd name="T49" fmla="*/ 11 h 122"/>
+                <a:gd name="T50" fmla="*/ 41 w 118"/>
+                <a:gd name="T51" fmla="*/ 49 h 122"/>
+                <a:gd name="T52" fmla="*/ 42 w 118"/>
+                <a:gd name="T53" fmla="*/ 52 h 122"/>
+                <a:gd name="T54" fmla="*/ 45 w 118"/>
+                <a:gd name="T55" fmla="*/ 48 h 122"/>
+                <a:gd name="T56" fmla="*/ 46 w 118"/>
+                <a:gd name="T57" fmla="*/ 24 h 122"/>
+                <a:gd name="T58" fmla="*/ 49 w 118"/>
+                <a:gd name="T59" fmla="*/ 4 h 122"/>
+                <a:gd name="T60" fmla="*/ 54 w 118"/>
+                <a:gd name="T61" fmla="*/ 0 h 122"/>
+                <a:gd name="T62" fmla="*/ 58 w 118"/>
+                <a:gd name="T63" fmla="*/ 1 h 122"/>
+                <a:gd name="T64" fmla="*/ 60 w 118"/>
+                <a:gd name="T65" fmla="*/ 7 h 122"/>
+                <a:gd name="T66" fmla="*/ 56 w 118"/>
+                <a:gd name="T67" fmla="*/ 49 h 122"/>
+                <a:gd name="T68" fmla="*/ 56 w 118"/>
+                <a:gd name="T69" fmla="*/ 51 h 122"/>
+                <a:gd name="T70" fmla="*/ 60 w 118"/>
+                <a:gd name="T71" fmla="*/ 51 h 122"/>
+                <a:gd name="T72" fmla="*/ 62 w 118"/>
+                <a:gd name="T73" fmla="*/ 49 h 122"/>
+                <a:gd name="T74" fmla="*/ 77 w 118"/>
+                <a:gd name="T75" fmla="*/ 14 h 122"/>
+                <a:gd name="T76" fmla="*/ 80 w 118"/>
+                <a:gd name="T77" fmla="*/ 11 h 122"/>
+                <a:gd name="T78" fmla="*/ 87 w 118"/>
+                <a:gd name="T79" fmla="*/ 13 h 122"/>
+                <a:gd name="T80" fmla="*/ 88 w 118"/>
+                <a:gd name="T81" fmla="*/ 17 h 122"/>
+                <a:gd name="T82" fmla="*/ 87 w 118"/>
+                <a:gd name="T83" fmla="*/ 21 h 122"/>
+                <a:gd name="T84" fmla="*/ 72 w 118"/>
+                <a:gd name="T85" fmla="*/ 62 h 122"/>
+                <a:gd name="T86" fmla="*/ 72 w 118"/>
+                <a:gd name="T87" fmla="*/ 66 h 122"/>
+                <a:gd name="T88" fmla="*/ 73 w 118"/>
+                <a:gd name="T89" fmla="*/ 76 h 122"/>
+                <a:gd name="T90" fmla="*/ 74 w 118"/>
+                <a:gd name="T91" fmla="*/ 80 h 122"/>
+                <a:gd name="T92" fmla="*/ 81 w 118"/>
+                <a:gd name="T93" fmla="*/ 84 h 122"/>
+                <a:gd name="T94" fmla="*/ 88 w 118"/>
+                <a:gd name="T95" fmla="*/ 82 h 122"/>
+                <a:gd name="T96" fmla="*/ 100 w 118"/>
+                <a:gd name="T97" fmla="*/ 75 h 122"/>
+                <a:gd name="T98" fmla="*/ 108 w 118"/>
+                <a:gd name="T99" fmla="*/ 72 h 122"/>
+                <a:gd name="T100" fmla="*/ 111 w 118"/>
+                <a:gd name="T101" fmla="*/ 73 h 122"/>
+                <a:gd name="T102" fmla="*/ 118 w 118"/>
+                <a:gd name="T103" fmla="*/ 80 h 122"/>
+                <a:gd name="T104" fmla="*/ 115 w 118"/>
+                <a:gd name="T105" fmla="*/ 83 h 122"/>
+                <a:gd name="T106" fmla="*/ 108 w 118"/>
+                <a:gd name="T107" fmla="*/ 86 h 122"/>
+                <a:gd name="T108" fmla="*/ 95 w 118"/>
+                <a:gd name="T109" fmla="*/ 94 h 122"/>
+                <a:gd name="T110" fmla="*/ 88 w 118"/>
+                <a:gd name="T111" fmla="*/ 101 h 122"/>
+                <a:gd name="T112" fmla="*/ 79 w 118"/>
+                <a:gd name="T113" fmla="*/ 113 h 122"/>
+              </a:gdLst>
+              <a:ahLst/>
+              <a:cxnLst>
+                <a:cxn ang="0">
+                  <a:pos x="T0" y="T1"/>
+                </a:cxn>
+                <a:cxn ang="0">
+                  <a:pos x="T2" y="T3"/>
+                </a:cxn>
+                <a:cxn ang="0">
+                  <a:pos x="T4" y="T5"/>
+                </a:cxn>
+                <a:cxn ang="0">
+                  <a:pos x="T6" y="T7"/>
+                </a:cxn>
+                <a:cxn ang="0">
+                  <a:pos x="T8" y="T9"/>
+                </a:cxn>
+                <a:cxn ang="0">
+                  <a:pos x="T10" y="T11"/>
+                </a:cxn>
+                <a:cxn ang="0">
+                  <a:pos x="T12" y="T13"/>
+                </a:cxn>
+                <a:cxn ang="0">
+                  <a:pos x="T14" y="T15"/>
+                </a:cxn>
+                <a:cxn ang="0">
+                  <a:pos x="T16" y="T17"/>
+                </a:cxn>
+                <a:cxn ang="0">
+                  <a:pos x="T18" y="T19"/>
+                </a:cxn>
+                <a:cxn ang="0">
+                  <a:pos x="T20" y="T21"/>
+                </a:cxn>
+                <a:cxn ang="0">
+                  <a:pos x="T22" y="T23"/>
+                </a:cxn>
+                <a:cxn ang="0">
+                  <a:pos x="T24" y="T25"/>
+                </a:cxn>
+                <a:cxn ang="0">
+                  <a:pos x="T26" y="T27"/>
+                </a:cxn>
+                <a:cxn ang="0">
+                  <a:pos x="T28" y="T29"/>
+                </a:cxn>
+                <a:cxn ang="0">
+                  <a:pos x="T30" y="T31"/>
+                </a:cxn>
+                <a:cxn ang="0">
+                  <a:pos x="T32" y="T33"/>
+                </a:cxn>
+                <a:cxn ang="0">
+                  <a:pos x="T34" y="T35"/>
+                </a:cxn>
+                <a:cxn ang="0">
+                  <a:pos x="T36" y="T37"/>
+                </a:cxn>
+                <a:cxn ang="0">
+                  <a:pos x="T38" y="T39"/>
+                </a:cxn>
+                <a:cxn ang="0">
+                  <a:pos x="T40" y="T41"/>
+                </a:cxn>
+                <a:cxn ang="0">
+                  <a:pos x="T42" y="T43"/>
+                </a:cxn>
+                <a:cxn ang="0">
+                  <a:pos x="T44" y="T45"/>
+                </a:cxn>
+                <a:cxn ang="0">
+                  <a:pos x="T46" y="T47"/>
+                </a:cxn>
+                <a:cxn ang="0">
+                  <a:pos x="T48" y="T49"/>
+                </a:cxn>
+                <a:cxn ang="0">
+                  <a:pos x="T50" y="T51"/>
+                </a:cxn>
+                <a:cxn ang="0">
+                  <a:pos x="T52" y="T53"/>
+                </a:cxn>
+                <a:cxn ang="0">
+                  <a:pos x="T54" y="T55"/>
+                </a:cxn>
+                <a:cxn ang="0">
+                  <a:pos x="T56" y="T57"/>
+                </a:cxn>
+                <a:cxn ang="0">
+                  <a:pos x="T58" y="T59"/>
+                </a:cxn>
+                <a:cxn ang="0">
+                  <a:pos x="T60" y="T61"/>
+                </a:cxn>
+                <a:cxn ang="0">
+                  <a:pos x="T62" y="T63"/>
+                </a:cxn>
+                <a:cxn ang="0">
+                  <a:pos x="T64" y="T65"/>
+                </a:cxn>
+                <a:cxn ang="0">
+                  <a:pos x="T66" y="T67"/>
+                </a:cxn>
+                <a:cxn ang="0">
+                  <a:pos x="T68" y="T69"/>
+                </a:cxn>
+                <a:cxn ang="0">
+                  <a:pos x="T70" y="T71"/>
+                </a:cxn>
+                <a:cxn ang="0">
+                  <a:pos x="T72" y="T73"/>
+                </a:cxn>
+                <a:cxn ang="0">
+                  <a:pos x="T74" y="T75"/>
+                </a:cxn>
+                <a:cxn ang="0">
+                  <a:pos x="T76" y="T77"/>
+                </a:cxn>
+                <a:cxn ang="0">
+                  <a:pos x="T78" y="T79"/>
+                </a:cxn>
+                <a:cxn ang="0">
+                  <a:pos x="T80" y="T81"/>
+                </a:cxn>
+                <a:cxn ang="0">
+                  <a:pos x="T82" y="T83"/>
+                </a:cxn>
+                <a:cxn ang="0">
+                  <a:pos x="T84" y="T85"/>
+                </a:cxn>
+                <a:cxn ang="0">
+                  <a:pos x="T86" y="T87"/>
+                </a:cxn>
+                <a:cxn ang="0">
+                  <a:pos x="T88" y="T89"/>
+                </a:cxn>
+                <a:cxn ang="0">
+                  <a:pos x="T90" y="T91"/>
+                </a:cxn>
+                <a:cxn ang="0">
+                  <a:pos x="T92" y="T93"/>
+                </a:cxn>
+                <a:cxn ang="0">
+                  <a:pos x="T94" y="T95"/>
+                </a:cxn>
+                <a:cxn ang="0">
+                  <a:pos x="T96" y="T97"/>
+                </a:cxn>
+                <a:cxn ang="0">
+                  <a:pos x="T98" y="T99"/>
+                </a:cxn>
+                <a:cxn ang="0">
+                  <a:pos x="T100" y="T101"/>
+                </a:cxn>
+                <a:cxn ang="0">
+                  <a:pos x="T102" y="T103"/>
+                </a:cxn>
+                <a:cxn ang="0">
+                  <a:pos x="T104" y="T105"/>
+                </a:cxn>
+                <a:cxn ang="0">
+                  <a:pos x="T106" y="T107"/>
+                </a:cxn>
+                <a:cxn ang="0">
+                  <a:pos x="T108" y="T109"/>
+                </a:cxn>
+                <a:cxn ang="0">
+                  <a:pos x="T110" y="T111"/>
+                </a:cxn>
+                <a:cxn ang="0">
+                  <a:pos x="T112" y="T113"/>
+                </a:cxn>
+              </a:cxnLst>
+              <a:rect l="0" t="0" r="r" b="b"/>
+              <a:pathLst>
+                <a:path w="118" h="122">
+                  <a:moveTo>
+                    <a:pt x="79" y="113"/>
+                  </a:moveTo>
+                  <a:lnTo>
+                    <a:pt x="79" y="113"/>
+                  </a:lnTo>
+                  <a:lnTo>
+                    <a:pt x="74" y="117"/>
+                  </a:lnTo>
+                  <a:lnTo>
+                    <a:pt x="68" y="120"/>
+                  </a:lnTo>
+                  <a:lnTo>
+                    <a:pt x="62" y="122"/>
+                  </a:lnTo>
+                  <a:lnTo>
+                    <a:pt x="58" y="122"/>
+                  </a:lnTo>
+                  <a:lnTo>
+                    <a:pt x="54" y="122"/>
+                  </a:lnTo>
+                  <a:lnTo>
+                    <a:pt x="54" y="122"/>
+                  </a:lnTo>
+                  <a:lnTo>
+                    <a:pt x="45" y="122"/>
+                  </a:lnTo>
+                  <a:lnTo>
+                    <a:pt x="37" y="121"/>
+                  </a:lnTo>
+                  <a:lnTo>
+                    <a:pt x="33" y="121"/>
+                  </a:lnTo>
+                  <a:lnTo>
+                    <a:pt x="30" y="118"/>
+                  </a:lnTo>
+                  <a:lnTo>
+                    <a:pt x="26" y="115"/>
+                  </a:lnTo>
+                  <a:lnTo>
+                    <a:pt x="23" y="111"/>
+                  </a:lnTo>
+                  <a:lnTo>
+                    <a:pt x="23" y="111"/>
+                  </a:lnTo>
+                  <a:lnTo>
+                    <a:pt x="20" y="100"/>
+                  </a:lnTo>
+                  <a:lnTo>
+                    <a:pt x="18" y="90"/>
+                  </a:lnTo>
+                  <a:lnTo>
+                    <a:pt x="15" y="76"/>
+                  </a:lnTo>
+                  <a:lnTo>
+                    <a:pt x="15" y="76"/>
+                  </a:lnTo>
+                  <a:lnTo>
+                    <a:pt x="14" y="70"/>
+                  </a:lnTo>
+                  <a:lnTo>
+                    <a:pt x="10" y="62"/>
+                  </a:lnTo>
+                  <a:lnTo>
+                    <a:pt x="10" y="62"/>
+                  </a:lnTo>
+                  <a:lnTo>
+                    <a:pt x="4" y="52"/>
+                  </a:lnTo>
+                  <a:lnTo>
+                    <a:pt x="2" y="45"/>
+                  </a:lnTo>
+                  <a:lnTo>
+                    <a:pt x="0" y="41"/>
+                  </a:lnTo>
+                  <a:lnTo>
+                    <a:pt x="0" y="41"/>
+                  </a:lnTo>
+                  <a:lnTo>
+                    <a:pt x="0" y="37"/>
+                  </a:lnTo>
+                  <a:lnTo>
+                    <a:pt x="2" y="32"/>
+                  </a:lnTo>
+                  <a:lnTo>
+                    <a:pt x="3" y="31"/>
+                  </a:lnTo>
+                  <a:lnTo>
+                    <a:pt x="4" y="31"/>
+                  </a:lnTo>
+                  <a:lnTo>
+                    <a:pt x="6" y="32"/>
+                  </a:lnTo>
+                  <a:lnTo>
+                    <a:pt x="7" y="34"/>
+                  </a:lnTo>
+                  <a:lnTo>
+                    <a:pt x="7" y="34"/>
+                  </a:lnTo>
+                  <a:lnTo>
+                    <a:pt x="22" y="58"/>
+                  </a:lnTo>
+                  <a:lnTo>
+                    <a:pt x="22" y="58"/>
+                  </a:lnTo>
+                  <a:lnTo>
+                    <a:pt x="23" y="59"/>
+                  </a:lnTo>
+                  <a:lnTo>
+                    <a:pt x="26" y="59"/>
+                  </a:lnTo>
+                  <a:lnTo>
+                    <a:pt x="29" y="59"/>
+                  </a:lnTo>
+                  <a:lnTo>
+                    <a:pt x="30" y="55"/>
+                  </a:lnTo>
+                  <a:lnTo>
+                    <a:pt x="30" y="55"/>
+                  </a:lnTo>
+                  <a:lnTo>
+                    <a:pt x="26" y="15"/>
+                  </a:lnTo>
+                  <a:lnTo>
+                    <a:pt x="26" y="15"/>
+                  </a:lnTo>
+                  <a:lnTo>
+                    <a:pt x="27" y="8"/>
+                  </a:lnTo>
+                  <a:lnTo>
+                    <a:pt x="29" y="6"/>
+                  </a:lnTo>
+                  <a:lnTo>
+                    <a:pt x="30" y="6"/>
+                  </a:lnTo>
+                  <a:lnTo>
+                    <a:pt x="30" y="6"/>
+                  </a:lnTo>
+                  <a:lnTo>
+                    <a:pt x="34" y="6"/>
+                  </a:lnTo>
+                  <a:lnTo>
+                    <a:pt x="35" y="8"/>
+                  </a:lnTo>
+                  <a:lnTo>
+                    <a:pt x="37" y="11"/>
+                  </a:lnTo>
+                  <a:lnTo>
+                    <a:pt x="37" y="11"/>
+                  </a:lnTo>
+                  <a:lnTo>
+                    <a:pt x="41" y="49"/>
+                  </a:lnTo>
+                  <a:lnTo>
+                    <a:pt x="41" y="49"/>
+                  </a:lnTo>
+                  <a:lnTo>
+                    <a:pt x="41" y="51"/>
+                  </a:lnTo>
+                  <a:lnTo>
+                    <a:pt x="42" y="52"/>
+                  </a:lnTo>
+                  <a:lnTo>
+                    <a:pt x="43" y="52"/>
+                  </a:lnTo>
+                  <a:lnTo>
+                    <a:pt x="45" y="48"/>
+                  </a:lnTo>
+                  <a:lnTo>
+                    <a:pt x="45" y="48"/>
+                  </a:lnTo>
+                  <a:lnTo>
+                    <a:pt x="46" y="24"/>
+                  </a:lnTo>
+                  <a:lnTo>
+                    <a:pt x="49" y="4"/>
+                  </a:lnTo>
+                  <a:lnTo>
+                    <a:pt x="49" y="4"/>
+                  </a:lnTo>
+                  <a:lnTo>
+                    <a:pt x="50" y="1"/>
+                  </a:lnTo>
+                  <a:lnTo>
+                    <a:pt x="54" y="0"/>
+                  </a:lnTo>
+                  <a:lnTo>
+                    <a:pt x="57" y="0"/>
+                  </a:lnTo>
+                  <a:lnTo>
+                    <a:pt x="58" y="1"/>
+                  </a:lnTo>
+                  <a:lnTo>
+                    <a:pt x="60" y="3"/>
+                  </a:lnTo>
+                  <a:lnTo>
+                    <a:pt x="60" y="7"/>
+                  </a:lnTo>
+                  <a:lnTo>
+                    <a:pt x="60" y="7"/>
+                  </a:lnTo>
+                  <a:lnTo>
+                    <a:pt x="56" y="49"/>
+                  </a:lnTo>
+                  <a:lnTo>
+                    <a:pt x="56" y="49"/>
+                  </a:lnTo>
+                  <a:lnTo>
+                    <a:pt x="56" y="51"/>
+                  </a:lnTo>
+                  <a:lnTo>
+                    <a:pt x="58" y="52"/>
+                  </a:lnTo>
+                  <a:lnTo>
+                    <a:pt x="60" y="51"/>
+                  </a:lnTo>
+                  <a:lnTo>
+                    <a:pt x="62" y="49"/>
+                  </a:lnTo>
+                  <a:lnTo>
+                    <a:pt x="62" y="49"/>
+                  </a:lnTo>
+                  <a:lnTo>
+                    <a:pt x="77" y="14"/>
+                  </a:lnTo>
+                  <a:lnTo>
+                    <a:pt x="77" y="14"/>
+                  </a:lnTo>
+                  <a:lnTo>
+                    <a:pt x="79" y="13"/>
+                  </a:lnTo>
+                  <a:lnTo>
+                    <a:pt x="80" y="11"/>
+                  </a:lnTo>
+                  <a:lnTo>
+                    <a:pt x="85" y="11"/>
+                  </a:lnTo>
+                  <a:lnTo>
+                    <a:pt x="87" y="13"/>
+                  </a:lnTo>
+                  <a:lnTo>
+                    <a:pt x="88" y="14"/>
+                  </a:lnTo>
+                  <a:lnTo>
+                    <a:pt x="88" y="17"/>
+                  </a:lnTo>
+                  <a:lnTo>
+                    <a:pt x="87" y="21"/>
+                  </a:lnTo>
+                  <a:lnTo>
+                    <a:pt x="87" y="21"/>
+                  </a:lnTo>
+                  <a:lnTo>
+                    <a:pt x="79" y="44"/>
+                  </a:lnTo>
+                  <a:lnTo>
+                    <a:pt x="72" y="62"/>
+                  </a:lnTo>
+                  <a:lnTo>
+                    <a:pt x="72" y="62"/>
+                  </a:lnTo>
+                  <a:lnTo>
+                    <a:pt x="72" y="66"/>
+                  </a:lnTo>
+                  <a:lnTo>
+                    <a:pt x="72" y="72"/>
+                  </a:lnTo>
+                  <a:lnTo>
+                    <a:pt x="73" y="76"/>
+                  </a:lnTo>
+                  <a:lnTo>
+                    <a:pt x="74" y="80"/>
+                  </a:lnTo>
+                  <a:lnTo>
+                    <a:pt x="74" y="80"/>
+                  </a:lnTo>
+                  <a:lnTo>
+                    <a:pt x="77" y="83"/>
+                  </a:lnTo>
+                  <a:lnTo>
+                    <a:pt x="81" y="84"/>
+                  </a:lnTo>
+                  <a:lnTo>
+                    <a:pt x="84" y="84"/>
+                  </a:lnTo>
+                  <a:lnTo>
+                    <a:pt x="88" y="82"/>
+                  </a:lnTo>
+                  <a:lnTo>
+                    <a:pt x="88" y="82"/>
+                  </a:lnTo>
+                  <a:lnTo>
+                    <a:pt x="100" y="75"/>
+                  </a:lnTo>
+                  <a:lnTo>
+                    <a:pt x="106" y="72"/>
+                  </a:lnTo>
+                  <a:lnTo>
+                    <a:pt x="108" y="72"/>
+                  </a:lnTo>
+                  <a:lnTo>
+                    <a:pt x="111" y="73"/>
+                  </a:lnTo>
+                  <a:lnTo>
+                    <a:pt x="111" y="73"/>
+                  </a:lnTo>
+                  <a:lnTo>
+                    <a:pt x="116" y="76"/>
+                  </a:lnTo>
+                  <a:lnTo>
+                    <a:pt x="118" y="80"/>
+                  </a:lnTo>
+                  <a:lnTo>
+                    <a:pt x="116" y="82"/>
+                  </a:lnTo>
+                  <a:lnTo>
+                    <a:pt x="115" y="83"/>
+                  </a:lnTo>
+                  <a:lnTo>
+                    <a:pt x="108" y="86"/>
+                  </a:lnTo>
+                  <a:lnTo>
+                    <a:pt x="108" y="86"/>
+                  </a:lnTo>
+                  <a:lnTo>
+                    <a:pt x="100" y="90"/>
+                  </a:lnTo>
+                  <a:lnTo>
+                    <a:pt x="95" y="94"/>
+                  </a:lnTo>
+                  <a:lnTo>
+                    <a:pt x="88" y="101"/>
+                  </a:lnTo>
+                  <a:lnTo>
+                    <a:pt x="88" y="101"/>
+                  </a:lnTo>
+                  <a:lnTo>
+                    <a:pt x="79" y="113"/>
+                  </a:lnTo>
+                  <a:lnTo>
+                    <a:pt x="79" y="113"/>
+                  </a:lnTo>
+                  <a:close/>
+                </a:path>
+              </a:pathLst>
+            </a:custGeom>
+            <a:solidFill>
+              <a:srgbClr val="000000"/>
+            </a:solidFill>
+            <a:ln>
+              <a:noFill/>
+            </a:ln>
+            <a:extLst>
+              <a:ext uri="{91240B29-F687-4F45-9708-019B960494DF}">
+                <a14:hiddenLine xmlns:a14="http://schemas.microsoft.com/office/drawing/2010/main" w="9525">
+                  <a:solidFill>
+                    <a:srgbClr val="000000"/>
+                  </a:solidFill>
+                  <a:round/>
+                  <a:headEnd/>
+                  <a:tailEnd/>
+                </a14:hiddenLine>
+              </a:ext>
+            </a:extLst>
+          </p:spPr>
+          <p:txBody>
+            <a:bodyPr vert="horz" wrap="square" lIns="91440" tIns="45720" rIns="91440" bIns="45720" numCol="1" anchor="t" anchorCtr="0" compatLnSpc="1">
+              <a:prstTxWarp prst="textNoShape">
+                <a:avLst/>
+              </a:prstTxWarp>
+            </a:bodyPr>
+            <a:lstStyle/>
+            <a:p>
+              <a:endParaRPr lang="en-US"/>
+            </a:p>
+          </p:txBody>
+        </p:sp>
+      </p:grpSp>
     </p:spTree>
+    <p:extLst>
+      <p:ext uri="{BB962C8B-B14F-4D97-AF65-F5344CB8AC3E}">
+        <p14:creationId xmlns:p14="http://schemas.microsoft.com/office/powerpoint/2010/main" val="4083254824"/>
+      </p:ext>
+    </p:extLst>
   </p:cSld>
   <p:clrMapOvr>
     <a:masterClrMapping/>
